--- a/cuhk-csc-1004/slides/CSC1004 Tutorial 4.pptx
+++ b/cuhk-csc-1004/slides/CSC1004 Tutorial 4.pptx
@@ -5,29 +5,29 @@
     <p:sldMasterId id="2147483648" r:id="rId1"/>
   </p:sldMasterIdLst>
   <p:notesMasterIdLst>
-    <p:notesMasterId r:id="rId17"/>
+    <p:notesMasterId r:id="rId4"/>
   </p:notesMasterIdLst>
   <p:sldIdLst>
-    <p:sldId id="257" r:id="rId2"/>
-    <p:sldId id="349" r:id="rId3"/>
-    <p:sldId id="337" r:id="rId4"/>
-    <p:sldId id="338" r:id="rId5"/>
-    <p:sldId id="339" r:id="rId6"/>
-    <p:sldId id="334" r:id="rId7"/>
-    <p:sldId id="335" r:id="rId8"/>
-    <p:sldId id="344" r:id="rId9"/>
-    <p:sldId id="345" r:id="rId10"/>
-    <p:sldId id="346" r:id="rId11"/>
-    <p:sldId id="347" r:id="rId12"/>
-    <p:sldId id="341" r:id="rId13"/>
-    <p:sldId id="340" r:id="rId14"/>
-    <p:sldId id="348" r:id="rId15"/>
-    <p:sldId id="262" r:id="rId16"/>
+    <p:sldId id="257" r:id="rId3"/>
+    <p:sldId id="349" r:id="rId5"/>
+    <p:sldId id="337" r:id="rId6"/>
+    <p:sldId id="338" r:id="rId7"/>
+    <p:sldId id="339" r:id="rId8"/>
+    <p:sldId id="334" r:id="rId9"/>
+    <p:sldId id="335" r:id="rId10"/>
+    <p:sldId id="344" r:id="rId11"/>
+    <p:sldId id="345" r:id="rId12"/>
+    <p:sldId id="346" r:id="rId13"/>
+    <p:sldId id="347" r:id="rId14"/>
+    <p:sldId id="341" r:id="rId15"/>
+    <p:sldId id="340" r:id="rId16"/>
+    <p:sldId id="348" r:id="rId17"/>
+    <p:sldId id="262" r:id="rId18"/>
   </p:sldIdLst>
   <p:sldSz cx="12192000" cy="6858000"/>
   <p:notesSz cx="6858000" cy="9144000"/>
   <p:custDataLst>
-    <p:tags r:id="rId18"/>
+    <p:tags r:id="rId23"/>
   </p:custDataLst>
   <p:defaultTextStyle>
     <a:lvl1pPr marL="0" lvl="0" algn="l" defTabSz="914400">
@@ -36,7 +36,7 @@
           <a:schemeClr val="tx1"/>
         </a:solidFill>
         <a:latin typeface="Calibri" panose="020F0502020204030204"/>
-        <a:ea typeface="宋体" panose="02010600030101010101" pitchFamily="2" charset="-122"/>
+        <a:ea typeface="宋体" pitchFamily="2" charset="-122"/>
       </a:defRPr>
     </a:lvl1pPr>
     <a:lvl2pPr marL="457200" lvl="1" algn="l" defTabSz="914400">
@@ -45,7 +45,7 @@
           <a:schemeClr val="tx1"/>
         </a:solidFill>
         <a:latin typeface="Calibri" panose="020F0502020204030204"/>
-        <a:ea typeface="宋体" panose="02010600030101010101" pitchFamily="2" charset="-122"/>
+        <a:ea typeface="宋体" pitchFamily="2" charset="-122"/>
       </a:defRPr>
     </a:lvl2pPr>
     <a:lvl3pPr marL="914400" lvl="2" algn="l" defTabSz="914400">
@@ -54,7 +54,7 @@
           <a:schemeClr val="tx1"/>
         </a:solidFill>
         <a:latin typeface="Calibri" panose="020F0502020204030204"/>
-        <a:ea typeface="宋体" panose="02010600030101010101" pitchFamily="2" charset="-122"/>
+        <a:ea typeface="宋体" pitchFamily="2" charset="-122"/>
       </a:defRPr>
     </a:lvl3pPr>
     <a:lvl4pPr marL="1371600" lvl="3" algn="l" defTabSz="914400">
@@ -63,7 +63,7 @@
           <a:schemeClr val="tx1"/>
         </a:solidFill>
         <a:latin typeface="Calibri" panose="020F0502020204030204"/>
-        <a:ea typeface="宋体" panose="02010600030101010101" pitchFamily="2" charset="-122"/>
+        <a:ea typeface="宋体" pitchFamily="2" charset="-122"/>
       </a:defRPr>
     </a:lvl4pPr>
     <a:lvl5pPr marL="1828800" lvl="4" algn="l" defTabSz="914400">
@@ -72,7 +72,7 @@
           <a:schemeClr val="tx1"/>
         </a:solidFill>
         <a:latin typeface="Calibri" panose="020F0502020204030204"/>
-        <a:ea typeface="宋体" panose="02010600030101010101" pitchFamily="2" charset="-122"/>
+        <a:ea typeface="宋体" pitchFamily="2" charset="-122"/>
       </a:defRPr>
     </a:lvl5pPr>
     <a:lvl6pPr marL="2286000" lvl="5" algn="l" defTabSz="914400">
@@ -81,7 +81,7 @@
           <a:schemeClr val="tx1"/>
         </a:solidFill>
         <a:latin typeface="Calibri" panose="020F0502020204030204"/>
-        <a:ea typeface="宋体" panose="02010600030101010101" pitchFamily="2" charset="-122"/>
+        <a:ea typeface="宋体" pitchFamily="2" charset="-122"/>
       </a:defRPr>
     </a:lvl6pPr>
     <a:lvl7pPr marL="2743200" lvl="6" algn="l" defTabSz="914400">
@@ -90,7 +90,7 @@
           <a:schemeClr val="tx1"/>
         </a:solidFill>
         <a:latin typeface="Calibri" panose="020F0502020204030204"/>
-        <a:ea typeface="宋体" panose="02010600030101010101" pitchFamily="2" charset="-122"/>
+        <a:ea typeface="宋体" pitchFamily="2" charset="-122"/>
       </a:defRPr>
     </a:lvl7pPr>
     <a:lvl8pPr marL="3200400" lvl="7" algn="l" defTabSz="914400">
@@ -99,7 +99,7 @@
           <a:schemeClr val="tx1"/>
         </a:solidFill>
         <a:latin typeface="Calibri" panose="020F0502020204030204"/>
-        <a:ea typeface="宋体" panose="02010600030101010101" pitchFamily="2" charset="-122"/>
+        <a:ea typeface="宋体" pitchFamily="2" charset="-122"/>
       </a:defRPr>
     </a:lvl8pPr>
     <a:lvl9pPr marL="3657600" lvl="8" algn="l" defTabSz="914400">
@@ -108,15 +108,10 @@
           <a:schemeClr val="tx1"/>
         </a:solidFill>
         <a:latin typeface="Calibri" panose="020F0502020204030204"/>
-        <a:ea typeface="宋体" panose="02010600030101010101" pitchFamily="2" charset="-122"/>
+        <a:ea typeface="宋体" pitchFamily="2" charset="-122"/>
       </a:defRPr>
     </a:lvl9pPr>
   </p:defaultTextStyle>
-  <p:extLst>
-    <p:ext uri="{EFAFB233-063F-42B5-8137-9DF3F51BA10A}">
-      <p15:sldGuideLst xmlns:p15="http://schemas.microsoft.com/office/powerpoint/2012/main"/>
-    </p:ext>
-  </p:extLst>
 </p:presentation>
 </file>
 
@@ -208,7 +203,6 @@
           <a:p>
             <a:fld id="{78F13B20-8BB8-B74B-ADB5-DA5707988F1E}" type="datetimeFigureOut">
               <a:rPr lang="zh-CN" altLang="en-US"/>
-              <a:t>2024/2/2</a:t>
             </a:fld>
             <a:endParaRPr kumimoji="1" lang="zh-CN" altLang="en-US"/>
           </a:p>
@@ -278,6 +272,7 @@
 第四级
 第五级</a:t>
             </a:r>
+            <a:endParaRPr kumimoji="1" lang="zh-CN" altLang="en-US"/>
           </a:p>
         </p:txBody>
       </p:sp>
@@ -341,7 +336,6 @@
           <a:p>
             <a:fld id="{1B28674F-E567-AA4B-8C16-788D7CE21C4F}" type="slidenum">
               <a:rPr/>
-              <a:t>‹#›</a:t>
             </a:fld>
             <a:endParaRPr kumimoji="1" lang="zh-CN" altLang="en-US"/>
           </a:p>
@@ -652,6 +646,7 @@
               <a:rPr lang="zh-CN"/>
               <a:t>单击此处编辑母版副标题样式</a:t>
             </a:r>
+            <a:endParaRPr lang="zh-CN"/>
           </a:p>
         </p:txBody>
       </p:sp>
@@ -720,6 +715,7 @@
               <a:rPr lang="zh-CN"/>
               <a:t>单击此处编辑母版标题样式</a:t>
             </a:r>
+            <a:endParaRPr lang="zh-CN"/>
           </a:p>
         </p:txBody>
       </p:sp>
@@ -891,6 +887,7 @@
               <a:rPr lang="zh-TW"/>
               <a:t>按一下以編輯母片文字樣式</a:t>
             </a:r>
+            <a:endParaRPr lang="zh-TW"/>
           </a:p>
           <a:p>
             <a:pPr lvl="1"/>
@@ -898,6 +895,7 @@
               <a:rPr lang="zh-TW"/>
               <a:t>第二層</a:t>
             </a:r>
+            <a:endParaRPr lang="zh-TW"/>
           </a:p>
           <a:p>
             <a:pPr lvl="2"/>
@@ -905,6 +903,7 @@
               <a:rPr lang="zh-TW"/>
               <a:t>第三層</a:t>
             </a:r>
+            <a:endParaRPr lang="zh-TW"/>
           </a:p>
           <a:p>
             <a:pPr lvl="3"/>
@@ -912,6 +911,7 @@
               <a:rPr lang="zh-TW"/>
               <a:t>第四層</a:t>
             </a:r>
+            <a:endParaRPr lang="zh-TW"/>
           </a:p>
           <a:p>
             <a:pPr lvl="4"/>
@@ -1101,6 +1101,7 @@
               <a:rPr lang="zh-CN"/>
               <a:t>单击此处编辑母版标题样式</a:t>
             </a:r>
+            <a:endParaRPr lang="zh-CN"/>
           </a:p>
         </p:txBody>
       </p:sp>
@@ -1134,6 +1135,7 @@
               <a:rPr lang="zh-CN"/>
               <a:t>单击此处编辑母版文本样式</a:t>
             </a:r>
+            <a:endParaRPr lang="zh-CN"/>
           </a:p>
           <a:p>
             <a:pPr lvl="1"/>
@@ -1141,6 +1143,7 @@
               <a:rPr lang="zh-CN"/>
               <a:t>二级</a:t>
             </a:r>
+            <a:endParaRPr lang="zh-CN"/>
           </a:p>
           <a:p>
             <a:pPr lvl="2"/>
@@ -1148,6 +1151,7 @@
               <a:rPr lang="zh-CN"/>
               <a:t>三级</a:t>
             </a:r>
+            <a:endParaRPr lang="zh-CN"/>
           </a:p>
           <a:p>
             <a:pPr lvl="3"/>
@@ -1155,6 +1159,7 @@
               <a:rPr lang="zh-CN"/>
               <a:t>四级</a:t>
             </a:r>
+            <a:endParaRPr lang="zh-CN"/>
           </a:p>
           <a:p>
             <a:pPr lvl="4"/>
@@ -1162,6 +1167,7 @@
               <a:rPr lang="zh-CN"/>
               <a:t>五级</a:t>
             </a:r>
+            <a:endParaRPr lang="zh-CN"/>
           </a:p>
         </p:txBody>
       </p:sp>
@@ -1187,7 +1193,7 @@
             <a:schemeClr val="tx1"/>
           </a:solidFill>
           <a:latin typeface="Calibri Light" panose="020F0302020204030204"/>
-          <a:ea typeface="宋体" panose="02010600030101010101" pitchFamily="2" charset="-122"/>
+          <a:ea typeface="宋体" pitchFamily="2" charset="-122"/>
         </a:defRPr>
       </a:lvl1pPr>
     </p:titleStyle>
@@ -1199,14 +1205,14 @@
         <a:spcBef>
           <a:spcPts val="1000"/>
         </a:spcBef>
-        <a:buFont typeface="Arial" panose="020B0604020202020204"/>
+        <a:buFont typeface="Arial" panose="020B0604020202090204"/>
         <a:buChar char="•"/>
         <a:defRPr sz="2800" kern="1200">
           <a:solidFill>
             <a:schemeClr val="tx1"/>
           </a:solidFill>
           <a:latin typeface="Calibri" panose="020F0502020204030204"/>
-          <a:ea typeface="宋体" panose="02010600030101010101" pitchFamily="2" charset="-122"/>
+          <a:ea typeface="宋体" pitchFamily="2" charset="-122"/>
         </a:defRPr>
       </a:lvl1pPr>
       <a:lvl2pPr marL="685800" lvl="1" indent="-228600" algn="l" defTabSz="914400">
@@ -1216,14 +1222,14 @@
         <a:spcBef>
           <a:spcPts val="500"/>
         </a:spcBef>
-        <a:buFont typeface="Arial" panose="020B0604020202020204"/>
+        <a:buFont typeface="Arial" panose="020B0604020202090204"/>
         <a:buChar char="•"/>
         <a:defRPr sz="2400" kern="1200">
           <a:solidFill>
             <a:schemeClr val="tx1"/>
           </a:solidFill>
           <a:latin typeface="Calibri" panose="020F0502020204030204"/>
-          <a:ea typeface="宋体" panose="02010600030101010101" pitchFamily="2" charset="-122"/>
+          <a:ea typeface="宋体" pitchFamily="2" charset="-122"/>
         </a:defRPr>
       </a:lvl2pPr>
       <a:lvl3pPr marL="1143000" lvl="2" indent="-228600" algn="l" defTabSz="914400">
@@ -1233,14 +1239,14 @@
         <a:spcBef>
           <a:spcPts val="500"/>
         </a:spcBef>
-        <a:buFont typeface="Arial" panose="020B0604020202020204"/>
+        <a:buFont typeface="Arial" panose="020B0604020202090204"/>
         <a:buChar char="•"/>
         <a:defRPr sz="2000" kern="1200">
           <a:solidFill>
             <a:schemeClr val="tx1"/>
           </a:solidFill>
           <a:latin typeface="Calibri" panose="020F0502020204030204"/>
-          <a:ea typeface="宋体" panose="02010600030101010101" pitchFamily="2" charset="-122"/>
+          <a:ea typeface="宋体" pitchFamily="2" charset="-122"/>
         </a:defRPr>
       </a:lvl3pPr>
       <a:lvl4pPr marL="1600200" lvl="3" indent="-228600" algn="l" defTabSz="914400">
@@ -1250,14 +1256,14 @@
         <a:spcBef>
           <a:spcPts val="500"/>
         </a:spcBef>
-        <a:buFont typeface="Arial" panose="020B0604020202020204"/>
+        <a:buFont typeface="Arial" panose="020B0604020202090204"/>
         <a:buChar char="•"/>
         <a:defRPr sz="1800" kern="1200">
           <a:solidFill>
             <a:schemeClr val="tx1"/>
           </a:solidFill>
           <a:latin typeface="Calibri" panose="020F0502020204030204"/>
-          <a:ea typeface="宋体" panose="02010600030101010101" pitchFamily="2" charset="-122"/>
+          <a:ea typeface="宋体" pitchFamily="2" charset="-122"/>
         </a:defRPr>
       </a:lvl4pPr>
       <a:lvl5pPr marL="2057400" lvl="4" indent="-228600" algn="l" defTabSz="914400">
@@ -1267,14 +1273,14 @@
         <a:spcBef>
           <a:spcPts val="500"/>
         </a:spcBef>
-        <a:buFont typeface="Arial" panose="020B0604020202020204"/>
+        <a:buFont typeface="Arial" panose="020B0604020202090204"/>
         <a:buChar char="•"/>
         <a:defRPr sz="1800" kern="1200">
           <a:solidFill>
             <a:schemeClr val="tx1"/>
           </a:solidFill>
           <a:latin typeface="Calibri" panose="020F0502020204030204"/>
-          <a:ea typeface="宋体" panose="02010600030101010101" pitchFamily="2" charset="-122"/>
+          <a:ea typeface="宋体" pitchFamily="2" charset="-122"/>
         </a:defRPr>
       </a:lvl5pPr>
       <a:lvl6pPr marL="2514600" lvl="5" indent="-228600" algn="l" defTabSz="914400">
@@ -1284,14 +1290,14 @@
         <a:spcBef>
           <a:spcPts val="500"/>
         </a:spcBef>
-        <a:buFont typeface="Arial" panose="020B0604020202020204"/>
+        <a:buFont typeface="Arial" panose="020B0604020202090204"/>
         <a:buChar char="•"/>
         <a:defRPr sz="1800" kern="1200">
           <a:solidFill>
             <a:schemeClr val="tx1"/>
           </a:solidFill>
           <a:latin typeface="Calibri" panose="020F0502020204030204"/>
-          <a:ea typeface="宋体" panose="02010600030101010101" pitchFamily="2" charset="-122"/>
+          <a:ea typeface="宋体" pitchFamily="2" charset="-122"/>
         </a:defRPr>
       </a:lvl6pPr>
       <a:lvl7pPr marL="2971800" lvl="6" indent="-228600" algn="l" defTabSz="914400">
@@ -1301,14 +1307,14 @@
         <a:spcBef>
           <a:spcPts val="500"/>
         </a:spcBef>
-        <a:buFont typeface="Arial" panose="020B0604020202020204"/>
+        <a:buFont typeface="Arial" panose="020B0604020202090204"/>
         <a:buChar char="•"/>
         <a:defRPr sz="1800" kern="1200">
           <a:solidFill>
             <a:schemeClr val="tx1"/>
           </a:solidFill>
           <a:latin typeface="Calibri" panose="020F0502020204030204"/>
-          <a:ea typeface="宋体" panose="02010600030101010101" pitchFamily="2" charset="-122"/>
+          <a:ea typeface="宋体" pitchFamily="2" charset="-122"/>
         </a:defRPr>
       </a:lvl7pPr>
       <a:lvl8pPr marL="3429000" lvl="7" indent="-228600" algn="l" defTabSz="914400">
@@ -1318,14 +1324,14 @@
         <a:spcBef>
           <a:spcPts val="500"/>
         </a:spcBef>
-        <a:buFont typeface="Arial" panose="020B0604020202020204"/>
+        <a:buFont typeface="Arial" panose="020B0604020202090204"/>
         <a:buChar char="•"/>
         <a:defRPr sz="1800" kern="1200">
           <a:solidFill>
             <a:schemeClr val="tx1"/>
           </a:solidFill>
           <a:latin typeface="Calibri" panose="020F0502020204030204"/>
-          <a:ea typeface="宋体" panose="02010600030101010101" pitchFamily="2" charset="-122"/>
+          <a:ea typeface="宋体" pitchFamily="2" charset="-122"/>
         </a:defRPr>
       </a:lvl8pPr>
       <a:lvl9pPr marL="3886200" lvl="8" indent="-228600" algn="l" defTabSz="914400">
@@ -1335,14 +1341,14 @@
         <a:spcBef>
           <a:spcPts val="500"/>
         </a:spcBef>
-        <a:buFont typeface="Arial" panose="020B0604020202020204"/>
+        <a:buFont typeface="Arial" panose="020B0604020202090204"/>
         <a:buChar char="•"/>
         <a:defRPr sz="1800" kern="1200">
           <a:solidFill>
             <a:schemeClr val="tx1"/>
           </a:solidFill>
           <a:latin typeface="Calibri" panose="020F0502020204030204"/>
-          <a:ea typeface="宋体" panose="02010600030101010101" pitchFamily="2" charset="-122"/>
+          <a:ea typeface="宋体" pitchFamily="2" charset="-122"/>
         </a:defRPr>
       </a:lvl9pPr>
     </p:bodyStyle>
@@ -1353,7 +1359,7 @@
             <a:schemeClr val="tx1"/>
           </a:solidFill>
           <a:latin typeface="Calibri" panose="020F0502020204030204"/>
-          <a:ea typeface="宋体" panose="02010600030101010101" pitchFamily="2" charset="-122"/>
+          <a:ea typeface="宋体" pitchFamily="2" charset="-122"/>
         </a:defRPr>
       </a:lvl1pPr>
       <a:lvl2pPr marL="457200" lvl="1" algn="l" defTabSz="914400">
@@ -1362,7 +1368,7 @@
             <a:schemeClr val="tx1"/>
           </a:solidFill>
           <a:latin typeface="Calibri" panose="020F0502020204030204"/>
-          <a:ea typeface="宋体" panose="02010600030101010101" pitchFamily="2" charset="-122"/>
+          <a:ea typeface="宋体" pitchFamily="2" charset="-122"/>
         </a:defRPr>
       </a:lvl2pPr>
       <a:lvl3pPr marL="914400" lvl="2" algn="l" defTabSz="914400">
@@ -1371,7 +1377,7 @@
             <a:schemeClr val="tx1"/>
           </a:solidFill>
           <a:latin typeface="Calibri" panose="020F0502020204030204"/>
-          <a:ea typeface="宋体" panose="02010600030101010101" pitchFamily="2" charset="-122"/>
+          <a:ea typeface="宋体" pitchFamily="2" charset="-122"/>
         </a:defRPr>
       </a:lvl3pPr>
       <a:lvl4pPr marL="1371600" lvl="3" algn="l" defTabSz="914400">
@@ -1380,7 +1386,7 @@
             <a:schemeClr val="tx1"/>
           </a:solidFill>
           <a:latin typeface="Calibri" panose="020F0502020204030204"/>
-          <a:ea typeface="宋体" panose="02010600030101010101" pitchFamily="2" charset="-122"/>
+          <a:ea typeface="宋体" pitchFamily="2" charset="-122"/>
         </a:defRPr>
       </a:lvl4pPr>
       <a:lvl5pPr marL="1828800" lvl="4" algn="l" defTabSz="914400">
@@ -1389,7 +1395,7 @@
             <a:schemeClr val="tx1"/>
           </a:solidFill>
           <a:latin typeface="Calibri" panose="020F0502020204030204"/>
-          <a:ea typeface="宋体" panose="02010600030101010101" pitchFamily="2" charset="-122"/>
+          <a:ea typeface="宋体" pitchFamily="2" charset="-122"/>
         </a:defRPr>
       </a:lvl5pPr>
       <a:lvl6pPr marL="2286000" lvl="5" algn="l" defTabSz="914400">
@@ -1398,7 +1404,7 @@
             <a:schemeClr val="tx1"/>
           </a:solidFill>
           <a:latin typeface="Calibri" panose="020F0502020204030204"/>
-          <a:ea typeface="宋体" panose="02010600030101010101" pitchFamily="2" charset="-122"/>
+          <a:ea typeface="宋体" pitchFamily="2" charset="-122"/>
         </a:defRPr>
       </a:lvl6pPr>
       <a:lvl7pPr marL="2743200" lvl="6" algn="l" defTabSz="914400">
@@ -1407,7 +1413,7 @@
             <a:schemeClr val="tx1"/>
           </a:solidFill>
           <a:latin typeface="Calibri" panose="020F0502020204030204"/>
-          <a:ea typeface="宋体" panose="02010600030101010101" pitchFamily="2" charset="-122"/>
+          <a:ea typeface="宋体" pitchFamily="2" charset="-122"/>
         </a:defRPr>
       </a:lvl7pPr>
       <a:lvl8pPr marL="3200400" lvl="7" algn="l" defTabSz="914400">
@@ -1416,7 +1422,7 @@
             <a:schemeClr val="tx1"/>
           </a:solidFill>
           <a:latin typeface="Calibri" panose="020F0502020204030204"/>
-          <a:ea typeface="宋体" panose="02010600030101010101" pitchFamily="2" charset="-122"/>
+          <a:ea typeface="宋体" pitchFamily="2" charset="-122"/>
         </a:defRPr>
       </a:lvl8pPr>
       <a:lvl9pPr marL="3657600" lvl="8" algn="l" defTabSz="914400">
@@ -1425,7 +1431,7 @@
             <a:schemeClr val="tx1"/>
           </a:solidFill>
           <a:latin typeface="Calibri" panose="020F0502020204030204"/>
-          <a:ea typeface="宋体" panose="02010600030101010101" pitchFamily="2" charset="-122"/>
+          <a:ea typeface="宋体" pitchFamily="2" charset="-122"/>
         </a:defRPr>
       </a:lvl9pPr>
     </p:otherStyle>
@@ -1487,9 +1493,9 @@
               <a:rPr lang="en-US" altLang="zh-CN" sz="2400" dirty="0">
                 <a:latin typeface="Calibri" panose="020F0502020204030204"/>
               </a:rPr>
-              <a:t>Zhihan Ning</a:t>
-            </a:r>
-            <a:endParaRPr lang="zh-CN" sz="3600" dirty="0">
+              <a:t>Shihao Hong</a:t>
+            </a:r>
+            <a:endParaRPr lang="en-US" altLang="zh-CN" sz="2400" dirty="0">
               <a:latin typeface="Calibri" panose="020F0502020204030204"/>
             </a:endParaRPr>
           </a:p>
@@ -1522,20 +1528,14 @@
       </p:grpSpPr>
       <p:pic>
         <p:nvPicPr>
-          <p:cNvPr id="21" name="图片 20">
-            <a:extLst>
-              <a:ext uri="{FF2B5EF4-FFF2-40B4-BE49-F238E27FC236}">
-                <a16:creationId xmlns:a16="http://schemas.microsoft.com/office/drawing/2014/main" id="{7165217C-2CE6-70A4-76B0-C4337CAE07AE}"/>
-              </a:ext>
-            </a:extLst>
-          </p:cNvPr>
+          <p:cNvPr id="21" name="图片 20"/>
           <p:cNvPicPr>
             <a:picLocks noChangeAspect="1"/>
           </p:cNvPicPr>
           <p:nvPr/>
         </p:nvPicPr>
         <p:blipFill>
-          <a:blip r:embed="rId2"/>
+          <a:blip r:embed="rId1"/>
           <a:stretch>
             <a:fillRect/>
           </a:stretch>
@@ -1552,13 +1552,7 @@
       </p:pic>
       <p:sp>
         <p:nvSpPr>
-          <p:cNvPr id="19" name="文本框 18">
-            <a:extLst>
-              <a:ext uri="{FF2B5EF4-FFF2-40B4-BE49-F238E27FC236}">
-                <a16:creationId xmlns:a16="http://schemas.microsoft.com/office/drawing/2014/main" id="{9A6F7CD3-5BFE-279F-E35D-96DDC30333E8}"/>
-              </a:ext>
-            </a:extLst>
-          </p:cNvPr>
+          <p:cNvPr id="19" name="文本框 18"/>
           <p:cNvSpPr txBox="1"/>
           <p:nvPr/>
         </p:nvSpPr>
@@ -1595,28 +1589,22 @@
               </a:buClr>
             </a:pPr>
             <a:endParaRPr lang="zh-CN" altLang="en-US" dirty="0">
-              <a:latin typeface="Times New Roman" panose="02020603050405020304" pitchFamily="18" charset="0"/>
-              <a:cs typeface="Times New Roman" panose="02020603050405020304" pitchFamily="18" charset="0"/>
+              <a:latin typeface="Times New Roman" panose="02020503050405090304" pitchFamily="18" charset="0"/>
+              <a:cs typeface="Times New Roman" panose="02020503050405090304" pitchFamily="18" charset="0"/>
             </a:endParaRPr>
           </a:p>
         </p:txBody>
       </p:sp>
       <p:pic>
         <p:nvPicPr>
-          <p:cNvPr id="17" name="图片 16">
-            <a:extLst>
-              <a:ext uri="{FF2B5EF4-FFF2-40B4-BE49-F238E27FC236}">
-                <a16:creationId xmlns:a16="http://schemas.microsoft.com/office/drawing/2014/main" id="{D58802FC-C019-6586-114A-4FC630214898}"/>
-              </a:ext>
-            </a:extLst>
-          </p:cNvPr>
+          <p:cNvPr id="17" name="图片 16"/>
           <p:cNvPicPr>
             <a:picLocks noChangeAspect="1"/>
           </p:cNvPicPr>
           <p:nvPr/>
         </p:nvPicPr>
         <p:blipFill>
-          <a:blip r:embed="rId3"/>
+          <a:blip r:embed="rId2"/>
           <a:stretch>
             <a:fillRect/>
           </a:stretch>
@@ -1658,13 +1646,7 @@
       </p:sp>
       <p:sp>
         <p:nvSpPr>
-          <p:cNvPr id="18" name="文本框 17">
-            <a:extLst>
-              <a:ext uri="{FF2B5EF4-FFF2-40B4-BE49-F238E27FC236}">
-                <a16:creationId xmlns:a16="http://schemas.microsoft.com/office/drawing/2014/main" id="{182473E4-47C9-19EC-6EE6-4041E2C6D5D8}"/>
-              </a:ext>
-            </a:extLst>
-          </p:cNvPr>
+          <p:cNvPr id="18" name="文本框 17"/>
           <p:cNvSpPr txBox="1"/>
           <p:nvPr/>
         </p:nvSpPr>
@@ -1701,18 +1683,13 @@
               </a:buClr>
             </a:pPr>
             <a:endParaRPr lang="zh-CN" altLang="en-US" dirty="0">
-              <a:latin typeface="Times New Roman" panose="02020603050405020304" pitchFamily="18" charset="0"/>
-              <a:cs typeface="Times New Roman" panose="02020603050405020304" pitchFamily="18" charset="0"/>
+              <a:latin typeface="Times New Roman" panose="02020503050405090304" pitchFamily="18" charset="0"/>
+              <a:cs typeface="Times New Roman" panose="02020503050405090304" pitchFamily="18" charset="0"/>
             </a:endParaRPr>
           </a:p>
         </p:txBody>
       </p:sp>
     </p:spTree>
-    <p:extLst>
-      <p:ext uri="{BB962C8B-B14F-4D97-AF65-F5344CB8AC3E}">
-        <p14:creationId xmlns:p14="http://schemas.microsoft.com/office/powerpoint/2010/main" val="636471228"/>
-      </p:ext>
-    </p:extLst>
   </p:cSld>
   <p:clrMapOvr>
     <a:masterClrMapping/>
@@ -1979,20 +1956,14 @@
       </p:sp>
       <p:pic>
         <p:nvPicPr>
-          <p:cNvPr id="6" name="图片 5">
-            <a:extLst>
-              <a:ext uri="{FF2B5EF4-FFF2-40B4-BE49-F238E27FC236}">
-                <a16:creationId xmlns:a16="http://schemas.microsoft.com/office/drawing/2014/main" id="{3CDBF8D0-55AF-00E4-3601-CA74ADED8DEC}"/>
-              </a:ext>
-            </a:extLst>
-          </p:cNvPr>
+          <p:cNvPr id="6" name="图片 5"/>
           <p:cNvPicPr>
             <a:picLocks noChangeAspect="1"/>
           </p:cNvPicPr>
           <p:nvPr/>
         </p:nvPicPr>
         <p:blipFill>
-          <a:blip r:embed="rId2"/>
+          <a:blip r:embed="rId1"/>
           <a:stretch>
             <a:fillRect/>
           </a:stretch>
@@ -2009,20 +1980,14 @@
       </p:pic>
       <p:pic>
         <p:nvPicPr>
-          <p:cNvPr id="9" name="图片 8">
-            <a:extLst>
-              <a:ext uri="{FF2B5EF4-FFF2-40B4-BE49-F238E27FC236}">
-                <a16:creationId xmlns:a16="http://schemas.microsoft.com/office/drawing/2014/main" id="{0A4C060A-A579-3A87-DB30-E7F998102DA8}"/>
-              </a:ext>
-            </a:extLst>
-          </p:cNvPr>
+          <p:cNvPr id="9" name="图片 8"/>
           <p:cNvPicPr>
             <a:picLocks noChangeAspect="1"/>
           </p:cNvPicPr>
           <p:nvPr/>
         </p:nvPicPr>
         <p:blipFill>
-          <a:blip r:embed="rId3"/>
+          <a:blip r:embed="rId2"/>
           <a:stretch>
             <a:fillRect/>
           </a:stretch>
@@ -2039,13 +2004,7 @@
       </p:pic>
       <p:sp>
         <p:nvSpPr>
-          <p:cNvPr id="10" name="文本框 9">
-            <a:extLst>
-              <a:ext uri="{FF2B5EF4-FFF2-40B4-BE49-F238E27FC236}">
-                <a16:creationId xmlns:a16="http://schemas.microsoft.com/office/drawing/2014/main" id="{9A6F7CD3-5BFE-279F-E35D-96DDC30333E8}"/>
-              </a:ext>
-            </a:extLst>
-          </p:cNvPr>
+          <p:cNvPr id="10" name="文本框 9"/>
           <p:cNvSpPr txBox="1"/>
           <p:nvPr/>
         </p:nvSpPr>
@@ -2082,21 +2041,15 @@
               </a:buClr>
             </a:pPr>
             <a:endParaRPr lang="zh-CN" altLang="en-US" dirty="0">
-              <a:latin typeface="Times New Roman" panose="02020603050405020304" pitchFamily="18" charset="0"/>
-              <a:cs typeface="Times New Roman" panose="02020603050405020304" pitchFamily="18" charset="0"/>
+              <a:latin typeface="Times New Roman" panose="02020503050405090304" pitchFamily="18" charset="0"/>
+              <a:cs typeface="Times New Roman" panose="02020503050405090304" pitchFamily="18" charset="0"/>
             </a:endParaRPr>
           </a:p>
         </p:txBody>
       </p:sp>
       <p:sp>
         <p:nvSpPr>
-          <p:cNvPr id="5" name="文本框 4">
-            <a:extLst>
-              <a:ext uri="{FF2B5EF4-FFF2-40B4-BE49-F238E27FC236}">
-                <a16:creationId xmlns:a16="http://schemas.microsoft.com/office/drawing/2014/main" id="{A8ED33A0-78BB-E045-3F4F-7D5B16B0DB21}"/>
-              </a:ext>
-            </a:extLst>
-          </p:cNvPr>
+          <p:cNvPr id="5" name="文本框 4"/>
           <p:cNvSpPr txBox="1"/>
           <p:nvPr/>
         </p:nvSpPr>
@@ -2131,44 +2084,38 @@
             </a:pPr>
             <a:r>
               <a:rPr lang="en-US" altLang="zh-CN" sz="2000" dirty="0">
-                <a:latin typeface="Times New Roman" panose="02020603050405020304" pitchFamily="18" charset="0"/>
+                <a:latin typeface="Times New Roman" panose="02020503050405090304" pitchFamily="18" charset="0"/>
                 <a:ea typeface="Tahoma" panose="020B0604030504040204" pitchFamily="34" charset="0"/>
-                <a:cs typeface="Times New Roman" panose="02020603050405020304" pitchFamily="18" charset="0"/>
+                <a:cs typeface="Times New Roman" panose="02020503050405090304" pitchFamily="18" charset="0"/>
               </a:rPr>
               <a:t>We can also create a new class which implements </a:t>
             </a:r>
             <a:r>
               <a:rPr lang="en-US" altLang="zh-CN" sz="2000" dirty="0" err="1">
-                <a:latin typeface="Times New Roman" panose="02020603050405020304" pitchFamily="18" charset="0"/>
+                <a:latin typeface="Times New Roman" panose="02020503050405090304" pitchFamily="18" charset="0"/>
                 <a:ea typeface="Tahoma" panose="020B0604030504040204" pitchFamily="34" charset="0"/>
-                <a:cs typeface="Times New Roman" panose="02020603050405020304" pitchFamily="18" charset="0"/>
+                <a:cs typeface="Times New Roman" panose="02020503050405090304" pitchFamily="18" charset="0"/>
               </a:rPr>
               <a:t>java.lang.Runnable</a:t>
             </a:r>
             <a:r>
               <a:rPr lang="en-US" altLang="zh-CN" sz="2000" dirty="0">
-                <a:latin typeface="Times New Roman" panose="02020603050405020304" pitchFamily="18" charset="0"/>
+                <a:latin typeface="Times New Roman" panose="02020503050405090304" pitchFamily="18" charset="0"/>
                 <a:ea typeface="Tahoma" panose="020B0604030504040204" pitchFamily="34" charset="0"/>
-                <a:cs typeface="Times New Roman" panose="02020603050405020304" pitchFamily="18" charset="0"/>
+                <a:cs typeface="Times New Roman" panose="02020503050405090304" pitchFamily="18" charset="0"/>
               </a:rPr>
               <a:t> interface and override run() method. Then we instantiate a Thread object and call start() method on this object. </a:t>
             </a:r>
             <a:endParaRPr lang="zh-CN" altLang="en-US" sz="2000" dirty="0">
-              <a:latin typeface="Times New Roman" panose="02020603050405020304" pitchFamily="18" charset="0"/>
-              <a:cs typeface="Times New Roman" panose="02020603050405020304" pitchFamily="18" charset="0"/>
+              <a:latin typeface="Times New Roman" panose="02020503050405090304" pitchFamily="18" charset="0"/>
+              <a:cs typeface="Times New Roman" panose="02020503050405090304" pitchFamily="18" charset="0"/>
             </a:endParaRPr>
           </a:p>
         </p:txBody>
       </p:sp>
       <p:sp>
         <p:nvSpPr>
-          <p:cNvPr id="12" name="文本框 11">
-            <a:extLst>
-              <a:ext uri="{FF2B5EF4-FFF2-40B4-BE49-F238E27FC236}">
-                <a16:creationId xmlns:a16="http://schemas.microsoft.com/office/drawing/2014/main" id="{182473E4-47C9-19EC-6EE6-4041E2C6D5D8}"/>
-              </a:ext>
-            </a:extLst>
-          </p:cNvPr>
+          <p:cNvPr id="12" name="文本框 11"/>
           <p:cNvSpPr txBox="1"/>
           <p:nvPr/>
         </p:nvSpPr>
@@ -2205,18 +2152,13 @@
               </a:buClr>
             </a:pPr>
             <a:endParaRPr lang="zh-CN" altLang="en-US" dirty="0">
-              <a:latin typeface="Times New Roman" panose="02020603050405020304" pitchFamily="18" charset="0"/>
-              <a:cs typeface="Times New Roman" panose="02020603050405020304" pitchFamily="18" charset="0"/>
+              <a:latin typeface="Times New Roman" panose="02020503050405090304" pitchFamily="18" charset="0"/>
+              <a:cs typeface="Times New Roman" panose="02020503050405090304" pitchFamily="18" charset="0"/>
             </a:endParaRPr>
           </a:p>
         </p:txBody>
       </p:sp>
     </p:spTree>
-    <p:extLst>
-      <p:ext uri="{BB962C8B-B14F-4D97-AF65-F5344CB8AC3E}">
-        <p14:creationId xmlns:p14="http://schemas.microsoft.com/office/powerpoint/2010/main" val="4061533192"/>
-      </p:ext>
-    </p:extLst>
   </p:cSld>
   <p:clrMapOvr>
     <a:masterClrMapping/>
@@ -2507,13 +2449,7 @@
       </p:grpSpPr>
       <p:sp>
         <p:nvSpPr>
-          <p:cNvPr id="2" name="文本框 1">
-            <a:extLst>
-              <a:ext uri="{FF2B5EF4-FFF2-40B4-BE49-F238E27FC236}">
-                <a16:creationId xmlns:a16="http://schemas.microsoft.com/office/drawing/2014/main" id="{033100C0-1433-7D72-A7D3-BB65F6A92211}"/>
-              </a:ext>
-            </a:extLst>
-          </p:cNvPr>
+          <p:cNvPr id="2" name="文本框 1"/>
           <p:cNvSpPr txBox="1"/>
           <p:nvPr/>
         </p:nvSpPr>
@@ -2540,11 +2476,15 @@
             </a:pPr>
             <a:r>
               <a:rPr lang="en-US" altLang="zh-CN" dirty="0">
-                <a:latin typeface="Times New Roman" panose="02020603050405020304" pitchFamily="18" charset="0"/>
-                <a:cs typeface="Times New Roman" panose="02020603050405020304" pitchFamily="18" charset="0"/>
+                <a:latin typeface="Times New Roman" panose="02020503050405090304" pitchFamily="18" charset="0"/>
+                <a:cs typeface="Times New Roman" panose="02020503050405090304" pitchFamily="18" charset="0"/>
               </a:rPr>
               <a:t>public class Server{</a:t>
             </a:r>
+            <a:endParaRPr lang="en-US" altLang="zh-CN" dirty="0">
+              <a:latin typeface="Times New Roman" panose="02020503050405090304" pitchFamily="18" charset="0"/>
+              <a:cs typeface="Times New Roman" panose="02020503050405090304" pitchFamily="18" charset="0"/>
+            </a:endParaRPr>
           </a:p>
           <a:p>
             <a:pPr algn="just">
@@ -2554,53 +2494,57 @@
             </a:pPr>
             <a:r>
               <a:rPr lang="en-US" altLang="zh-CN" dirty="0">
-                <a:latin typeface="Times New Roman" panose="02020603050405020304" pitchFamily="18" charset="0"/>
-                <a:cs typeface="Times New Roman" panose="02020603050405020304" pitchFamily="18" charset="0"/>
+                <a:latin typeface="Times New Roman" panose="02020503050405090304" pitchFamily="18" charset="0"/>
+                <a:cs typeface="Times New Roman" panose="02020503050405090304" pitchFamily="18" charset="0"/>
               </a:rPr>
               <a:t>    private </a:t>
             </a:r>
             <a:r>
               <a:rPr lang="en-US" altLang="zh-CN" dirty="0" err="1">
-                <a:latin typeface="Times New Roman" panose="02020603050405020304" pitchFamily="18" charset="0"/>
-                <a:cs typeface="Times New Roman" panose="02020603050405020304" pitchFamily="18" charset="0"/>
+                <a:latin typeface="Times New Roman" panose="02020503050405090304" pitchFamily="18" charset="0"/>
+                <a:cs typeface="Times New Roman" panose="02020503050405090304" pitchFamily="18" charset="0"/>
               </a:rPr>
               <a:t>ServerSocket</a:t>
             </a:r>
             <a:r>
               <a:rPr lang="en-US" altLang="zh-CN" dirty="0">
-                <a:latin typeface="Times New Roman" panose="02020603050405020304" pitchFamily="18" charset="0"/>
-                <a:cs typeface="Times New Roman" panose="02020603050405020304" pitchFamily="18" charset="0"/>
+                <a:latin typeface="Times New Roman" panose="02020503050405090304" pitchFamily="18" charset="0"/>
+                <a:cs typeface="Times New Roman" panose="02020503050405090304" pitchFamily="18" charset="0"/>
               </a:rPr>
               <a:t> </a:t>
             </a:r>
             <a:r>
               <a:rPr lang="en-US" altLang="zh-CN" dirty="0" err="1">
-                <a:latin typeface="Times New Roman" panose="02020603050405020304" pitchFamily="18" charset="0"/>
-                <a:cs typeface="Times New Roman" panose="02020603050405020304" pitchFamily="18" charset="0"/>
+                <a:latin typeface="Times New Roman" panose="02020503050405090304" pitchFamily="18" charset="0"/>
+                <a:cs typeface="Times New Roman" panose="02020503050405090304" pitchFamily="18" charset="0"/>
               </a:rPr>
               <a:t>serverSocket</a:t>
             </a:r>
             <a:r>
               <a:rPr lang="en-US" altLang="zh-CN" dirty="0">
-                <a:latin typeface="Times New Roman" panose="02020603050405020304" pitchFamily="18" charset="0"/>
-                <a:cs typeface="Times New Roman" panose="02020603050405020304" pitchFamily="18" charset="0"/>
+                <a:latin typeface="Times New Roman" panose="02020503050405090304" pitchFamily="18" charset="0"/>
+                <a:cs typeface="Times New Roman" panose="02020503050405090304" pitchFamily="18" charset="0"/>
               </a:rPr>
               <a:t>; // See previous slides, </a:t>
             </a:r>
             <a:r>
               <a:rPr lang="en-US" altLang="zh-CN" dirty="0" err="1">
-                <a:latin typeface="Times New Roman" panose="02020603050405020304" pitchFamily="18" charset="0"/>
-                <a:cs typeface="Times New Roman" panose="02020603050405020304" pitchFamily="18" charset="0"/>
+                <a:latin typeface="Times New Roman" panose="02020503050405090304" pitchFamily="18" charset="0"/>
+                <a:cs typeface="Times New Roman" panose="02020503050405090304" pitchFamily="18" charset="0"/>
               </a:rPr>
               <a:t>serverSocket</a:t>
             </a:r>
             <a:r>
               <a:rPr lang="en-US" altLang="zh-CN" dirty="0">
-                <a:latin typeface="Times New Roman" panose="02020603050405020304" pitchFamily="18" charset="0"/>
-                <a:cs typeface="Times New Roman" panose="02020603050405020304" pitchFamily="18" charset="0"/>
+                <a:latin typeface="Times New Roman" panose="02020503050405090304" pitchFamily="18" charset="0"/>
+                <a:cs typeface="Times New Roman" panose="02020503050405090304" pitchFamily="18" charset="0"/>
               </a:rPr>
               <a:t> is used to implement the server</a:t>
             </a:r>
+            <a:endParaRPr lang="en-US" altLang="zh-CN" dirty="0">
+              <a:latin typeface="Times New Roman" panose="02020503050405090304" pitchFamily="18" charset="0"/>
+              <a:cs typeface="Times New Roman" panose="02020503050405090304" pitchFamily="18" charset="0"/>
+            </a:endParaRPr>
           </a:p>
           <a:p>
             <a:pPr algn="just">
@@ -2610,39 +2554,43 @@
             </a:pPr>
             <a:r>
               <a:rPr lang="en-US" altLang="zh-CN" dirty="0">
-                <a:latin typeface="Times New Roman" panose="02020603050405020304" pitchFamily="18" charset="0"/>
-                <a:cs typeface="Times New Roman" panose="02020603050405020304" pitchFamily="18" charset="0"/>
+                <a:latin typeface="Times New Roman" panose="02020503050405090304" pitchFamily="18" charset="0"/>
+                <a:cs typeface="Times New Roman" panose="02020503050405090304" pitchFamily="18" charset="0"/>
               </a:rPr>
               <a:t>    public Server(</a:t>
             </a:r>
             <a:r>
               <a:rPr lang="en-US" altLang="zh-CN" dirty="0" err="1">
-                <a:latin typeface="Times New Roman" panose="02020603050405020304" pitchFamily="18" charset="0"/>
-                <a:cs typeface="Times New Roman" panose="02020603050405020304" pitchFamily="18" charset="0"/>
+                <a:latin typeface="Times New Roman" panose="02020503050405090304" pitchFamily="18" charset="0"/>
+                <a:cs typeface="Times New Roman" panose="02020503050405090304" pitchFamily="18" charset="0"/>
               </a:rPr>
               <a:t>ServerSocket</a:t>
             </a:r>
             <a:r>
               <a:rPr lang="en-US" altLang="zh-CN" dirty="0">
-                <a:latin typeface="Times New Roman" panose="02020603050405020304" pitchFamily="18" charset="0"/>
-                <a:cs typeface="Times New Roman" panose="02020603050405020304" pitchFamily="18" charset="0"/>
+                <a:latin typeface="Times New Roman" panose="02020503050405090304" pitchFamily="18" charset="0"/>
+                <a:cs typeface="Times New Roman" panose="02020503050405090304" pitchFamily="18" charset="0"/>
               </a:rPr>
               <a:t> </a:t>
             </a:r>
             <a:r>
               <a:rPr lang="en-US" altLang="zh-CN" dirty="0" err="1">
-                <a:latin typeface="Times New Roman" panose="02020603050405020304" pitchFamily="18" charset="0"/>
-                <a:cs typeface="Times New Roman" panose="02020603050405020304" pitchFamily="18" charset="0"/>
+                <a:latin typeface="Times New Roman" panose="02020503050405090304" pitchFamily="18" charset="0"/>
+                <a:cs typeface="Times New Roman" panose="02020503050405090304" pitchFamily="18" charset="0"/>
               </a:rPr>
               <a:t>serverSocket</a:t>
             </a:r>
             <a:r>
               <a:rPr lang="en-US" altLang="zh-CN" dirty="0">
-                <a:latin typeface="Times New Roman" panose="02020603050405020304" pitchFamily="18" charset="0"/>
-                <a:cs typeface="Times New Roman" panose="02020603050405020304" pitchFamily="18" charset="0"/>
+                <a:latin typeface="Times New Roman" panose="02020503050405090304" pitchFamily="18" charset="0"/>
+                <a:cs typeface="Times New Roman" panose="02020503050405090304" pitchFamily="18" charset="0"/>
               </a:rPr>
               <a:t>) {</a:t>
             </a:r>
+            <a:endParaRPr lang="en-US" altLang="zh-CN" dirty="0">
+              <a:latin typeface="Times New Roman" panose="02020503050405090304" pitchFamily="18" charset="0"/>
+              <a:cs typeface="Times New Roman" panose="02020503050405090304" pitchFamily="18" charset="0"/>
+            </a:endParaRPr>
           </a:p>
           <a:p>
             <a:pPr algn="just">
@@ -2652,67 +2600,71 @@
             </a:pPr>
             <a:r>
               <a:rPr lang="en-US" altLang="zh-CN" dirty="0">
-                <a:latin typeface="Times New Roman" panose="02020603050405020304" pitchFamily="18" charset="0"/>
-                <a:cs typeface="Times New Roman" panose="02020603050405020304" pitchFamily="18" charset="0"/>
+                <a:latin typeface="Times New Roman" panose="02020503050405090304" pitchFamily="18" charset="0"/>
+                <a:cs typeface="Times New Roman" panose="02020503050405090304" pitchFamily="18" charset="0"/>
               </a:rPr>
               <a:t>        </a:t>
             </a:r>
             <a:r>
               <a:rPr lang="en-US" altLang="zh-CN" dirty="0" err="1">
-                <a:latin typeface="Times New Roman" panose="02020603050405020304" pitchFamily="18" charset="0"/>
-                <a:cs typeface="Times New Roman" panose="02020603050405020304" pitchFamily="18" charset="0"/>
+                <a:latin typeface="Times New Roman" panose="02020503050405090304" pitchFamily="18" charset="0"/>
+                <a:cs typeface="Times New Roman" panose="02020503050405090304" pitchFamily="18" charset="0"/>
               </a:rPr>
               <a:t>this.serverSocket</a:t>
             </a:r>
             <a:r>
               <a:rPr lang="en-US" altLang="zh-CN" dirty="0">
-                <a:latin typeface="Times New Roman" panose="02020603050405020304" pitchFamily="18" charset="0"/>
-                <a:cs typeface="Times New Roman" panose="02020603050405020304" pitchFamily="18" charset="0"/>
+                <a:latin typeface="Times New Roman" panose="02020503050405090304" pitchFamily="18" charset="0"/>
+                <a:cs typeface="Times New Roman" panose="02020503050405090304" pitchFamily="18" charset="0"/>
               </a:rPr>
               <a:t> = </a:t>
             </a:r>
             <a:r>
               <a:rPr lang="en-US" altLang="zh-CN" dirty="0" err="1">
-                <a:latin typeface="Times New Roman" panose="02020603050405020304" pitchFamily="18" charset="0"/>
-                <a:cs typeface="Times New Roman" panose="02020603050405020304" pitchFamily="18" charset="0"/>
+                <a:latin typeface="Times New Roman" panose="02020503050405090304" pitchFamily="18" charset="0"/>
+                <a:cs typeface="Times New Roman" panose="02020503050405090304" pitchFamily="18" charset="0"/>
               </a:rPr>
               <a:t>serverSocket</a:t>
             </a:r>
             <a:r>
               <a:rPr lang="en-US" altLang="zh-CN" dirty="0">
-                <a:latin typeface="Times New Roman" panose="02020603050405020304" pitchFamily="18" charset="0"/>
-                <a:cs typeface="Times New Roman" panose="02020603050405020304" pitchFamily="18" charset="0"/>
+                <a:latin typeface="Times New Roman" panose="02020503050405090304" pitchFamily="18" charset="0"/>
+                <a:cs typeface="Times New Roman" panose="02020503050405090304" pitchFamily="18" charset="0"/>
               </a:rPr>
               <a:t>; // “</a:t>
             </a:r>
             <a:r>
               <a:rPr lang="en-US" altLang="zh-CN" dirty="0" err="1">
-                <a:latin typeface="Times New Roman" panose="02020603050405020304" pitchFamily="18" charset="0"/>
-                <a:cs typeface="Times New Roman" panose="02020603050405020304" pitchFamily="18" charset="0"/>
+                <a:latin typeface="Times New Roman" panose="02020503050405090304" pitchFamily="18" charset="0"/>
+                <a:cs typeface="Times New Roman" panose="02020503050405090304" pitchFamily="18" charset="0"/>
               </a:rPr>
               <a:t>this.serverSocket</a:t>
             </a:r>
             <a:r>
               <a:rPr lang="en-US" altLang="zh-CN" dirty="0">
-                <a:latin typeface="Times New Roman" panose="02020603050405020304" pitchFamily="18" charset="0"/>
-                <a:cs typeface="Times New Roman" panose="02020603050405020304" pitchFamily="18" charset="0"/>
+                <a:latin typeface="Times New Roman" panose="02020503050405090304" pitchFamily="18" charset="0"/>
+                <a:cs typeface="Times New Roman" panose="02020503050405090304" pitchFamily="18" charset="0"/>
               </a:rPr>
               <a:t>” refers to the private “</a:t>
             </a:r>
             <a:r>
               <a:rPr lang="en-US" altLang="zh-CN" dirty="0" err="1">
-                <a:latin typeface="Times New Roman" panose="02020603050405020304" pitchFamily="18" charset="0"/>
-                <a:cs typeface="Times New Roman" panose="02020603050405020304" pitchFamily="18" charset="0"/>
+                <a:latin typeface="Times New Roman" panose="02020503050405090304" pitchFamily="18" charset="0"/>
+                <a:cs typeface="Times New Roman" panose="02020503050405090304" pitchFamily="18" charset="0"/>
               </a:rPr>
               <a:t>serverSocket</a:t>
             </a:r>
             <a:r>
               <a:rPr lang="en-US" altLang="zh-CN" dirty="0">
-                <a:latin typeface="Times New Roman" panose="02020603050405020304" pitchFamily="18" charset="0"/>
-                <a:cs typeface="Times New Roman" panose="02020603050405020304" pitchFamily="18" charset="0"/>
+                <a:latin typeface="Times New Roman" panose="02020503050405090304" pitchFamily="18" charset="0"/>
+                <a:cs typeface="Times New Roman" panose="02020503050405090304" pitchFamily="18" charset="0"/>
               </a:rPr>
               <a:t>” in this class</a:t>
             </a:r>
+            <a:endParaRPr lang="en-US" altLang="zh-CN" dirty="0">
+              <a:latin typeface="Times New Roman" panose="02020503050405090304" pitchFamily="18" charset="0"/>
+              <a:cs typeface="Times New Roman" panose="02020503050405090304" pitchFamily="18" charset="0"/>
+            </a:endParaRPr>
           </a:p>
           <a:p>
             <a:pPr algn="just">
@@ -2722,11 +2674,15 @@
             </a:pPr>
             <a:r>
               <a:rPr lang="en-US" altLang="zh-CN" dirty="0">
-                <a:latin typeface="Times New Roman" panose="02020603050405020304" pitchFamily="18" charset="0"/>
-                <a:cs typeface="Times New Roman" panose="02020603050405020304" pitchFamily="18" charset="0"/>
+                <a:latin typeface="Times New Roman" panose="02020503050405090304" pitchFamily="18" charset="0"/>
+                <a:cs typeface="Times New Roman" panose="02020503050405090304" pitchFamily="18" charset="0"/>
               </a:rPr>
               <a:t>    }</a:t>
             </a:r>
+            <a:endParaRPr lang="en-US" altLang="zh-CN" dirty="0">
+              <a:latin typeface="Times New Roman" panose="02020503050405090304" pitchFamily="18" charset="0"/>
+              <a:cs typeface="Times New Roman" panose="02020503050405090304" pitchFamily="18" charset="0"/>
+            </a:endParaRPr>
           </a:p>
           <a:p>
             <a:pPr algn="just">
@@ -2736,25 +2692,29 @@
             </a:pPr>
             <a:r>
               <a:rPr lang="en-US" altLang="zh-CN" dirty="0">
-                <a:latin typeface="Times New Roman" panose="02020603050405020304" pitchFamily="18" charset="0"/>
-                <a:cs typeface="Times New Roman" panose="02020603050405020304" pitchFamily="18" charset="0"/>
+                <a:latin typeface="Times New Roman" panose="02020503050405090304" pitchFamily="18" charset="0"/>
+                <a:cs typeface="Times New Roman" panose="02020503050405090304" pitchFamily="18" charset="0"/>
               </a:rPr>
               <a:t>    public void </a:t>
             </a:r>
             <a:r>
               <a:rPr lang="en-US" altLang="zh-CN" dirty="0" err="1">
-                <a:latin typeface="Times New Roman" panose="02020603050405020304" pitchFamily="18" charset="0"/>
-                <a:cs typeface="Times New Roman" panose="02020603050405020304" pitchFamily="18" charset="0"/>
+                <a:latin typeface="Times New Roman" panose="02020503050405090304" pitchFamily="18" charset="0"/>
+                <a:cs typeface="Times New Roman" panose="02020503050405090304" pitchFamily="18" charset="0"/>
               </a:rPr>
               <a:t>startServer</a:t>
             </a:r>
             <a:r>
               <a:rPr lang="en-US" altLang="zh-CN" dirty="0">
-                <a:latin typeface="Times New Roman" panose="02020603050405020304" pitchFamily="18" charset="0"/>
-                <a:cs typeface="Times New Roman" panose="02020603050405020304" pitchFamily="18" charset="0"/>
+                <a:latin typeface="Times New Roman" panose="02020503050405090304" pitchFamily="18" charset="0"/>
+                <a:cs typeface="Times New Roman" panose="02020503050405090304" pitchFamily="18" charset="0"/>
               </a:rPr>
               <a:t>(){</a:t>
             </a:r>
+            <a:endParaRPr lang="en-US" altLang="zh-CN" dirty="0">
+              <a:latin typeface="Times New Roman" panose="02020503050405090304" pitchFamily="18" charset="0"/>
+              <a:cs typeface="Times New Roman" panose="02020503050405090304" pitchFamily="18" charset="0"/>
+            </a:endParaRPr>
           </a:p>
           <a:p>
             <a:pPr algn="just">
@@ -2764,25 +2724,29 @@
             </a:pPr>
             <a:r>
               <a:rPr lang="en-US" altLang="zh-CN" dirty="0">
-                <a:latin typeface="Times New Roman" panose="02020603050405020304" pitchFamily="18" charset="0"/>
-                <a:cs typeface="Times New Roman" panose="02020603050405020304" pitchFamily="18" charset="0"/>
+                <a:latin typeface="Times New Roman" panose="02020503050405090304" pitchFamily="18" charset="0"/>
+                <a:cs typeface="Times New Roman" panose="02020503050405090304" pitchFamily="18" charset="0"/>
               </a:rPr>
               <a:t>    while(!</a:t>
             </a:r>
             <a:r>
               <a:rPr lang="en-US" altLang="zh-CN" dirty="0" err="1">
-                <a:latin typeface="Times New Roman" panose="02020603050405020304" pitchFamily="18" charset="0"/>
-                <a:cs typeface="Times New Roman" panose="02020603050405020304" pitchFamily="18" charset="0"/>
+                <a:latin typeface="Times New Roman" panose="02020503050405090304" pitchFamily="18" charset="0"/>
+                <a:cs typeface="Times New Roman" panose="02020503050405090304" pitchFamily="18" charset="0"/>
               </a:rPr>
               <a:t>serverSocket.isClosed</a:t>
             </a:r>
             <a:r>
               <a:rPr lang="en-US" altLang="zh-CN" dirty="0">
-                <a:latin typeface="Times New Roman" panose="02020603050405020304" pitchFamily="18" charset="0"/>
-                <a:cs typeface="Times New Roman" panose="02020603050405020304" pitchFamily="18" charset="0"/>
+                <a:latin typeface="Times New Roman" panose="02020503050405090304" pitchFamily="18" charset="0"/>
+                <a:cs typeface="Times New Roman" panose="02020503050405090304" pitchFamily="18" charset="0"/>
               </a:rPr>
               <a:t>()){</a:t>
             </a:r>
+            <a:endParaRPr lang="en-US" altLang="zh-CN" dirty="0">
+              <a:latin typeface="Times New Roman" panose="02020503050405090304" pitchFamily="18" charset="0"/>
+              <a:cs typeface="Times New Roman" panose="02020503050405090304" pitchFamily="18" charset="0"/>
+            </a:endParaRPr>
           </a:p>
           <a:p>
             <a:pPr algn="just">
@@ -2792,39 +2756,43 @@
             </a:pPr>
             <a:r>
               <a:rPr lang="en-US" altLang="zh-CN" dirty="0">
-                <a:latin typeface="Times New Roman" panose="02020603050405020304" pitchFamily="18" charset="0"/>
-                <a:cs typeface="Times New Roman" panose="02020603050405020304" pitchFamily="18" charset="0"/>
+                <a:latin typeface="Times New Roman" panose="02020503050405090304" pitchFamily="18" charset="0"/>
+                <a:cs typeface="Times New Roman" panose="02020503050405090304" pitchFamily="18" charset="0"/>
               </a:rPr>
               <a:t>                Socket </a:t>
             </a:r>
             <a:r>
               <a:rPr lang="en-US" altLang="zh-CN" dirty="0" err="1">
-                <a:latin typeface="Times New Roman" panose="02020603050405020304" pitchFamily="18" charset="0"/>
-                <a:cs typeface="Times New Roman" panose="02020603050405020304" pitchFamily="18" charset="0"/>
+                <a:latin typeface="Times New Roman" panose="02020503050405090304" pitchFamily="18" charset="0"/>
+                <a:cs typeface="Times New Roman" panose="02020503050405090304" pitchFamily="18" charset="0"/>
               </a:rPr>
               <a:t>socket</a:t>
             </a:r>
             <a:r>
               <a:rPr lang="en-US" altLang="zh-CN" dirty="0">
-                <a:latin typeface="Times New Roman" panose="02020603050405020304" pitchFamily="18" charset="0"/>
-                <a:cs typeface="Times New Roman" panose="02020603050405020304" pitchFamily="18" charset="0"/>
+                <a:latin typeface="Times New Roman" panose="02020503050405090304" pitchFamily="18" charset="0"/>
+                <a:cs typeface="Times New Roman" panose="02020503050405090304" pitchFamily="18" charset="0"/>
               </a:rPr>
               <a:t> = </a:t>
             </a:r>
             <a:r>
               <a:rPr lang="en-US" altLang="zh-CN" dirty="0" err="1">
-                <a:latin typeface="Times New Roman" panose="02020603050405020304" pitchFamily="18" charset="0"/>
-                <a:cs typeface="Times New Roman" panose="02020603050405020304" pitchFamily="18" charset="0"/>
+                <a:latin typeface="Times New Roman" panose="02020503050405090304" pitchFamily="18" charset="0"/>
+                <a:cs typeface="Times New Roman" panose="02020503050405090304" pitchFamily="18" charset="0"/>
               </a:rPr>
               <a:t>serverSocket.accept</a:t>
             </a:r>
             <a:r>
               <a:rPr lang="en-US" altLang="zh-CN" dirty="0">
-                <a:latin typeface="Times New Roman" panose="02020603050405020304" pitchFamily="18" charset="0"/>
-                <a:cs typeface="Times New Roman" panose="02020603050405020304" pitchFamily="18" charset="0"/>
+                <a:latin typeface="Times New Roman" panose="02020503050405090304" pitchFamily="18" charset="0"/>
+                <a:cs typeface="Times New Roman" panose="02020503050405090304" pitchFamily="18" charset="0"/>
               </a:rPr>
               <a:t>(); // See previous slides, returns the socket and establish a connection between server and client</a:t>
             </a:r>
+            <a:endParaRPr lang="en-US" altLang="zh-CN" dirty="0">
+              <a:latin typeface="Times New Roman" panose="02020503050405090304" pitchFamily="18" charset="0"/>
+              <a:cs typeface="Times New Roman" panose="02020503050405090304" pitchFamily="18" charset="0"/>
+            </a:endParaRPr>
           </a:p>
           <a:p>
             <a:pPr algn="just">
@@ -2834,8 +2802,8 @@
             </a:pPr>
             <a:r>
               <a:rPr lang="en-US" altLang="zh-CN" dirty="0">
-                <a:latin typeface="Times New Roman" panose="02020603050405020304" pitchFamily="18" charset="0"/>
-                <a:cs typeface="Times New Roman" panose="02020603050405020304" pitchFamily="18" charset="0"/>
+                <a:latin typeface="Times New Roman" panose="02020503050405090304" pitchFamily="18" charset="0"/>
+                <a:cs typeface="Times New Roman" panose="02020503050405090304" pitchFamily="18" charset="0"/>
               </a:rPr>
               <a:t>                </a:t>
             </a:r>
@@ -2844,11 +2812,18 @@
                 <a:solidFill>
                   <a:srgbClr val="FF0000"/>
                 </a:solidFill>
-                <a:latin typeface="Times New Roman" panose="02020603050405020304" pitchFamily="18" charset="0"/>
-                <a:cs typeface="Times New Roman" panose="02020603050405020304" pitchFamily="18" charset="0"/>
+                <a:latin typeface="Times New Roman" panose="02020503050405090304" pitchFamily="18" charset="0"/>
+                <a:cs typeface="Times New Roman" panose="02020503050405090304" pitchFamily="18" charset="0"/>
               </a:rPr>
               <a:t>// Codes needed here to handle the clients with Multithreading techniques</a:t>
             </a:r>
+            <a:endParaRPr lang="en-US" altLang="zh-CN" dirty="0">
+              <a:solidFill>
+                <a:srgbClr val="FF0000"/>
+              </a:solidFill>
+              <a:latin typeface="Times New Roman" panose="02020503050405090304" pitchFamily="18" charset="0"/>
+              <a:cs typeface="Times New Roman" panose="02020503050405090304" pitchFamily="18" charset="0"/>
+            </a:endParaRPr>
           </a:p>
           <a:p>
             <a:pPr algn="just">
@@ -2861,36 +2836,36 @@
                 <a:solidFill>
                   <a:srgbClr val="FF0000"/>
                 </a:solidFill>
-                <a:latin typeface="Times New Roman" panose="02020603050405020304" pitchFamily="18" charset="0"/>
-                <a:cs typeface="Times New Roman" panose="02020603050405020304" pitchFamily="18" charset="0"/>
+                <a:latin typeface="Times New Roman" panose="02020503050405090304" pitchFamily="18" charset="0"/>
+                <a:cs typeface="Times New Roman" panose="02020503050405090304" pitchFamily="18" charset="0"/>
               </a:rPr>
               <a:t>                </a:t>
             </a:r>
             <a:r>
               <a:rPr lang="en-US" altLang="zh-CN" dirty="0" err="1">
-                <a:latin typeface="Times New Roman" panose="02020603050405020304" pitchFamily="18" charset="0"/>
-                <a:cs typeface="Times New Roman" panose="02020603050405020304" pitchFamily="18" charset="0"/>
+                <a:latin typeface="Times New Roman" panose="02020503050405090304" pitchFamily="18" charset="0"/>
+                <a:cs typeface="Times New Roman" panose="02020503050405090304" pitchFamily="18" charset="0"/>
               </a:rPr>
               <a:t>ClientHandler</a:t>
             </a:r>
             <a:r>
               <a:rPr lang="en-US" altLang="zh-CN" dirty="0">
-                <a:latin typeface="Times New Roman" panose="02020603050405020304" pitchFamily="18" charset="0"/>
-                <a:cs typeface="Times New Roman" panose="02020603050405020304" pitchFamily="18" charset="0"/>
+                <a:latin typeface="Times New Roman" panose="02020503050405090304" pitchFamily="18" charset="0"/>
+                <a:cs typeface="Times New Roman" panose="02020503050405090304" pitchFamily="18" charset="0"/>
               </a:rPr>
               <a:t> </a:t>
             </a:r>
             <a:r>
               <a:rPr lang="en-US" altLang="zh-CN" dirty="0" err="1">
-                <a:latin typeface="Times New Roman" panose="02020603050405020304" pitchFamily="18" charset="0"/>
-                <a:cs typeface="Times New Roman" panose="02020603050405020304" pitchFamily="18" charset="0"/>
+                <a:latin typeface="Times New Roman" panose="02020503050405090304" pitchFamily="18" charset="0"/>
+                <a:cs typeface="Times New Roman" panose="02020503050405090304" pitchFamily="18" charset="0"/>
               </a:rPr>
               <a:t>clientHandler</a:t>
             </a:r>
             <a:r>
               <a:rPr lang="en-US" altLang="zh-CN" dirty="0">
-                <a:latin typeface="Times New Roman" panose="02020603050405020304" pitchFamily="18" charset="0"/>
-                <a:cs typeface="Times New Roman" panose="02020603050405020304" pitchFamily="18" charset="0"/>
+                <a:latin typeface="Times New Roman" panose="02020503050405090304" pitchFamily="18" charset="0"/>
+                <a:cs typeface="Times New Roman" panose="02020503050405090304" pitchFamily="18" charset="0"/>
               </a:rPr>
               <a:t> = </a:t>
             </a:r>
@@ -2899,25 +2874,29 @@
                 <a:solidFill>
                   <a:schemeClr val="accent2"/>
                 </a:solidFill>
-                <a:latin typeface="Times New Roman" panose="02020603050405020304" pitchFamily="18" charset="0"/>
-                <a:cs typeface="Times New Roman" panose="02020603050405020304" pitchFamily="18" charset="0"/>
+                <a:latin typeface="Times New Roman" panose="02020503050405090304" pitchFamily="18" charset="0"/>
+                <a:cs typeface="Times New Roman" panose="02020503050405090304" pitchFamily="18" charset="0"/>
               </a:rPr>
               <a:t>new </a:t>
             </a:r>
             <a:r>
               <a:rPr lang="en-US" altLang="zh-CN" dirty="0" err="1">
-                <a:latin typeface="Times New Roman" panose="02020603050405020304" pitchFamily="18" charset="0"/>
-                <a:cs typeface="Times New Roman" panose="02020603050405020304" pitchFamily="18" charset="0"/>
+                <a:latin typeface="Times New Roman" panose="02020503050405090304" pitchFamily="18" charset="0"/>
+                <a:cs typeface="Times New Roman" panose="02020503050405090304" pitchFamily="18" charset="0"/>
               </a:rPr>
               <a:t>ClientHandler</a:t>
             </a:r>
             <a:r>
               <a:rPr lang="en-US" altLang="zh-CN" dirty="0">
-                <a:latin typeface="Times New Roman" panose="02020603050405020304" pitchFamily="18" charset="0"/>
-                <a:cs typeface="Times New Roman" panose="02020603050405020304" pitchFamily="18" charset="0"/>
+                <a:latin typeface="Times New Roman" panose="02020503050405090304" pitchFamily="18" charset="0"/>
+                <a:cs typeface="Times New Roman" panose="02020503050405090304" pitchFamily="18" charset="0"/>
               </a:rPr>
               <a:t>(socket);</a:t>
             </a:r>
+            <a:endParaRPr lang="en-US" altLang="zh-CN" dirty="0">
+              <a:latin typeface="Times New Roman" panose="02020503050405090304" pitchFamily="18" charset="0"/>
+              <a:cs typeface="Times New Roman" panose="02020503050405090304" pitchFamily="18" charset="0"/>
+            </a:endParaRPr>
           </a:p>
           <a:p>
             <a:pPr algn="just">
@@ -2927,22 +2906,22 @@
             </a:pPr>
             <a:r>
               <a:rPr lang="en-US" altLang="zh-CN" dirty="0">
-                <a:latin typeface="Times New Roman" panose="02020603050405020304" pitchFamily="18" charset="0"/>
-                <a:cs typeface="Times New Roman" panose="02020603050405020304" pitchFamily="18" charset="0"/>
+                <a:latin typeface="Times New Roman" panose="02020503050405090304" pitchFamily="18" charset="0"/>
+                <a:cs typeface="Times New Roman" panose="02020503050405090304" pitchFamily="18" charset="0"/>
               </a:rPr>
               <a:t>                Thread </a:t>
             </a:r>
             <a:r>
               <a:rPr lang="en-US" altLang="zh-CN" dirty="0" err="1">
-                <a:latin typeface="Times New Roman" panose="02020603050405020304" pitchFamily="18" charset="0"/>
-                <a:cs typeface="Times New Roman" panose="02020603050405020304" pitchFamily="18" charset="0"/>
+                <a:latin typeface="Times New Roman" panose="02020503050405090304" pitchFamily="18" charset="0"/>
+                <a:cs typeface="Times New Roman" panose="02020503050405090304" pitchFamily="18" charset="0"/>
               </a:rPr>
               <a:t>thread</a:t>
             </a:r>
             <a:r>
               <a:rPr lang="en-US" altLang="zh-CN" dirty="0">
-                <a:latin typeface="Times New Roman" panose="02020603050405020304" pitchFamily="18" charset="0"/>
-                <a:cs typeface="Times New Roman" panose="02020603050405020304" pitchFamily="18" charset="0"/>
+                <a:latin typeface="Times New Roman" panose="02020503050405090304" pitchFamily="18" charset="0"/>
+                <a:cs typeface="Times New Roman" panose="02020503050405090304" pitchFamily="18" charset="0"/>
               </a:rPr>
               <a:t> = </a:t>
             </a:r>
@@ -2951,32 +2930,36 @@
                 <a:solidFill>
                   <a:schemeClr val="accent2"/>
                 </a:solidFill>
-                <a:latin typeface="Times New Roman" panose="02020603050405020304" pitchFamily="18" charset="0"/>
-                <a:cs typeface="Times New Roman" panose="02020603050405020304" pitchFamily="18" charset="0"/>
+                <a:latin typeface="Times New Roman" panose="02020503050405090304" pitchFamily="18" charset="0"/>
+                <a:cs typeface="Times New Roman" panose="02020503050405090304" pitchFamily="18" charset="0"/>
               </a:rPr>
               <a:t>new </a:t>
             </a:r>
             <a:r>
               <a:rPr lang="en-US" altLang="zh-CN" dirty="0">
-                <a:latin typeface="Times New Roman" panose="02020603050405020304" pitchFamily="18" charset="0"/>
-                <a:cs typeface="Times New Roman" panose="02020603050405020304" pitchFamily="18" charset="0"/>
+                <a:latin typeface="Times New Roman" panose="02020503050405090304" pitchFamily="18" charset="0"/>
+                <a:cs typeface="Times New Roman" panose="02020503050405090304" pitchFamily="18" charset="0"/>
               </a:rPr>
               <a:t>Thread(</a:t>
             </a:r>
             <a:r>
               <a:rPr lang="en-US" altLang="zh-CN" dirty="0" err="1">
-                <a:latin typeface="Times New Roman" panose="02020603050405020304" pitchFamily="18" charset="0"/>
-                <a:cs typeface="Times New Roman" panose="02020603050405020304" pitchFamily="18" charset="0"/>
+                <a:latin typeface="Times New Roman" panose="02020503050405090304" pitchFamily="18" charset="0"/>
+                <a:cs typeface="Times New Roman" panose="02020503050405090304" pitchFamily="18" charset="0"/>
               </a:rPr>
               <a:t>clientHandler</a:t>
             </a:r>
             <a:r>
               <a:rPr lang="en-US" altLang="zh-CN" dirty="0">
-                <a:latin typeface="Times New Roman" panose="02020603050405020304" pitchFamily="18" charset="0"/>
-                <a:cs typeface="Times New Roman" panose="02020603050405020304" pitchFamily="18" charset="0"/>
+                <a:latin typeface="Times New Roman" panose="02020503050405090304" pitchFamily="18" charset="0"/>
+                <a:cs typeface="Times New Roman" panose="02020503050405090304" pitchFamily="18" charset="0"/>
               </a:rPr>
               <a:t>);</a:t>
             </a:r>
+            <a:endParaRPr lang="en-US" altLang="zh-CN" dirty="0">
+              <a:latin typeface="Times New Roman" panose="02020503050405090304" pitchFamily="18" charset="0"/>
+              <a:cs typeface="Times New Roman" panose="02020503050405090304" pitchFamily="18" charset="0"/>
+            </a:endParaRPr>
           </a:p>
           <a:p>
             <a:pPr algn="just">
@@ -2986,25 +2969,29 @@
             </a:pPr>
             <a:r>
               <a:rPr lang="en-US" altLang="zh-CN" dirty="0">
-                <a:latin typeface="Times New Roman" panose="02020603050405020304" pitchFamily="18" charset="0"/>
-                <a:cs typeface="Times New Roman" panose="02020603050405020304" pitchFamily="18" charset="0"/>
+                <a:latin typeface="Times New Roman" panose="02020503050405090304" pitchFamily="18" charset="0"/>
+                <a:cs typeface="Times New Roman" panose="02020503050405090304" pitchFamily="18" charset="0"/>
               </a:rPr>
               <a:t>                </a:t>
             </a:r>
             <a:r>
               <a:rPr lang="en-US" altLang="zh-CN" dirty="0" err="1">
-                <a:latin typeface="Times New Roman" panose="02020603050405020304" pitchFamily="18" charset="0"/>
-                <a:cs typeface="Times New Roman" panose="02020603050405020304" pitchFamily="18" charset="0"/>
+                <a:latin typeface="Times New Roman" panose="02020503050405090304" pitchFamily="18" charset="0"/>
+                <a:cs typeface="Times New Roman" panose="02020503050405090304" pitchFamily="18" charset="0"/>
               </a:rPr>
               <a:t>thread.start</a:t>
             </a:r>
             <a:r>
               <a:rPr lang="en-US" altLang="zh-CN" dirty="0">
-                <a:latin typeface="Times New Roman" panose="02020603050405020304" pitchFamily="18" charset="0"/>
-                <a:cs typeface="Times New Roman" panose="02020603050405020304" pitchFamily="18" charset="0"/>
+                <a:latin typeface="Times New Roman" panose="02020503050405090304" pitchFamily="18" charset="0"/>
+                <a:cs typeface="Times New Roman" panose="02020503050405090304" pitchFamily="18" charset="0"/>
               </a:rPr>
               <a:t>();</a:t>
             </a:r>
+            <a:endParaRPr lang="en-US" altLang="zh-CN" dirty="0">
+              <a:latin typeface="Times New Roman" panose="02020503050405090304" pitchFamily="18" charset="0"/>
+              <a:cs typeface="Times New Roman" panose="02020503050405090304" pitchFamily="18" charset="0"/>
+            </a:endParaRPr>
           </a:p>
           <a:p>
             <a:pPr algn="just">
@@ -3014,11 +3001,15 @@
             </a:pPr>
             <a:r>
               <a:rPr lang="en-US" altLang="zh-CN" dirty="0">
-                <a:latin typeface="Times New Roman" panose="02020603050405020304" pitchFamily="18" charset="0"/>
-                <a:cs typeface="Times New Roman" panose="02020603050405020304" pitchFamily="18" charset="0"/>
+                <a:latin typeface="Times New Roman" panose="02020503050405090304" pitchFamily="18" charset="0"/>
+                <a:cs typeface="Times New Roman" panose="02020503050405090304" pitchFamily="18" charset="0"/>
               </a:rPr>
               <a:t>            }</a:t>
             </a:r>
+            <a:endParaRPr lang="en-US" altLang="zh-CN" dirty="0">
+              <a:latin typeface="Times New Roman" panose="02020503050405090304" pitchFamily="18" charset="0"/>
+              <a:cs typeface="Times New Roman" panose="02020503050405090304" pitchFamily="18" charset="0"/>
+            </a:endParaRPr>
           </a:p>
           <a:p>
             <a:pPr algn="just">
@@ -3028,11 +3019,15 @@
             </a:pPr>
             <a:r>
               <a:rPr lang="en-US" altLang="zh-CN" dirty="0">
-                <a:latin typeface="Times New Roman" panose="02020603050405020304" pitchFamily="18" charset="0"/>
-                <a:cs typeface="Times New Roman" panose="02020603050405020304" pitchFamily="18" charset="0"/>
+                <a:latin typeface="Times New Roman" panose="02020503050405090304" pitchFamily="18" charset="0"/>
+                <a:cs typeface="Times New Roman" panose="02020503050405090304" pitchFamily="18" charset="0"/>
               </a:rPr>
               <a:t>    }</a:t>
             </a:r>
+            <a:endParaRPr lang="en-US" altLang="zh-CN" dirty="0">
+              <a:latin typeface="Times New Roman" panose="02020503050405090304" pitchFamily="18" charset="0"/>
+              <a:cs typeface="Times New Roman" panose="02020503050405090304" pitchFamily="18" charset="0"/>
+            </a:endParaRPr>
           </a:p>
           <a:p>
             <a:pPr algn="just">
@@ -3042,11 +3037,15 @@
             </a:pPr>
             <a:r>
               <a:rPr lang="en-US" altLang="zh-CN" dirty="0">
-                <a:latin typeface="Times New Roman" panose="02020603050405020304" pitchFamily="18" charset="0"/>
-                <a:cs typeface="Times New Roman" panose="02020603050405020304" pitchFamily="18" charset="0"/>
+                <a:latin typeface="Times New Roman" panose="02020503050405090304" pitchFamily="18" charset="0"/>
+                <a:cs typeface="Times New Roman" panose="02020503050405090304" pitchFamily="18" charset="0"/>
               </a:rPr>
               <a:t>    // Note that other functions, e.g., closing the server, are required</a:t>
             </a:r>
+            <a:endParaRPr lang="en-US" altLang="zh-CN" dirty="0">
+              <a:latin typeface="Times New Roman" panose="02020503050405090304" pitchFamily="18" charset="0"/>
+              <a:cs typeface="Times New Roman" panose="02020503050405090304" pitchFamily="18" charset="0"/>
+            </a:endParaRPr>
           </a:p>
           <a:p>
             <a:pPr algn="just">
@@ -3056,39 +3055,43 @@
             </a:pPr>
             <a:r>
               <a:rPr lang="en-US" altLang="zh-CN" dirty="0">
-                <a:latin typeface="Times New Roman" panose="02020603050405020304" pitchFamily="18" charset="0"/>
-                <a:cs typeface="Times New Roman" panose="02020603050405020304" pitchFamily="18" charset="0"/>
+                <a:latin typeface="Times New Roman" panose="02020503050405090304" pitchFamily="18" charset="0"/>
+                <a:cs typeface="Times New Roman" panose="02020503050405090304" pitchFamily="18" charset="0"/>
               </a:rPr>
               <a:t>    public static void main(String[] </a:t>
             </a:r>
             <a:r>
               <a:rPr lang="en-US" altLang="zh-CN" dirty="0" err="1">
-                <a:latin typeface="Times New Roman" panose="02020603050405020304" pitchFamily="18" charset="0"/>
-                <a:cs typeface="Times New Roman" panose="02020603050405020304" pitchFamily="18" charset="0"/>
+                <a:latin typeface="Times New Roman" panose="02020503050405090304" pitchFamily="18" charset="0"/>
+                <a:cs typeface="Times New Roman" panose="02020503050405090304" pitchFamily="18" charset="0"/>
               </a:rPr>
               <a:t>args</a:t>
             </a:r>
             <a:r>
               <a:rPr lang="en-US" altLang="zh-CN" dirty="0">
-                <a:latin typeface="Times New Roman" panose="02020603050405020304" pitchFamily="18" charset="0"/>
-                <a:cs typeface="Times New Roman" panose="02020603050405020304" pitchFamily="18" charset="0"/>
+                <a:latin typeface="Times New Roman" panose="02020503050405090304" pitchFamily="18" charset="0"/>
+                <a:cs typeface="Times New Roman" panose="02020503050405090304" pitchFamily="18" charset="0"/>
               </a:rPr>
               <a:t>) throws </a:t>
             </a:r>
             <a:r>
               <a:rPr lang="en-US" altLang="zh-CN" dirty="0" err="1">
-                <a:latin typeface="Times New Roman" panose="02020603050405020304" pitchFamily="18" charset="0"/>
-                <a:cs typeface="Times New Roman" panose="02020603050405020304" pitchFamily="18" charset="0"/>
+                <a:latin typeface="Times New Roman" panose="02020503050405090304" pitchFamily="18" charset="0"/>
+                <a:cs typeface="Times New Roman" panose="02020503050405090304" pitchFamily="18" charset="0"/>
               </a:rPr>
               <a:t>IOException</a:t>
             </a:r>
             <a:r>
               <a:rPr lang="en-US" altLang="zh-CN" dirty="0">
-                <a:latin typeface="Times New Roman" panose="02020603050405020304" pitchFamily="18" charset="0"/>
-                <a:cs typeface="Times New Roman" panose="02020603050405020304" pitchFamily="18" charset="0"/>
+                <a:latin typeface="Times New Roman" panose="02020503050405090304" pitchFamily="18" charset="0"/>
+                <a:cs typeface="Times New Roman" panose="02020503050405090304" pitchFamily="18" charset="0"/>
               </a:rPr>
               <a:t> { // the “main” function}</a:t>
             </a:r>
+            <a:endParaRPr lang="en-US" altLang="zh-CN" dirty="0">
+              <a:latin typeface="Times New Roman" panose="02020503050405090304" pitchFamily="18" charset="0"/>
+              <a:cs typeface="Times New Roman" panose="02020503050405090304" pitchFamily="18" charset="0"/>
+            </a:endParaRPr>
           </a:p>
           <a:p>
             <a:pPr algn="just">
@@ -3098,23 +3101,21 @@
             </a:pPr>
             <a:r>
               <a:rPr lang="en-US" altLang="zh-CN" dirty="0">
-                <a:latin typeface="Times New Roman" panose="02020603050405020304" pitchFamily="18" charset="0"/>
-                <a:cs typeface="Times New Roman" panose="02020603050405020304" pitchFamily="18" charset="0"/>
+                <a:latin typeface="Times New Roman" panose="02020503050405090304" pitchFamily="18" charset="0"/>
+                <a:cs typeface="Times New Roman" panose="02020503050405090304" pitchFamily="18" charset="0"/>
               </a:rPr>
               <a:t>}</a:t>
             </a:r>
+            <a:endParaRPr lang="en-US" altLang="zh-CN" dirty="0">
+              <a:latin typeface="Times New Roman" panose="02020503050405090304" pitchFamily="18" charset="0"/>
+              <a:cs typeface="Times New Roman" panose="02020503050405090304" pitchFamily="18" charset="0"/>
+            </a:endParaRPr>
           </a:p>
         </p:txBody>
       </p:sp>
       <p:sp>
         <p:nvSpPr>
-          <p:cNvPr id="3" name="文本框 2">
-            <a:extLst>
-              <a:ext uri="{FF2B5EF4-FFF2-40B4-BE49-F238E27FC236}">
-                <a16:creationId xmlns:a16="http://schemas.microsoft.com/office/drawing/2014/main" id="{A0961867-2AC3-3C2F-193A-296325A4215E}"/>
-              </a:ext>
-            </a:extLst>
-          </p:cNvPr>
+          <p:cNvPr id="3" name="文本框 2"/>
           <p:cNvSpPr txBox="1"/>
           <p:nvPr/>
         </p:nvSpPr>
@@ -3151,8 +3152,8 @@
               </a:buClr>
             </a:pPr>
             <a:endParaRPr lang="zh-CN" altLang="en-US" dirty="0">
-              <a:latin typeface="Times New Roman" panose="02020603050405020304" pitchFamily="18" charset="0"/>
-              <a:cs typeface="Times New Roman" panose="02020603050405020304" pitchFamily="18" charset="0"/>
+              <a:latin typeface="Times New Roman" panose="02020503050405090304" pitchFamily="18" charset="0"/>
+              <a:cs typeface="Times New Roman" panose="02020503050405090304" pitchFamily="18" charset="0"/>
             </a:endParaRPr>
           </a:p>
         </p:txBody>
@@ -3184,13 +3185,7 @@
       </p:sp>
       <p:sp>
         <p:nvSpPr>
-          <p:cNvPr id="5" name="Rectangle 3">
-            <a:extLst>
-              <a:ext uri="{FF2B5EF4-FFF2-40B4-BE49-F238E27FC236}">
-                <a16:creationId xmlns:a16="http://schemas.microsoft.com/office/drawing/2014/main" id="{08E24C01-847A-1004-1FD3-C6322E2FE4AE}"/>
-              </a:ext>
-            </a:extLst>
-          </p:cNvPr>
+          <p:cNvPr id="5" name="Rectangle 3"/>
           <p:cNvSpPr>
             <a:spLocks noChangeArrowheads="1"/>
           </p:cNvSpPr>
@@ -3235,9 +3230,6 @@
         </p:spPr>
         <p:txBody>
           <a:bodyPr vert="horz" wrap="none" lIns="91440" tIns="45720" rIns="91440" bIns="45720" numCol="1" anchor="ctr" anchorCtr="0" compatLnSpc="1">
-            <a:prstTxWarp prst="textNoShape">
-              <a:avLst/>
-            </a:prstTxWarp>
             <a:spAutoFit/>
           </a:bodyPr>
           <a:lstStyle/>
@@ -3256,7 +3248,6 @@
               <a:buSzTx/>
               <a:buFontTx/>
               <a:buNone/>
-              <a:tabLst/>
             </a:pPr>
             <a:endParaRPr kumimoji="0" lang="zh-CN" altLang="zh-CN" sz="1800" b="0" i="0" u="none" strike="noStrike" cap="none" normalizeH="0" baseline="0" dirty="0">
               <a:ln>
@@ -3266,17 +3257,12 @@
                 <a:schemeClr val="tx1"/>
               </a:solidFill>
               <a:effectLst/>
-              <a:latin typeface="Arial" panose="020B0604020202020204" pitchFamily="34" charset="0"/>
+              <a:latin typeface="Arial" panose="020B0604020202090204" pitchFamily="34" charset="0"/>
             </a:endParaRPr>
           </a:p>
         </p:txBody>
       </p:sp>
     </p:spTree>
-    <p:extLst>
-      <p:ext uri="{BB962C8B-B14F-4D97-AF65-F5344CB8AC3E}">
-        <p14:creationId xmlns:p14="http://schemas.microsoft.com/office/powerpoint/2010/main" val="3386769563"/>
-      </p:ext>
-    </p:extLst>
   </p:cSld>
   <p:clrMapOvr>
     <a:masterClrMapping/>
@@ -4174,13 +4160,7 @@
       </p:grpSpPr>
       <p:sp>
         <p:nvSpPr>
-          <p:cNvPr id="2" name="文本框 1">
-            <a:extLst>
-              <a:ext uri="{FF2B5EF4-FFF2-40B4-BE49-F238E27FC236}">
-                <a16:creationId xmlns:a16="http://schemas.microsoft.com/office/drawing/2014/main" id="{033100C0-1433-7D72-A7D3-BB65F6A92211}"/>
-              </a:ext>
-            </a:extLst>
-          </p:cNvPr>
+          <p:cNvPr id="2" name="文本框 1"/>
           <p:cNvSpPr txBox="1"/>
           <p:nvPr/>
         </p:nvSpPr>
@@ -4207,11 +4187,15 @@
             </a:pPr>
             <a:r>
               <a:rPr lang="en-US" altLang="zh-CN" dirty="0">
-                <a:latin typeface="Times New Roman" panose="02020603050405020304" pitchFamily="18" charset="0"/>
-                <a:cs typeface="Times New Roman" panose="02020603050405020304" pitchFamily="18" charset="0"/>
+                <a:latin typeface="Times New Roman" panose="02020503050405090304" pitchFamily="18" charset="0"/>
+                <a:cs typeface="Times New Roman" panose="02020503050405090304" pitchFamily="18" charset="0"/>
               </a:rPr>
               <a:t>public class Client{</a:t>
             </a:r>
+            <a:endParaRPr lang="en-US" altLang="zh-CN" dirty="0">
+              <a:latin typeface="Times New Roman" panose="02020503050405090304" pitchFamily="18" charset="0"/>
+              <a:cs typeface="Times New Roman" panose="02020503050405090304" pitchFamily="18" charset="0"/>
+            </a:endParaRPr>
           </a:p>
           <a:p>
             <a:pPr algn="just">
@@ -4221,28 +4205,28 @@
             </a:pPr>
             <a:r>
               <a:rPr lang="en-US" altLang="zh-CN" dirty="0">
-                <a:latin typeface="Times New Roman" panose="02020603050405020304" pitchFamily="18" charset="0"/>
-                <a:cs typeface="Times New Roman" panose="02020603050405020304" pitchFamily="18" charset="0"/>
+                <a:latin typeface="Times New Roman" panose="02020503050405090304" pitchFamily="18" charset="0"/>
+                <a:cs typeface="Times New Roman" panose="02020503050405090304" pitchFamily="18" charset="0"/>
               </a:rPr>
               <a:t>    </a:t>
             </a:r>
             <a:r>
               <a:rPr lang="nb-NO" altLang="zh-CN" dirty="0">
-                <a:latin typeface="Times New Roman" panose="02020603050405020304" pitchFamily="18" charset="0"/>
-                <a:cs typeface="Times New Roman" panose="02020603050405020304" pitchFamily="18" charset="0"/>
+                <a:latin typeface="Times New Roman" panose="02020503050405090304" pitchFamily="18" charset="0"/>
+                <a:cs typeface="Times New Roman" panose="02020503050405090304" pitchFamily="18" charset="0"/>
               </a:rPr>
               <a:t>private Socket socket; </a:t>
             </a:r>
             <a:r>
               <a:rPr lang="en-US" altLang="zh-CN" dirty="0">
-                <a:latin typeface="Times New Roman" panose="02020603050405020304" pitchFamily="18" charset="0"/>
-                <a:cs typeface="Times New Roman" panose="02020603050405020304" pitchFamily="18" charset="0"/>
+                <a:latin typeface="Times New Roman" panose="02020503050405090304" pitchFamily="18" charset="0"/>
+                <a:cs typeface="Times New Roman" panose="02020503050405090304" pitchFamily="18" charset="0"/>
               </a:rPr>
               <a:t>// See previous slides, socket is used to implement the client</a:t>
             </a:r>
             <a:endParaRPr lang="nb-NO" altLang="zh-CN" dirty="0">
-              <a:latin typeface="Times New Roman" panose="02020603050405020304" pitchFamily="18" charset="0"/>
-              <a:cs typeface="Times New Roman" panose="02020603050405020304" pitchFamily="18" charset="0"/>
+              <a:latin typeface="Times New Roman" panose="02020503050405090304" pitchFamily="18" charset="0"/>
+              <a:cs typeface="Times New Roman" panose="02020503050405090304" pitchFamily="18" charset="0"/>
             </a:endParaRPr>
           </a:p>
           <a:p>
@@ -4253,11 +4237,15 @@
             </a:pPr>
             <a:r>
               <a:rPr lang="nb-NO" altLang="zh-CN" dirty="0">
-                <a:latin typeface="Times New Roman" panose="02020603050405020304" pitchFamily="18" charset="0"/>
-                <a:cs typeface="Times New Roman" panose="02020603050405020304" pitchFamily="18" charset="0"/>
+                <a:latin typeface="Times New Roman" panose="02020503050405090304" pitchFamily="18" charset="0"/>
+                <a:cs typeface="Times New Roman" panose="02020503050405090304" pitchFamily="18" charset="0"/>
               </a:rPr>
               <a:t>    private BufferedReader bufferedReader; // Read from the server</a:t>
             </a:r>
+            <a:endParaRPr lang="nb-NO" altLang="zh-CN" dirty="0">
+              <a:latin typeface="Times New Roman" panose="02020503050405090304" pitchFamily="18" charset="0"/>
+              <a:cs typeface="Times New Roman" panose="02020503050405090304" pitchFamily="18" charset="0"/>
+            </a:endParaRPr>
           </a:p>
           <a:p>
             <a:pPr algn="just">
@@ -4267,11 +4255,15 @@
             </a:pPr>
             <a:r>
               <a:rPr lang="nb-NO" altLang="zh-CN" dirty="0">
-                <a:latin typeface="Times New Roman" panose="02020603050405020304" pitchFamily="18" charset="0"/>
-                <a:cs typeface="Times New Roman" panose="02020603050405020304" pitchFamily="18" charset="0"/>
+                <a:latin typeface="Times New Roman" panose="02020503050405090304" pitchFamily="18" charset="0"/>
+                <a:cs typeface="Times New Roman" panose="02020503050405090304" pitchFamily="18" charset="0"/>
               </a:rPr>
               <a:t>    private BufferedWriter bufferedWriter; // Write to the terminal</a:t>
             </a:r>
+            <a:endParaRPr lang="nb-NO" altLang="zh-CN" dirty="0">
+              <a:latin typeface="Times New Roman" panose="02020503050405090304" pitchFamily="18" charset="0"/>
+              <a:cs typeface="Times New Roman" panose="02020503050405090304" pitchFamily="18" charset="0"/>
+            </a:endParaRPr>
           </a:p>
           <a:p>
             <a:pPr algn="just">
@@ -4281,11 +4273,15 @@
             </a:pPr>
             <a:r>
               <a:rPr lang="nb-NO" altLang="zh-CN" dirty="0">
-                <a:latin typeface="Times New Roman" panose="02020603050405020304" pitchFamily="18" charset="0"/>
-                <a:cs typeface="Times New Roman" panose="02020603050405020304" pitchFamily="18" charset="0"/>
+                <a:latin typeface="Times New Roman" panose="02020503050405090304" pitchFamily="18" charset="0"/>
+                <a:cs typeface="Times New Roman" panose="02020503050405090304" pitchFamily="18" charset="0"/>
               </a:rPr>
               <a:t>    private String username;</a:t>
             </a:r>
+            <a:endParaRPr lang="nb-NO" altLang="zh-CN" dirty="0">
+              <a:latin typeface="Times New Roman" panose="02020503050405090304" pitchFamily="18" charset="0"/>
+              <a:cs typeface="Times New Roman" panose="02020503050405090304" pitchFamily="18" charset="0"/>
+            </a:endParaRPr>
           </a:p>
           <a:p>
             <a:pPr algn="just">
@@ -4295,28 +4291,28 @@
             </a:pPr>
             <a:r>
               <a:rPr lang="nb-NO" altLang="zh-CN" dirty="0">
-                <a:latin typeface="Times New Roman" panose="02020603050405020304" pitchFamily="18" charset="0"/>
-                <a:cs typeface="Times New Roman" panose="02020603050405020304" pitchFamily="18" charset="0"/>
+                <a:latin typeface="Times New Roman" panose="02020503050405090304" pitchFamily="18" charset="0"/>
+                <a:cs typeface="Times New Roman" panose="02020503050405090304" pitchFamily="18" charset="0"/>
               </a:rPr>
               <a:t>    public Client(Socket socket, String username){// </a:t>
             </a:r>
             <a:r>
               <a:rPr lang="en-US" altLang="zh-CN" dirty="0">
-                <a:latin typeface="Times New Roman" panose="02020603050405020304" pitchFamily="18" charset="0"/>
-                <a:cs typeface="Times New Roman" panose="02020603050405020304" pitchFamily="18" charset="0"/>
+                <a:latin typeface="Times New Roman" panose="02020503050405090304" pitchFamily="18" charset="0"/>
+                <a:cs typeface="Times New Roman" panose="02020503050405090304" pitchFamily="18" charset="0"/>
               </a:rPr>
               <a:t>See previous slides</a:t>
             </a:r>
             <a:r>
               <a:rPr lang="nb-NO" altLang="zh-CN" dirty="0">
-                <a:latin typeface="Times New Roman" panose="02020603050405020304" pitchFamily="18" charset="0"/>
-                <a:cs typeface="Times New Roman" panose="02020603050405020304" pitchFamily="18" charset="0"/>
+                <a:latin typeface="Times New Roman" panose="02020503050405090304" pitchFamily="18" charset="0"/>
+                <a:cs typeface="Times New Roman" panose="02020503050405090304" pitchFamily="18" charset="0"/>
               </a:rPr>
               <a:t>}</a:t>
             </a:r>
             <a:endParaRPr lang="en-US" altLang="zh-CN" dirty="0">
-              <a:latin typeface="Times New Roman" panose="02020603050405020304" pitchFamily="18" charset="0"/>
-              <a:cs typeface="Times New Roman" panose="02020603050405020304" pitchFamily="18" charset="0"/>
+              <a:latin typeface="Times New Roman" panose="02020503050405090304" pitchFamily="18" charset="0"/>
+              <a:cs typeface="Times New Roman" panose="02020503050405090304" pitchFamily="18" charset="0"/>
             </a:endParaRPr>
           </a:p>
           <a:p>
@@ -4327,39 +4323,43 @@
             </a:pPr>
             <a:r>
               <a:rPr lang="en-US" altLang="zh-CN" dirty="0">
-                <a:latin typeface="Times New Roman" panose="02020603050405020304" pitchFamily="18" charset="0"/>
-                <a:cs typeface="Times New Roman" panose="02020603050405020304" pitchFamily="18" charset="0"/>
+                <a:latin typeface="Times New Roman" panose="02020503050405090304" pitchFamily="18" charset="0"/>
+                <a:cs typeface="Times New Roman" panose="02020503050405090304" pitchFamily="18" charset="0"/>
               </a:rPr>
               <a:t>    public void </a:t>
             </a:r>
             <a:r>
               <a:rPr lang="en-US" altLang="zh-CN" dirty="0" err="1">
-                <a:latin typeface="Times New Roman" panose="02020603050405020304" pitchFamily="18" charset="0"/>
-                <a:cs typeface="Times New Roman" panose="02020603050405020304" pitchFamily="18" charset="0"/>
+                <a:latin typeface="Times New Roman" panose="02020503050405090304" pitchFamily="18" charset="0"/>
+                <a:cs typeface="Times New Roman" panose="02020503050405090304" pitchFamily="18" charset="0"/>
               </a:rPr>
               <a:t>sendMessage</a:t>
             </a:r>
             <a:r>
               <a:rPr lang="en-US" altLang="zh-CN" dirty="0">
-                <a:latin typeface="Times New Roman" panose="02020603050405020304" pitchFamily="18" charset="0"/>
-                <a:cs typeface="Times New Roman" panose="02020603050405020304" pitchFamily="18" charset="0"/>
+                <a:latin typeface="Times New Roman" panose="02020503050405090304" pitchFamily="18" charset="0"/>
+                <a:cs typeface="Times New Roman" panose="02020503050405090304" pitchFamily="18" charset="0"/>
               </a:rPr>
               <a:t>(){// Functions leveraging </a:t>
             </a:r>
             <a:r>
               <a:rPr lang="nb-NO" altLang="zh-CN" dirty="0">
-                <a:latin typeface="Times New Roman" panose="02020603050405020304" pitchFamily="18" charset="0"/>
-                <a:cs typeface="Times New Roman" panose="02020603050405020304" pitchFamily="18" charset="0"/>
+                <a:latin typeface="Times New Roman" panose="02020503050405090304" pitchFamily="18" charset="0"/>
+                <a:cs typeface="Times New Roman" panose="02020503050405090304" pitchFamily="18" charset="0"/>
               </a:rPr>
               <a:t>bufferedWriter</a:t>
             </a:r>
             <a:r>
               <a:rPr lang="en-US" altLang="zh-CN" dirty="0">
-                <a:latin typeface="Times New Roman" panose="02020603050405020304" pitchFamily="18" charset="0"/>
-                <a:cs typeface="Times New Roman" panose="02020603050405020304" pitchFamily="18" charset="0"/>
+                <a:latin typeface="Times New Roman" panose="02020503050405090304" pitchFamily="18" charset="0"/>
+                <a:cs typeface="Times New Roman" panose="02020503050405090304" pitchFamily="18" charset="0"/>
               </a:rPr>
               <a:t>}</a:t>
             </a:r>
+            <a:endParaRPr lang="en-US" altLang="zh-CN" dirty="0">
+              <a:latin typeface="Times New Roman" panose="02020503050405090304" pitchFamily="18" charset="0"/>
+              <a:cs typeface="Times New Roman" panose="02020503050405090304" pitchFamily="18" charset="0"/>
+            </a:endParaRPr>
           </a:p>
           <a:p>
             <a:pPr algn="just">
@@ -4369,8 +4369,8 @@
             </a:pPr>
             <a:r>
               <a:rPr lang="en-US" altLang="zh-CN" dirty="0">
-                <a:latin typeface="Times New Roman" panose="02020603050405020304" pitchFamily="18" charset="0"/>
-                <a:cs typeface="Times New Roman" panose="02020603050405020304" pitchFamily="18" charset="0"/>
+                <a:latin typeface="Times New Roman" panose="02020503050405090304" pitchFamily="18" charset="0"/>
+                <a:cs typeface="Times New Roman" panose="02020503050405090304" pitchFamily="18" charset="0"/>
               </a:rPr>
               <a:t>    </a:t>
             </a:r>
@@ -4379,8 +4379,8 @@
                 <a:solidFill>
                   <a:schemeClr val="accent2"/>
                 </a:solidFill>
-                <a:latin typeface="Times New Roman" panose="02020603050405020304" pitchFamily="18" charset="0"/>
-                <a:cs typeface="Times New Roman" panose="02020603050405020304" pitchFamily="18" charset="0"/>
+                <a:latin typeface="Times New Roman" panose="02020503050405090304" pitchFamily="18" charset="0"/>
+                <a:cs typeface="Times New Roman" panose="02020503050405090304" pitchFamily="18" charset="0"/>
               </a:rPr>
               <a:t>public void </a:t>
             </a:r>
@@ -4389,18 +4389,22 @@
                 <a:solidFill>
                   <a:srgbClr val="00B0F0"/>
                 </a:solidFill>
-                <a:latin typeface="Times New Roman" panose="02020603050405020304" pitchFamily="18" charset="0"/>
-                <a:cs typeface="Times New Roman" panose="02020603050405020304" pitchFamily="18" charset="0"/>
+                <a:latin typeface="Times New Roman" panose="02020503050405090304" pitchFamily="18" charset="0"/>
+                <a:cs typeface="Times New Roman" panose="02020503050405090304" pitchFamily="18" charset="0"/>
               </a:rPr>
               <a:t>listenForMessage</a:t>
             </a:r>
             <a:r>
               <a:rPr lang="en-US" altLang="zh-CN" dirty="0">
-                <a:latin typeface="Times New Roman" panose="02020603050405020304" pitchFamily="18" charset="0"/>
-                <a:cs typeface="Times New Roman" panose="02020603050405020304" pitchFamily="18" charset="0"/>
+                <a:latin typeface="Times New Roman" panose="02020503050405090304" pitchFamily="18" charset="0"/>
+                <a:cs typeface="Times New Roman" panose="02020503050405090304" pitchFamily="18" charset="0"/>
               </a:rPr>
               <a:t>(){</a:t>
             </a:r>
+            <a:endParaRPr lang="en-US" altLang="zh-CN" dirty="0">
+              <a:latin typeface="Times New Roman" panose="02020503050405090304" pitchFamily="18" charset="0"/>
+              <a:cs typeface="Times New Roman" panose="02020503050405090304" pitchFamily="18" charset="0"/>
+            </a:endParaRPr>
           </a:p>
           <a:p>
             <a:pPr algn="just">
@@ -4410,8 +4414,8 @@
             </a:pPr>
             <a:r>
               <a:rPr lang="en-US" altLang="zh-CN" dirty="0">
-                <a:latin typeface="Times New Roman" panose="02020603050405020304" pitchFamily="18" charset="0"/>
-                <a:cs typeface="Times New Roman" panose="02020603050405020304" pitchFamily="18" charset="0"/>
+                <a:latin typeface="Times New Roman" panose="02020503050405090304" pitchFamily="18" charset="0"/>
+                <a:cs typeface="Times New Roman" panose="02020503050405090304" pitchFamily="18" charset="0"/>
               </a:rPr>
               <a:t>       </a:t>
             </a:r>
@@ -4420,18 +4424,22 @@
                 <a:solidFill>
                   <a:schemeClr val="accent2"/>
                 </a:solidFill>
-                <a:latin typeface="Times New Roman" panose="02020603050405020304" pitchFamily="18" charset="0"/>
-                <a:cs typeface="Times New Roman" panose="02020603050405020304" pitchFamily="18" charset="0"/>
+                <a:latin typeface="Times New Roman" panose="02020503050405090304" pitchFamily="18" charset="0"/>
+                <a:cs typeface="Times New Roman" panose="02020503050405090304" pitchFamily="18" charset="0"/>
               </a:rPr>
               <a:t> new </a:t>
             </a:r>
             <a:r>
               <a:rPr lang="en-US" altLang="zh-CN" dirty="0">
-                <a:latin typeface="Times New Roman" panose="02020603050405020304" pitchFamily="18" charset="0"/>
-                <a:cs typeface="Times New Roman" panose="02020603050405020304" pitchFamily="18" charset="0"/>
+                <a:latin typeface="Times New Roman" panose="02020503050405090304" pitchFamily="18" charset="0"/>
+                <a:cs typeface="Times New Roman" panose="02020503050405090304" pitchFamily="18" charset="0"/>
               </a:rPr>
               <a:t>Thread(new Runnable(){</a:t>
             </a:r>
+            <a:endParaRPr lang="en-US" altLang="zh-CN" dirty="0">
+              <a:latin typeface="Times New Roman" panose="02020503050405090304" pitchFamily="18" charset="0"/>
+              <a:cs typeface="Times New Roman" panose="02020503050405090304" pitchFamily="18" charset="0"/>
+            </a:endParaRPr>
           </a:p>
           <a:p>
             <a:pPr algn="just">
@@ -4441,8 +4449,8 @@
             </a:pPr>
             <a:r>
               <a:rPr lang="en-US" altLang="zh-CN" dirty="0">
-                <a:latin typeface="Times New Roman" panose="02020603050405020304" pitchFamily="18" charset="0"/>
-                <a:cs typeface="Times New Roman" panose="02020603050405020304" pitchFamily="18" charset="0"/>
+                <a:latin typeface="Times New Roman" panose="02020503050405090304" pitchFamily="18" charset="0"/>
+                <a:cs typeface="Times New Roman" panose="02020503050405090304" pitchFamily="18" charset="0"/>
               </a:rPr>
               <a:t>            </a:t>
             </a:r>
@@ -4454,11 +4462,21 @@
                     <a:lumOff val="40000"/>
                   </a:schemeClr>
                 </a:solidFill>
-                <a:latin typeface="Times New Roman" panose="02020603050405020304" pitchFamily="18" charset="0"/>
-                <a:cs typeface="Times New Roman" panose="02020603050405020304" pitchFamily="18" charset="0"/>
+                <a:latin typeface="Times New Roman" panose="02020503050405090304" pitchFamily="18" charset="0"/>
+                <a:cs typeface="Times New Roman" panose="02020503050405090304" pitchFamily="18" charset="0"/>
               </a:rPr>
               <a:t>@Override</a:t>
             </a:r>
+            <a:endParaRPr lang="en-US" altLang="zh-CN" dirty="0">
+              <a:solidFill>
+                <a:schemeClr val="accent4">
+                  <a:lumMod val="60000"/>
+                  <a:lumOff val="40000"/>
+                </a:schemeClr>
+              </a:solidFill>
+              <a:latin typeface="Times New Roman" panose="02020503050405090304" pitchFamily="18" charset="0"/>
+              <a:cs typeface="Times New Roman" panose="02020503050405090304" pitchFamily="18" charset="0"/>
+            </a:endParaRPr>
           </a:p>
           <a:p>
             <a:pPr algn="just">
@@ -4468,8 +4486,8 @@
             </a:pPr>
             <a:r>
               <a:rPr lang="en-US" altLang="zh-CN" dirty="0">
-                <a:latin typeface="Times New Roman" panose="02020603050405020304" pitchFamily="18" charset="0"/>
-                <a:cs typeface="Times New Roman" panose="02020603050405020304" pitchFamily="18" charset="0"/>
+                <a:latin typeface="Times New Roman" panose="02020503050405090304" pitchFamily="18" charset="0"/>
+                <a:cs typeface="Times New Roman" panose="02020503050405090304" pitchFamily="18" charset="0"/>
               </a:rPr>
               <a:t>            </a:t>
             </a:r>
@@ -4478,8 +4496,8 @@
                 <a:solidFill>
                   <a:schemeClr val="accent2"/>
                 </a:solidFill>
-                <a:latin typeface="Times New Roman" panose="02020603050405020304" pitchFamily="18" charset="0"/>
-                <a:cs typeface="Times New Roman" panose="02020603050405020304" pitchFamily="18" charset="0"/>
+                <a:latin typeface="Times New Roman" panose="02020503050405090304" pitchFamily="18" charset="0"/>
+                <a:cs typeface="Times New Roman" panose="02020503050405090304" pitchFamily="18" charset="0"/>
               </a:rPr>
               <a:t>public void </a:t>
             </a:r>
@@ -4488,18 +4506,22 @@
                 <a:solidFill>
                   <a:srgbClr val="00B0F0"/>
                 </a:solidFill>
-                <a:latin typeface="Times New Roman" panose="02020603050405020304" pitchFamily="18" charset="0"/>
-                <a:cs typeface="Times New Roman" panose="02020603050405020304" pitchFamily="18" charset="0"/>
+                <a:latin typeface="Times New Roman" panose="02020503050405090304" pitchFamily="18" charset="0"/>
+                <a:cs typeface="Times New Roman" panose="02020503050405090304" pitchFamily="18" charset="0"/>
               </a:rPr>
               <a:t>run</a:t>
             </a:r>
             <a:r>
               <a:rPr lang="en-US" altLang="zh-CN" dirty="0">
-                <a:latin typeface="Times New Roman" panose="02020603050405020304" pitchFamily="18" charset="0"/>
-                <a:cs typeface="Times New Roman" panose="02020603050405020304" pitchFamily="18" charset="0"/>
+                <a:latin typeface="Times New Roman" panose="02020503050405090304" pitchFamily="18" charset="0"/>
+                <a:cs typeface="Times New Roman" panose="02020503050405090304" pitchFamily="18" charset="0"/>
               </a:rPr>
               <a:t>(){</a:t>
             </a:r>
+            <a:endParaRPr lang="en-US" altLang="zh-CN" dirty="0">
+              <a:latin typeface="Times New Roman" panose="02020503050405090304" pitchFamily="18" charset="0"/>
+              <a:cs typeface="Times New Roman" panose="02020503050405090304" pitchFamily="18" charset="0"/>
+            </a:endParaRPr>
           </a:p>
           <a:p>
             <a:pPr algn="just">
@@ -4509,25 +4531,29 @@
             </a:pPr>
             <a:r>
               <a:rPr lang="en-US" altLang="zh-CN" dirty="0">
-                <a:latin typeface="Times New Roman" panose="02020603050405020304" pitchFamily="18" charset="0"/>
-                <a:cs typeface="Times New Roman" panose="02020603050405020304" pitchFamily="18" charset="0"/>
+                <a:latin typeface="Times New Roman" panose="02020503050405090304" pitchFamily="18" charset="0"/>
+                <a:cs typeface="Times New Roman" panose="02020503050405090304" pitchFamily="18" charset="0"/>
               </a:rPr>
               <a:t>                String </a:t>
             </a:r>
             <a:r>
               <a:rPr lang="en-US" altLang="zh-CN" u="sng" dirty="0" err="1">
-                <a:latin typeface="Times New Roman" panose="02020603050405020304" pitchFamily="18" charset="0"/>
-                <a:cs typeface="Times New Roman" panose="02020603050405020304" pitchFamily="18" charset="0"/>
+                <a:latin typeface="Times New Roman" panose="02020503050405090304" pitchFamily="18" charset="0"/>
+                <a:cs typeface="Times New Roman" panose="02020503050405090304" pitchFamily="18" charset="0"/>
               </a:rPr>
               <a:t>msgFromGroupChat</a:t>
             </a:r>
             <a:r>
               <a:rPr lang="en-US" altLang="zh-CN" dirty="0">
-                <a:latin typeface="Times New Roman" panose="02020603050405020304" pitchFamily="18" charset="0"/>
-                <a:cs typeface="Times New Roman" panose="02020603050405020304" pitchFamily="18" charset="0"/>
+                <a:latin typeface="Times New Roman" panose="02020503050405090304" pitchFamily="18" charset="0"/>
+                <a:cs typeface="Times New Roman" panose="02020503050405090304" pitchFamily="18" charset="0"/>
               </a:rPr>
               <a:t>;</a:t>
             </a:r>
+            <a:endParaRPr lang="en-US" altLang="zh-CN" dirty="0">
+              <a:latin typeface="Times New Roman" panose="02020503050405090304" pitchFamily="18" charset="0"/>
+              <a:cs typeface="Times New Roman" panose="02020503050405090304" pitchFamily="18" charset="0"/>
+            </a:endParaRPr>
           </a:p>
           <a:p>
             <a:pPr algn="just">
@@ -4537,8 +4563,8 @@
             </a:pPr>
             <a:r>
               <a:rPr lang="en-US" altLang="zh-CN" dirty="0">
-                <a:latin typeface="Times New Roman" panose="02020603050405020304" pitchFamily="18" charset="0"/>
-                <a:cs typeface="Times New Roman" panose="02020603050405020304" pitchFamily="18" charset="0"/>
+                <a:latin typeface="Times New Roman" panose="02020503050405090304" pitchFamily="18" charset="0"/>
+                <a:cs typeface="Times New Roman" panose="02020503050405090304" pitchFamily="18" charset="0"/>
               </a:rPr>
               <a:t>               </a:t>
             </a:r>
@@ -4547,15 +4573,15 @@
                 <a:solidFill>
                   <a:schemeClr val="accent2"/>
                 </a:solidFill>
-                <a:latin typeface="Times New Roman" panose="02020603050405020304" pitchFamily="18" charset="0"/>
-                <a:cs typeface="Times New Roman" panose="02020603050405020304" pitchFamily="18" charset="0"/>
+                <a:latin typeface="Times New Roman" panose="02020503050405090304" pitchFamily="18" charset="0"/>
+                <a:cs typeface="Times New Roman" panose="02020503050405090304" pitchFamily="18" charset="0"/>
               </a:rPr>
               <a:t> while</a:t>
             </a:r>
             <a:r>
               <a:rPr lang="en-US" altLang="zh-CN" dirty="0">
-                <a:latin typeface="Times New Roman" panose="02020603050405020304" pitchFamily="18" charset="0"/>
-                <a:cs typeface="Times New Roman" panose="02020603050405020304" pitchFamily="18" charset="0"/>
+                <a:latin typeface="Times New Roman" panose="02020503050405090304" pitchFamily="18" charset="0"/>
+                <a:cs typeface="Times New Roman" panose="02020503050405090304" pitchFamily="18" charset="0"/>
               </a:rPr>
               <a:t>(</a:t>
             </a:r>
@@ -4564,25 +4590,29 @@
                 <a:solidFill>
                   <a:srgbClr val="FF00FF"/>
                 </a:solidFill>
-                <a:latin typeface="Times New Roman" panose="02020603050405020304" pitchFamily="18" charset="0"/>
-                <a:cs typeface="Times New Roman" panose="02020603050405020304" pitchFamily="18" charset="0"/>
+                <a:latin typeface="Times New Roman" panose="02020503050405090304" pitchFamily="18" charset="0"/>
+                <a:cs typeface="Times New Roman" panose="02020503050405090304" pitchFamily="18" charset="0"/>
               </a:rPr>
               <a:t>socket</a:t>
             </a:r>
             <a:r>
               <a:rPr lang="en-US" altLang="zh-CN" dirty="0" err="1">
-                <a:latin typeface="Times New Roman" panose="02020603050405020304" pitchFamily="18" charset="0"/>
-                <a:cs typeface="Times New Roman" panose="02020603050405020304" pitchFamily="18" charset="0"/>
+                <a:latin typeface="Times New Roman" panose="02020503050405090304" pitchFamily="18" charset="0"/>
+                <a:cs typeface="Times New Roman" panose="02020503050405090304" pitchFamily="18" charset="0"/>
               </a:rPr>
               <a:t>.isConnected</a:t>
             </a:r>
             <a:r>
               <a:rPr lang="en-US" altLang="zh-CN" dirty="0">
-                <a:latin typeface="Times New Roman" panose="02020603050405020304" pitchFamily="18" charset="0"/>
-                <a:cs typeface="Times New Roman" panose="02020603050405020304" pitchFamily="18" charset="0"/>
+                <a:latin typeface="Times New Roman" panose="02020503050405090304" pitchFamily="18" charset="0"/>
+                <a:cs typeface="Times New Roman" panose="02020503050405090304" pitchFamily="18" charset="0"/>
               </a:rPr>
               <a:t>()){</a:t>
             </a:r>
+            <a:endParaRPr lang="en-US" altLang="zh-CN" dirty="0">
+              <a:latin typeface="Times New Roman" panose="02020503050405090304" pitchFamily="18" charset="0"/>
+              <a:cs typeface="Times New Roman" panose="02020503050405090304" pitchFamily="18" charset="0"/>
+            </a:endParaRPr>
           </a:p>
           <a:p>
             <a:pPr algn="just">
@@ -4592,22 +4622,22 @@
             </a:pPr>
             <a:r>
               <a:rPr lang="en-US" altLang="zh-CN" dirty="0">
-                <a:latin typeface="Times New Roman" panose="02020603050405020304" pitchFamily="18" charset="0"/>
-                <a:cs typeface="Times New Roman" panose="02020603050405020304" pitchFamily="18" charset="0"/>
+                <a:latin typeface="Times New Roman" panose="02020503050405090304" pitchFamily="18" charset="0"/>
+                <a:cs typeface="Times New Roman" panose="02020503050405090304" pitchFamily="18" charset="0"/>
               </a:rPr>
               <a:t>                    </a:t>
             </a:r>
             <a:r>
               <a:rPr lang="en-US" altLang="zh-CN" dirty="0" err="1">
-                <a:latin typeface="Times New Roman" panose="02020603050405020304" pitchFamily="18" charset="0"/>
-                <a:cs typeface="Times New Roman" panose="02020603050405020304" pitchFamily="18" charset="0"/>
+                <a:latin typeface="Times New Roman" panose="02020503050405090304" pitchFamily="18" charset="0"/>
+                <a:cs typeface="Times New Roman" panose="02020503050405090304" pitchFamily="18" charset="0"/>
               </a:rPr>
               <a:t>msgFromGroupChat</a:t>
             </a:r>
             <a:r>
               <a:rPr lang="en-US" altLang="zh-CN" dirty="0">
-                <a:latin typeface="Times New Roman" panose="02020603050405020304" pitchFamily="18" charset="0"/>
-                <a:cs typeface="Times New Roman" panose="02020603050405020304" pitchFamily="18" charset="0"/>
+                <a:latin typeface="Times New Roman" panose="02020503050405090304" pitchFamily="18" charset="0"/>
+                <a:cs typeface="Times New Roman" panose="02020503050405090304" pitchFamily="18" charset="0"/>
               </a:rPr>
               <a:t> = </a:t>
             </a:r>
@@ -4616,25 +4646,29 @@
                 <a:solidFill>
                   <a:srgbClr val="FF00FF"/>
                 </a:solidFill>
-                <a:latin typeface="Times New Roman" panose="02020603050405020304" pitchFamily="18" charset="0"/>
-                <a:cs typeface="Times New Roman" panose="02020603050405020304" pitchFamily="18" charset="0"/>
+                <a:latin typeface="Times New Roman" panose="02020503050405090304" pitchFamily="18" charset="0"/>
+                <a:cs typeface="Times New Roman" panose="02020503050405090304" pitchFamily="18" charset="0"/>
               </a:rPr>
               <a:t>bufferedReader</a:t>
             </a:r>
             <a:r>
               <a:rPr lang="en-US" altLang="zh-CN" dirty="0" err="1">
-                <a:latin typeface="Times New Roman" panose="02020603050405020304" pitchFamily="18" charset="0"/>
-                <a:cs typeface="Times New Roman" panose="02020603050405020304" pitchFamily="18" charset="0"/>
+                <a:latin typeface="Times New Roman" panose="02020503050405090304" pitchFamily="18" charset="0"/>
+                <a:cs typeface="Times New Roman" panose="02020503050405090304" pitchFamily="18" charset="0"/>
               </a:rPr>
               <a:t>.readLine</a:t>
             </a:r>
             <a:r>
               <a:rPr lang="en-US" altLang="zh-CN" dirty="0">
-                <a:latin typeface="Times New Roman" panose="02020603050405020304" pitchFamily="18" charset="0"/>
-                <a:cs typeface="Times New Roman" panose="02020603050405020304" pitchFamily="18" charset="0"/>
+                <a:latin typeface="Times New Roman" panose="02020503050405090304" pitchFamily="18" charset="0"/>
+                <a:cs typeface="Times New Roman" panose="02020503050405090304" pitchFamily="18" charset="0"/>
               </a:rPr>
               <a:t>();</a:t>
             </a:r>
+            <a:endParaRPr lang="en-US" altLang="zh-CN" dirty="0">
+              <a:latin typeface="Times New Roman" panose="02020503050405090304" pitchFamily="18" charset="0"/>
+              <a:cs typeface="Times New Roman" panose="02020503050405090304" pitchFamily="18" charset="0"/>
+            </a:endParaRPr>
           </a:p>
           <a:p>
             <a:pPr algn="just">
@@ -4644,15 +4678,15 @@
             </a:pPr>
             <a:r>
               <a:rPr lang="en-US" altLang="zh-CN" dirty="0">
-                <a:latin typeface="Times New Roman" panose="02020603050405020304" pitchFamily="18" charset="0"/>
-                <a:cs typeface="Times New Roman" panose="02020603050405020304" pitchFamily="18" charset="0"/>
+                <a:latin typeface="Times New Roman" panose="02020503050405090304" pitchFamily="18" charset="0"/>
+                <a:cs typeface="Times New Roman" panose="02020503050405090304" pitchFamily="18" charset="0"/>
               </a:rPr>
               <a:t>                    </a:t>
             </a:r>
             <a:r>
               <a:rPr lang="en-US" altLang="zh-CN" dirty="0" err="1">
-                <a:latin typeface="Times New Roman" panose="02020603050405020304" pitchFamily="18" charset="0"/>
-                <a:cs typeface="Times New Roman" panose="02020603050405020304" pitchFamily="18" charset="0"/>
+                <a:latin typeface="Times New Roman" panose="02020503050405090304" pitchFamily="18" charset="0"/>
+                <a:cs typeface="Times New Roman" panose="02020503050405090304" pitchFamily="18" charset="0"/>
               </a:rPr>
               <a:t>System.</a:t>
             </a:r>
@@ -4661,39 +4695,43 @@
                 <a:solidFill>
                   <a:srgbClr val="FF00FF"/>
                 </a:solidFill>
-                <a:latin typeface="Times New Roman" panose="02020603050405020304" pitchFamily="18" charset="0"/>
-                <a:cs typeface="Times New Roman" panose="02020603050405020304" pitchFamily="18" charset="0"/>
+                <a:latin typeface="Times New Roman" panose="02020503050405090304" pitchFamily="18" charset="0"/>
+                <a:cs typeface="Times New Roman" panose="02020503050405090304" pitchFamily="18" charset="0"/>
               </a:rPr>
               <a:t>out</a:t>
             </a:r>
             <a:r>
               <a:rPr lang="en-US" altLang="zh-CN" dirty="0" err="1">
-                <a:latin typeface="Times New Roman" panose="02020603050405020304" pitchFamily="18" charset="0"/>
-                <a:cs typeface="Times New Roman" panose="02020603050405020304" pitchFamily="18" charset="0"/>
+                <a:latin typeface="Times New Roman" panose="02020503050405090304" pitchFamily="18" charset="0"/>
+                <a:cs typeface="Times New Roman" panose="02020503050405090304" pitchFamily="18" charset="0"/>
               </a:rPr>
               <a:t>.println</a:t>
             </a:r>
             <a:r>
               <a:rPr lang="en-US" altLang="zh-CN" dirty="0">
-                <a:latin typeface="Times New Roman" panose="02020603050405020304" pitchFamily="18" charset="0"/>
-                <a:cs typeface="Times New Roman" panose="02020603050405020304" pitchFamily="18" charset="0"/>
+                <a:latin typeface="Times New Roman" panose="02020503050405090304" pitchFamily="18" charset="0"/>
+                <a:cs typeface="Times New Roman" panose="02020503050405090304" pitchFamily="18" charset="0"/>
               </a:rPr>
               <a:t>(</a:t>
             </a:r>
             <a:r>
               <a:rPr lang="en-US" altLang="zh-CN" u="sng" dirty="0" err="1">
-                <a:latin typeface="Times New Roman" panose="02020603050405020304" pitchFamily="18" charset="0"/>
-                <a:cs typeface="Times New Roman" panose="02020603050405020304" pitchFamily="18" charset="0"/>
+                <a:latin typeface="Times New Roman" panose="02020503050405090304" pitchFamily="18" charset="0"/>
+                <a:cs typeface="Times New Roman" panose="02020503050405090304" pitchFamily="18" charset="0"/>
               </a:rPr>
               <a:t>msgFromGroupChat</a:t>
             </a:r>
             <a:r>
               <a:rPr lang="en-US" altLang="zh-CN" dirty="0">
-                <a:latin typeface="Times New Roman" panose="02020603050405020304" pitchFamily="18" charset="0"/>
-                <a:cs typeface="Times New Roman" panose="02020603050405020304" pitchFamily="18" charset="0"/>
+                <a:latin typeface="Times New Roman" panose="02020503050405090304" pitchFamily="18" charset="0"/>
+                <a:cs typeface="Times New Roman" panose="02020503050405090304" pitchFamily="18" charset="0"/>
               </a:rPr>
               <a:t>);}</a:t>
             </a:r>
+            <a:endParaRPr lang="en-US" altLang="zh-CN" dirty="0">
+              <a:latin typeface="Times New Roman" panose="02020503050405090304" pitchFamily="18" charset="0"/>
+              <a:cs typeface="Times New Roman" panose="02020503050405090304" pitchFamily="18" charset="0"/>
+            </a:endParaRPr>
           </a:p>
           <a:p>
             <a:pPr algn="just">
@@ -4703,11 +4741,15 @@
             </a:pPr>
             <a:r>
               <a:rPr lang="en-US" altLang="zh-CN" dirty="0">
-                <a:latin typeface="Times New Roman" panose="02020603050405020304" pitchFamily="18" charset="0"/>
-                <a:cs typeface="Times New Roman" panose="02020603050405020304" pitchFamily="18" charset="0"/>
+                <a:latin typeface="Times New Roman" panose="02020503050405090304" pitchFamily="18" charset="0"/>
+                <a:cs typeface="Times New Roman" panose="02020503050405090304" pitchFamily="18" charset="0"/>
               </a:rPr>
               <a:t>            }</a:t>
             </a:r>
+            <a:endParaRPr lang="en-US" altLang="zh-CN" dirty="0">
+              <a:latin typeface="Times New Roman" panose="02020503050405090304" pitchFamily="18" charset="0"/>
+              <a:cs typeface="Times New Roman" panose="02020503050405090304" pitchFamily="18" charset="0"/>
+            </a:endParaRPr>
           </a:p>
           <a:p>
             <a:pPr algn="just">
@@ -4717,11 +4759,15 @@
             </a:pPr>
             <a:r>
               <a:rPr lang="en-US" altLang="zh-CN" dirty="0">
-                <a:latin typeface="Times New Roman" panose="02020603050405020304" pitchFamily="18" charset="0"/>
-                <a:cs typeface="Times New Roman" panose="02020603050405020304" pitchFamily="18" charset="0"/>
+                <a:latin typeface="Times New Roman" panose="02020503050405090304" pitchFamily="18" charset="0"/>
+                <a:cs typeface="Times New Roman" panose="02020503050405090304" pitchFamily="18" charset="0"/>
               </a:rPr>
               <a:t>        }).start();}</a:t>
             </a:r>
+            <a:endParaRPr lang="en-US" altLang="zh-CN" dirty="0">
+              <a:latin typeface="Times New Roman" panose="02020503050405090304" pitchFamily="18" charset="0"/>
+              <a:cs typeface="Times New Roman" panose="02020503050405090304" pitchFamily="18" charset="0"/>
+            </a:endParaRPr>
           </a:p>
           <a:p>
             <a:pPr algn="just">
@@ -4731,11 +4777,15 @@
             </a:pPr>
             <a:r>
               <a:rPr lang="en-US" altLang="zh-CN" dirty="0">
-                <a:latin typeface="Times New Roman" panose="02020603050405020304" pitchFamily="18" charset="0"/>
-                <a:cs typeface="Times New Roman" panose="02020603050405020304" pitchFamily="18" charset="0"/>
+                <a:latin typeface="Times New Roman" panose="02020503050405090304" pitchFamily="18" charset="0"/>
+                <a:cs typeface="Times New Roman" panose="02020503050405090304" pitchFamily="18" charset="0"/>
               </a:rPr>
               <a:t>     // Note that other functions, e.g., closing the client, are required</a:t>
             </a:r>
+            <a:endParaRPr lang="en-US" altLang="zh-CN" dirty="0">
+              <a:latin typeface="Times New Roman" panose="02020503050405090304" pitchFamily="18" charset="0"/>
+              <a:cs typeface="Times New Roman" panose="02020503050405090304" pitchFamily="18" charset="0"/>
+            </a:endParaRPr>
           </a:p>
           <a:p>
             <a:pPr algn="just">
@@ -4745,51 +4795,49 @@
             </a:pPr>
             <a:r>
               <a:rPr lang="en-US" altLang="zh-CN" dirty="0">
-                <a:latin typeface="Times New Roman" panose="02020603050405020304" pitchFamily="18" charset="0"/>
-                <a:cs typeface="Times New Roman" panose="02020603050405020304" pitchFamily="18" charset="0"/>
+                <a:latin typeface="Times New Roman" panose="02020503050405090304" pitchFamily="18" charset="0"/>
+                <a:cs typeface="Times New Roman" panose="02020503050405090304" pitchFamily="18" charset="0"/>
               </a:rPr>
               <a:t>    public static void main(String[] </a:t>
             </a:r>
             <a:r>
               <a:rPr lang="en-US" altLang="zh-CN" dirty="0" err="1">
-                <a:latin typeface="Times New Roman" panose="02020603050405020304" pitchFamily="18" charset="0"/>
-                <a:cs typeface="Times New Roman" panose="02020603050405020304" pitchFamily="18" charset="0"/>
+                <a:latin typeface="Times New Roman" panose="02020503050405090304" pitchFamily="18" charset="0"/>
+                <a:cs typeface="Times New Roman" panose="02020503050405090304" pitchFamily="18" charset="0"/>
               </a:rPr>
               <a:t>args</a:t>
             </a:r>
             <a:r>
               <a:rPr lang="en-US" altLang="zh-CN" dirty="0">
-                <a:latin typeface="Times New Roman" panose="02020603050405020304" pitchFamily="18" charset="0"/>
-                <a:cs typeface="Times New Roman" panose="02020603050405020304" pitchFamily="18" charset="0"/>
+                <a:latin typeface="Times New Roman" panose="02020503050405090304" pitchFamily="18" charset="0"/>
+                <a:cs typeface="Times New Roman" panose="02020503050405090304" pitchFamily="18" charset="0"/>
               </a:rPr>
               <a:t>) throws </a:t>
             </a:r>
             <a:r>
               <a:rPr lang="en-US" altLang="zh-CN" dirty="0" err="1">
-                <a:latin typeface="Times New Roman" panose="02020603050405020304" pitchFamily="18" charset="0"/>
-                <a:cs typeface="Times New Roman" panose="02020603050405020304" pitchFamily="18" charset="0"/>
+                <a:latin typeface="Times New Roman" panose="02020503050405090304" pitchFamily="18" charset="0"/>
+                <a:cs typeface="Times New Roman" panose="02020503050405090304" pitchFamily="18" charset="0"/>
               </a:rPr>
               <a:t>IOException</a:t>
             </a:r>
             <a:r>
               <a:rPr lang="en-US" altLang="zh-CN" dirty="0">
-                <a:latin typeface="Times New Roman" panose="02020603050405020304" pitchFamily="18" charset="0"/>
-                <a:cs typeface="Times New Roman" panose="02020603050405020304" pitchFamily="18" charset="0"/>
+                <a:latin typeface="Times New Roman" panose="02020503050405090304" pitchFamily="18" charset="0"/>
+                <a:cs typeface="Times New Roman" panose="02020503050405090304" pitchFamily="18" charset="0"/>
               </a:rPr>
               <a:t> {// the “main” function}</a:t>
             </a:r>
+            <a:endParaRPr lang="en-US" altLang="zh-CN" dirty="0">
+              <a:latin typeface="Times New Roman" panose="02020503050405090304" pitchFamily="18" charset="0"/>
+              <a:cs typeface="Times New Roman" panose="02020503050405090304" pitchFamily="18" charset="0"/>
+            </a:endParaRPr>
           </a:p>
         </p:txBody>
       </p:sp>
       <p:sp>
         <p:nvSpPr>
-          <p:cNvPr id="4" name="文本框 3">
-            <a:extLst>
-              <a:ext uri="{FF2B5EF4-FFF2-40B4-BE49-F238E27FC236}">
-                <a16:creationId xmlns:a16="http://schemas.microsoft.com/office/drawing/2014/main" id="{646394E9-9383-56C7-4C69-2E7E0A8D5055}"/>
-              </a:ext>
-            </a:extLst>
-          </p:cNvPr>
+          <p:cNvPr id="4" name="文本框 3"/>
           <p:cNvSpPr txBox="1"/>
           <p:nvPr/>
         </p:nvSpPr>
@@ -4826,8 +4874,8 @@
               </a:buClr>
             </a:pPr>
             <a:endParaRPr lang="zh-CN" altLang="en-US" dirty="0">
-              <a:latin typeface="Times New Roman" panose="02020603050405020304" pitchFamily="18" charset="0"/>
-              <a:cs typeface="Times New Roman" panose="02020603050405020304" pitchFamily="18" charset="0"/>
+              <a:latin typeface="Times New Roman" panose="02020503050405090304" pitchFamily="18" charset="0"/>
+              <a:cs typeface="Times New Roman" panose="02020503050405090304" pitchFamily="18" charset="0"/>
             </a:endParaRPr>
           </a:p>
         </p:txBody>
@@ -4859,13 +4907,7 @@
       </p:sp>
       <p:sp>
         <p:nvSpPr>
-          <p:cNvPr id="5" name="Rectangle 3">
-            <a:extLst>
-              <a:ext uri="{FF2B5EF4-FFF2-40B4-BE49-F238E27FC236}">
-                <a16:creationId xmlns:a16="http://schemas.microsoft.com/office/drawing/2014/main" id="{08E24C01-847A-1004-1FD3-C6322E2FE4AE}"/>
-              </a:ext>
-            </a:extLst>
-          </p:cNvPr>
+          <p:cNvPr id="5" name="Rectangle 3"/>
           <p:cNvSpPr>
             <a:spLocks noChangeArrowheads="1"/>
           </p:cNvSpPr>
@@ -4910,9 +4952,6 @@
         </p:spPr>
         <p:txBody>
           <a:bodyPr vert="horz" wrap="none" lIns="91440" tIns="45720" rIns="91440" bIns="45720" numCol="1" anchor="ctr" anchorCtr="0" compatLnSpc="1">
-            <a:prstTxWarp prst="textNoShape">
-              <a:avLst/>
-            </a:prstTxWarp>
             <a:spAutoFit/>
           </a:bodyPr>
           <a:lstStyle/>
@@ -4931,7 +4970,6 @@
               <a:buSzTx/>
               <a:buFontTx/>
               <a:buNone/>
-              <a:tabLst/>
             </a:pPr>
             <a:endParaRPr kumimoji="0" lang="zh-CN" altLang="zh-CN" sz="1800" b="0" i="0" u="none" strike="noStrike" cap="none" normalizeH="0" baseline="0" dirty="0">
               <a:ln>
@@ -4941,17 +4979,12 @@
                 <a:schemeClr val="tx1"/>
               </a:solidFill>
               <a:effectLst/>
-              <a:latin typeface="Arial" panose="020B0604020202020204" pitchFamily="34" charset="0"/>
+              <a:latin typeface="Arial" panose="020B0604020202090204" pitchFamily="34" charset="0"/>
             </a:endParaRPr>
           </a:p>
         </p:txBody>
       </p:sp>
     </p:spTree>
-    <p:extLst>
-      <p:ext uri="{BB962C8B-B14F-4D97-AF65-F5344CB8AC3E}">
-        <p14:creationId xmlns:p14="http://schemas.microsoft.com/office/powerpoint/2010/main" val="830530718"/>
-      </p:ext>
-    </p:extLst>
   </p:cSld>
   <p:clrMapOvr>
     <a:masterClrMapping/>
@@ -6037,13 +6070,7 @@
       </p:sp>
       <p:sp>
         <p:nvSpPr>
-          <p:cNvPr id="2" name="文本框 1">
-            <a:extLst>
-              <a:ext uri="{FF2B5EF4-FFF2-40B4-BE49-F238E27FC236}">
-                <a16:creationId xmlns:a16="http://schemas.microsoft.com/office/drawing/2014/main" id="{033100C0-1433-7D72-A7D3-BB65F6A92211}"/>
-              </a:ext>
-            </a:extLst>
-          </p:cNvPr>
+          <p:cNvPr id="2" name="文本框 1"/>
           <p:cNvSpPr txBox="1"/>
           <p:nvPr/>
         </p:nvSpPr>
@@ -6073,22 +6100,22 @@
                 <a:solidFill>
                   <a:schemeClr val="accent2"/>
                 </a:solidFill>
-                <a:latin typeface="Times New Roman" panose="02020603050405020304" pitchFamily="18" charset="0"/>
-                <a:cs typeface="Times New Roman" panose="02020603050405020304" pitchFamily="18" charset="0"/>
+                <a:latin typeface="Times New Roman" panose="02020503050405090304" pitchFamily="18" charset="0"/>
+                <a:cs typeface="Times New Roman" panose="02020503050405090304" pitchFamily="18" charset="0"/>
               </a:rPr>
               <a:t>public class </a:t>
             </a:r>
             <a:r>
               <a:rPr lang="en-US" altLang="zh-CN" dirty="0" err="1">
-                <a:latin typeface="Times New Roman" panose="02020603050405020304" pitchFamily="18" charset="0"/>
-                <a:cs typeface="Times New Roman" panose="02020603050405020304" pitchFamily="18" charset="0"/>
+                <a:latin typeface="Times New Roman" panose="02020503050405090304" pitchFamily="18" charset="0"/>
+                <a:cs typeface="Times New Roman" panose="02020503050405090304" pitchFamily="18" charset="0"/>
               </a:rPr>
               <a:t>ClientHandler</a:t>
             </a:r>
             <a:r>
               <a:rPr lang="en-US" altLang="zh-CN" dirty="0">
-                <a:latin typeface="Times New Roman" panose="02020603050405020304" pitchFamily="18" charset="0"/>
-                <a:cs typeface="Times New Roman" panose="02020603050405020304" pitchFamily="18" charset="0"/>
+                <a:latin typeface="Times New Roman" panose="02020503050405090304" pitchFamily="18" charset="0"/>
+                <a:cs typeface="Times New Roman" panose="02020503050405090304" pitchFamily="18" charset="0"/>
               </a:rPr>
               <a:t> </a:t>
             </a:r>
@@ -6097,18 +6124,22 @@
                 <a:solidFill>
                   <a:schemeClr val="accent2"/>
                 </a:solidFill>
-                <a:latin typeface="Times New Roman" panose="02020603050405020304" pitchFamily="18" charset="0"/>
-                <a:cs typeface="Times New Roman" panose="02020603050405020304" pitchFamily="18" charset="0"/>
+                <a:latin typeface="Times New Roman" panose="02020503050405090304" pitchFamily="18" charset="0"/>
+                <a:cs typeface="Times New Roman" panose="02020503050405090304" pitchFamily="18" charset="0"/>
               </a:rPr>
               <a:t>implements </a:t>
             </a:r>
             <a:r>
               <a:rPr lang="en-US" altLang="zh-CN" dirty="0">
-                <a:latin typeface="Times New Roman" panose="02020603050405020304" pitchFamily="18" charset="0"/>
-                <a:cs typeface="Times New Roman" panose="02020603050405020304" pitchFamily="18" charset="0"/>
+                <a:latin typeface="Times New Roman" panose="02020503050405090304" pitchFamily="18" charset="0"/>
+                <a:cs typeface="Times New Roman" panose="02020503050405090304" pitchFamily="18" charset="0"/>
               </a:rPr>
               <a:t>Runnable{</a:t>
             </a:r>
+            <a:endParaRPr lang="en-US" altLang="zh-CN" dirty="0">
+              <a:latin typeface="Times New Roman" panose="02020503050405090304" pitchFamily="18" charset="0"/>
+              <a:cs typeface="Times New Roman" panose="02020503050405090304" pitchFamily="18" charset="0"/>
+            </a:endParaRPr>
           </a:p>
           <a:p>
             <a:pPr algn="just">
@@ -6118,8 +6149,8 @@
             </a:pPr>
             <a:r>
               <a:rPr lang="en-US" altLang="zh-CN" dirty="0">
-                <a:latin typeface="Times New Roman" panose="02020603050405020304" pitchFamily="18" charset="0"/>
-                <a:cs typeface="Times New Roman" panose="02020603050405020304" pitchFamily="18" charset="0"/>
+                <a:latin typeface="Times New Roman" panose="02020503050405090304" pitchFamily="18" charset="0"/>
+                <a:cs typeface="Times New Roman" panose="02020503050405090304" pitchFamily="18" charset="0"/>
               </a:rPr>
               <a:t>    </a:t>
             </a:r>
@@ -6128,15 +6159,15 @@
                 <a:solidFill>
                   <a:schemeClr val="accent2"/>
                 </a:solidFill>
-                <a:latin typeface="Times New Roman" panose="02020603050405020304" pitchFamily="18" charset="0"/>
-                <a:cs typeface="Times New Roman" panose="02020603050405020304" pitchFamily="18" charset="0"/>
+                <a:latin typeface="Times New Roman" panose="02020503050405090304" pitchFamily="18" charset="0"/>
+                <a:cs typeface="Times New Roman" panose="02020503050405090304" pitchFamily="18" charset="0"/>
               </a:rPr>
               <a:t>private </a:t>
             </a:r>
             <a:r>
               <a:rPr lang="en-US" altLang="zh-CN" dirty="0">
-                <a:latin typeface="Times New Roman" panose="02020603050405020304" pitchFamily="18" charset="0"/>
-                <a:cs typeface="Times New Roman" panose="02020603050405020304" pitchFamily="18" charset="0"/>
+                <a:latin typeface="Times New Roman" panose="02020503050405090304" pitchFamily="18" charset="0"/>
+                <a:cs typeface="Times New Roman" panose="02020503050405090304" pitchFamily="18" charset="0"/>
               </a:rPr>
               <a:t>Socket </a:t>
             </a:r>
@@ -6145,18 +6176,22 @@
                 <a:solidFill>
                   <a:srgbClr val="FF00FF"/>
                 </a:solidFill>
-                <a:latin typeface="Times New Roman" panose="02020603050405020304" pitchFamily="18" charset="0"/>
-                <a:cs typeface="Times New Roman" panose="02020603050405020304" pitchFamily="18" charset="0"/>
+                <a:latin typeface="Times New Roman" panose="02020503050405090304" pitchFamily="18" charset="0"/>
+                <a:cs typeface="Times New Roman" panose="02020503050405090304" pitchFamily="18" charset="0"/>
               </a:rPr>
               <a:t>socket</a:t>
             </a:r>
             <a:r>
               <a:rPr lang="en-US" altLang="zh-CN" dirty="0">
-                <a:latin typeface="Times New Roman" panose="02020603050405020304" pitchFamily="18" charset="0"/>
-                <a:cs typeface="Times New Roman" panose="02020603050405020304" pitchFamily="18" charset="0"/>
+                <a:latin typeface="Times New Roman" panose="02020503050405090304" pitchFamily="18" charset="0"/>
+                <a:cs typeface="Times New Roman" panose="02020503050405090304" pitchFamily="18" charset="0"/>
               </a:rPr>
               <a:t>;</a:t>
             </a:r>
+            <a:endParaRPr lang="en-US" altLang="zh-CN" dirty="0">
+              <a:latin typeface="Times New Roman" panose="02020503050405090304" pitchFamily="18" charset="0"/>
+              <a:cs typeface="Times New Roman" panose="02020503050405090304" pitchFamily="18" charset="0"/>
+            </a:endParaRPr>
           </a:p>
           <a:p>
             <a:pPr algn="just">
@@ -6166,8 +6201,8 @@
             </a:pPr>
             <a:r>
               <a:rPr lang="en-US" altLang="zh-CN" dirty="0">
-                <a:latin typeface="Times New Roman" panose="02020603050405020304" pitchFamily="18" charset="0"/>
-                <a:cs typeface="Times New Roman" panose="02020603050405020304" pitchFamily="18" charset="0"/>
+                <a:latin typeface="Times New Roman" panose="02020503050405090304" pitchFamily="18" charset="0"/>
+                <a:cs typeface="Times New Roman" panose="02020503050405090304" pitchFamily="18" charset="0"/>
               </a:rPr>
               <a:t>    </a:t>
             </a:r>
@@ -6176,22 +6211,22 @@
                 <a:solidFill>
                   <a:schemeClr val="accent2"/>
                 </a:solidFill>
-                <a:latin typeface="Times New Roman" panose="02020603050405020304" pitchFamily="18" charset="0"/>
-                <a:cs typeface="Times New Roman" panose="02020603050405020304" pitchFamily="18" charset="0"/>
+                <a:latin typeface="Times New Roman" panose="02020503050405090304" pitchFamily="18" charset="0"/>
+                <a:cs typeface="Times New Roman" panose="02020503050405090304" pitchFamily="18" charset="0"/>
               </a:rPr>
               <a:t>private </a:t>
             </a:r>
             <a:r>
               <a:rPr lang="en-US" altLang="zh-CN" dirty="0" err="1">
-                <a:latin typeface="Times New Roman" panose="02020603050405020304" pitchFamily="18" charset="0"/>
-                <a:cs typeface="Times New Roman" panose="02020603050405020304" pitchFamily="18" charset="0"/>
+                <a:latin typeface="Times New Roman" panose="02020503050405090304" pitchFamily="18" charset="0"/>
+                <a:cs typeface="Times New Roman" panose="02020503050405090304" pitchFamily="18" charset="0"/>
               </a:rPr>
               <a:t>BufferedReader</a:t>
             </a:r>
             <a:r>
               <a:rPr lang="en-US" altLang="zh-CN" dirty="0">
-                <a:latin typeface="Times New Roman" panose="02020603050405020304" pitchFamily="18" charset="0"/>
-                <a:cs typeface="Times New Roman" panose="02020603050405020304" pitchFamily="18" charset="0"/>
+                <a:latin typeface="Times New Roman" panose="02020503050405090304" pitchFamily="18" charset="0"/>
+                <a:cs typeface="Times New Roman" panose="02020503050405090304" pitchFamily="18" charset="0"/>
               </a:rPr>
               <a:t> </a:t>
             </a:r>
@@ -6200,18 +6235,22 @@
                 <a:solidFill>
                   <a:srgbClr val="FF00FF"/>
                 </a:solidFill>
-                <a:latin typeface="Times New Roman" panose="02020603050405020304" pitchFamily="18" charset="0"/>
-                <a:cs typeface="Times New Roman" panose="02020603050405020304" pitchFamily="18" charset="0"/>
+                <a:latin typeface="Times New Roman" panose="02020503050405090304" pitchFamily="18" charset="0"/>
+                <a:cs typeface="Times New Roman" panose="02020503050405090304" pitchFamily="18" charset="0"/>
               </a:rPr>
               <a:t>bufferedReader</a:t>
             </a:r>
             <a:r>
               <a:rPr lang="en-US" altLang="zh-CN" dirty="0">
-                <a:latin typeface="Times New Roman" panose="02020603050405020304" pitchFamily="18" charset="0"/>
-                <a:cs typeface="Times New Roman" panose="02020603050405020304" pitchFamily="18" charset="0"/>
+                <a:latin typeface="Times New Roman" panose="02020503050405090304" pitchFamily="18" charset="0"/>
+                <a:cs typeface="Times New Roman" panose="02020503050405090304" pitchFamily="18" charset="0"/>
               </a:rPr>
               <a:t>;</a:t>
             </a:r>
+            <a:endParaRPr lang="en-US" altLang="zh-CN" dirty="0">
+              <a:latin typeface="Times New Roman" panose="02020503050405090304" pitchFamily="18" charset="0"/>
+              <a:cs typeface="Times New Roman" panose="02020503050405090304" pitchFamily="18" charset="0"/>
+            </a:endParaRPr>
           </a:p>
           <a:p>
             <a:pPr algn="just">
@@ -6221,8 +6260,8 @@
             </a:pPr>
             <a:r>
               <a:rPr lang="en-US" altLang="zh-CN" dirty="0">
-                <a:latin typeface="Times New Roman" panose="02020603050405020304" pitchFamily="18" charset="0"/>
-                <a:cs typeface="Times New Roman" panose="02020603050405020304" pitchFamily="18" charset="0"/>
+                <a:latin typeface="Times New Roman" panose="02020503050405090304" pitchFamily="18" charset="0"/>
+                <a:cs typeface="Times New Roman" panose="02020503050405090304" pitchFamily="18" charset="0"/>
               </a:rPr>
               <a:t>    </a:t>
             </a:r>
@@ -6231,15 +6270,15 @@
                 <a:solidFill>
                   <a:schemeClr val="accent2"/>
                 </a:solidFill>
-                <a:latin typeface="Times New Roman" panose="02020603050405020304" pitchFamily="18" charset="0"/>
-                <a:cs typeface="Times New Roman" panose="02020603050405020304" pitchFamily="18" charset="0"/>
+                <a:latin typeface="Times New Roman" panose="02020503050405090304" pitchFamily="18" charset="0"/>
+                <a:cs typeface="Times New Roman" panose="02020503050405090304" pitchFamily="18" charset="0"/>
               </a:rPr>
               <a:t>private </a:t>
             </a:r>
             <a:r>
               <a:rPr lang="en-US" altLang="zh-CN" dirty="0">
-                <a:latin typeface="Times New Roman" panose="02020603050405020304" pitchFamily="18" charset="0"/>
-                <a:cs typeface="Times New Roman" panose="02020603050405020304" pitchFamily="18" charset="0"/>
+                <a:latin typeface="Times New Roman" panose="02020503050405090304" pitchFamily="18" charset="0"/>
+                <a:cs typeface="Times New Roman" panose="02020503050405090304" pitchFamily="18" charset="0"/>
               </a:rPr>
               <a:t>String </a:t>
             </a:r>
@@ -6248,18 +6287,22 @@
                 <a:solidFill>
                   <a:srgbClr val="FF00FF"/>
                 </a:solidFill>
-                <a:latin typeface="Times New Roman" panose="02020603050405020304" pitchFamily="18" charset="0"/>
-                <a:cs typeface="Times New Roman" panose="02020603050405020304" pitchFamily="18" charset="0"/>
+                <a:latin typeface="Times New Roman" panose="02020503050405090304" pitchFamily="18" charset="0"/>
+                <a:cs typeface="Times New Roman" panose="02020503050405090304" pitchFamily="18" charset="0"/>
               </a:rPr>
               <a:t>clientUsername</a:t>
             </a:r>
             <a:r>
               <a:rPr lang="en-US" altLang="zh-CN" dirty="0">
-                <a:latin typeface="Times New Roman" panose="02020603050405020304" pitchFamily="18" charset="0"/>
-                <a:cs typeface="Times New Roman" panose="02020603050405020304" pitchFamily="18" charset="0"/>
+                <a:latin typeface="Times New Roman" panose="02020503050405090304" pitchFamily="18" charset="0"/>
+                <a:cs typeface="Times New Roman" panose="02020503050405090304" pitchFamily="18" charset="0"/>
               </a:rPr>
               <a:t>;</a:t>
             </a:r>
+            <a:endParaRPr lang="en-US" altLang="zh-CN" dirty="0">
+              <a:latin typeface="Times New Roman" panose="02020503050405090304" pitchFamily="18" charset="0"/>
+              <a:cs typeface="Times New Roman" panose="02020503050405090304" pitchFamily="18" charset="0"/>
+            </a:endParaRPr>
           </a:p>
           <a:p>
             <a:pPr algn="just">
@@ -6269,8 +6312,8 @@
             </a:pPr>
             <a:r>
               <a:rPr lang="en-US" altLang="zh-CN" dirty="0">
-                <a:latin typeface="Times New Roman" panose="02020603050405020304" pitchFamily="18" charset="0"/>
-                <a:cs typeface="Times New Roman" panose="02020603050405020304" pitchFamily="18" charset="0"/>
+                <a:latin typeface="Times New Roman" panose="02020503050405090304" pitchFamily="18" charset="0"/>
+                <a:cs typeface="Times New Roman" panose="02020503050405090304" pitchFamily="18" charset="0"/>
               </a:rPr>
               <a:t>    </a:t>
             </a:r>
@@ -6279,8 +6322,8 @@
                 <a:solidFill>
                   <a:schemeClr val="accent2"/>
                 </a:solidFill>
-                <a:latin typeface="Times New Roman" panose="02020603050405020304" pitchFamily="18" charset="0"/>
-                <a:cs typeface="Times New Roman" panose="02020603050405020304" pitchFamily="18" charset="0"/>
+                <a:latin typeface="Times New Roman" panose="02020503050405090304" pitchFamily="18" charset="0"/>
+                <a:cs typeface="Times New Roman" panose="02020503050405090304" pitchFamily="18" charset="0"/>
               </a:rPr>
               <a:t>public </a:t>
             </a:r>
@@ -6289,18 +6332,22 @@
                 <a:solidFill>
                   <a:srgbClr val="00B0F0"/>
                 </a:solidFill>
-                <a:latin typeface="Times New Roman" panose="02020603050405020304" pitchFamily="18" charset="0"/>
-                <a:cs typeface="Times New Roman" panose="02020603050405020304" pitchFamily="18" charset="0"/>
+                <a:latin typeface="Times New Roman" panose="02020503050405090304" pitchFamily="18" charset="0"/>
+                <a:cs typeface="Times New Roman" panose="02020503050405090304" pitchFamily="18" charset="0"/>
               </a:rPr>
               <a:t>ClientHandler</a:t>
             </a:r>
             <a:r>
               <a:rPr lang="en-US" altLang="zh-CN" dirty="0">
-                <a:latin typeface="Times New Roman" panose="02020603050405020304" pitchFamily="18" charset="0"/>
-                <a:cs typeface="Times New Roman" panose="02020603050405020304" pitchFamily="18" charset="0"/>
+                <a:latin typeface="Times New Roman" panose="02020503050405090304" pitchFamily="18" charset="0"/>
+                <a:cs typeface="Times New Roman" panose="02020503050405090304" pitchFamily="18" charset="0"/>
               </a:rPr>
               <a:t>(Socket socket){</a:t>
             </a:r>
+            <a:endParaRPr lang="en-US" altLang="zh-CN" dirty="0">
+              <a:latin typeface="Times New Roman" panose="02020503050405090304" pitchFamily="18" charset="0"/>
+              <a:cs typeface="Times New Roman" panose="02020503050405090304" pitchFamily="18" charset="0"/>
+            </a:endParaRPr>
           </a:p>
           <a:p>
             <a:pPr algn="just">
@@ -6310,8 +6357,8 @@
             </a:pPr>
             <a:r>
               <a:rPr lang="en-US" altLang="zh-CN" dirty="0">
-                <a:latin typeface="Times New Roman" panose="02020603050405020304" pitchFamily="18" charset="0"/>
-                <a:cs typeface="Times New Roman" panose="02020603050405020304" pitchFamily="18" charset="0"/>
+                <a:latin typeface="Times New Roman" panose="02020503050405090304" pitchFamily="18" charset="0"/>
+                <a:cs typeface="Times New Roman" panose="02020503050405090304" pitchFamily="18" charset="0"/>
               </a:rPr>
               <a:t>            </a:t>
             </a:r>
@@ -6320,15 +6367,15 @@
                 <a:solidFill>
                   <a:schemeClr val="accent2"/>
                 </a:solidFill>
-                <a:latin typeface="Times New Roman" panose="02020603050405020304" pitchFamily="18" charset="0"/>
-                <a:cs typeface="Times New Roman" panose="02020603050405020304" pitchFamily="18" charset="0"/>
+                <a:latin typeface="Times New Roman" panose="02020503050405090304" pitchFamily="18" charset="0"/>
+                <a:cs typeface="Times New Roman" panose="02020503050405090304" pitchFamily="18" charset="0"/>
               </a:rPr>
               <a:t>this</a:t>
             </a:r>
             <a:r>
               <a:rPr lang="en-US" altLang="zh-CN" dirty="0" err="1">
-                <a:latin typeface="Times New Roman" panose="02020603050405020304" pitchFamily="18" charset="0"/>
-                <a:cs typeface="Times New Roman" panose="02020603050405020304" pitchFamily="18" charset="0"/>
+                <a:latin typeface="Times New Roman" panose="02020503050405090304" pitchFamily="18" charset="0"/>
+                <a:cs typeface="Times New Roman" panose="02020503050405090304" pitchFamily="18" charset="0"/>
               </a:rPr>
               <a:t>.</a:t>
             </a:r>
@@ -6337,18 +6384,22 @@
                 <a:solidFill>
                   <a:srgbClr val="FF00FF"/>
                 </a:solidFill>
-                <a:latin typeface="Times New Roman" panose="02020603050405020304" pitchFamily="18" charset="0"/>
-                <a:cs typeface="Times New Roman" panose="02020603050405020304" pitchFamily="18" charset="0"/>
+                <a:latin typeface="Times New Roman" panose="02020503050405090304" pitchFamily="18" charset="0"/>
+                <a:cs typeface="Times New Roman" panose="02020503050405090304" pitchFamily="18" charset="0"/>
               </a:rPr>
               <a:t>socket</a:t>
             </a:r>
             <a:r>
               <a:rPr lang="en-US" altLang="zh-CN" dirty="0">
-                <a:latin typeface="Times New Roman" panose="02020603050405020304" pitchFamily="18" charset="0"/>
-                <a:cs typeface="Times New Roman" panose="02020603050405020304" pitchFamily="18" charset="0"/>
+                <a:latin typeface="Times New Roman" panose="02020503050405090304" pitchFamily="18" charset="0"/>
+                <a:cs typeface="Times New Roman" panose="02020503050405090304" pitchFamily="18" charset="0"/>
               </a:rPr>
               <a:t> = socket;</a:t>
             </a:r>
+            <a:endParaRPr lang="en-US" altLang="zh-CN" dirty="0">
+              <a:latin typeface="Times New Roman" panose="02020503050405090304" pitchFamily="18" charset="0"/>
+              <a:cs typeface="Times New Roman" panose="02020503050405090304" pitchFamily="18" charset="0"/>
+            </a:endParaRPr>
           </a:p>
           <a:p>
             <a:pPr algn="just">
@@ -6358,8 +6409,8 @@
             </a:pPr>
             <a:r>
               <a:rPr lang="en-US" altLang="zh-CN" dirty="0">
-                <a:latin typeface="Times New Roman" panose="02020603050405020304" pitchFamily="18" charset="0"/>
-                <a:cs typeface="Times New Roman" panose="02020603050405020304" pitchFamily="18" charset="0"/>
+                <a:latin typeface="Times New Roman" panose="02020503050405090304" pitchFamily="18" charset="0"/>
+                <a:cs typeface="Times New Roman" panose="02020503050405090304" pitchFamily="18" charset="0"/>
               </a:rPr>
               <a:t>            </a:t>
             </a:r>
@@ -6368,15 +6419,15 @@
                 <a:solidFill>
                   <a:schemeClr val="accent2"/>
                 </a:solidFill>
-                <a:latin typeface="Times New Roman" panose="02020603050405020304" pitchFamily="18" charset="0"/>
-                <a:cs typeface="Times New Roman" panose="02020603050405020304" pitchFamily="18" charset="0"/>
+                <a:latin typeface="Times New Roman" panose="02020503050405090304" pitchFamily="18" charset="0"/>
+                <a:cs typeface="Times New Roman" panose="02020503050405090304" pitchFamily="18" charset="0"/>
               </a:rPr>
               <a:t>this</a:t>
             </a:r>
             <a:r>
               <a:rPr lang="en-US" altLang="zh-CN" dirty="0" err="1">
-                <a:latin typeface="Times New Roman" panose="02020603050405020304" pitchFamily="18" charset="0"/>
-                <a:cs typeface="Times New Roman" panose="02020603050405020304" pitchFamily="18" charset="0"/>
+                <a:latin typeface="Times New Roman" panose="02020503050405090304" pitchFamily="18" charset="0"/>
+                <a:cs typeface="Times New Roman" panose="02020503050405090304" pitchFamily="18" charset="0"/>
               </a:rPr>
               <a:t>.</a:t>
             </a:r>
@@ -6385,15 +6436,15 @@
                 <a:solidFill>
                   <a:srgbClr val="FF00FF"/>
                 </a:solidFill>
-                <a:latin typeface="Times New Roman" panose="02020603050405020304" pitchFamily="18" charset="0"/>
-                <a:cs typeface="Times New Roman" panose="02020603050405020304" pitchFamily="18" charset="0"/>
+                <a:latin typeface="Times New Roman" panose="02020503050405090304" pitchFamily="18" charset="0"/>
+                <a:cs typeface="Times New Roman" panose="02020503050405090304" pitchFamily="18" charset="0"/>
               </a:rPr>
               <a:t>bufferedReader</a:t>
             </a:r>
             <a:r>
               <a:rPr lang="en-US" altLang="zh-CN" dirty="0">
-                <a:latin typeface="Times New Roman" panose="02020603050405020304" pitchFamily="18" charset="0"/>
-                <a:cs typeface="Times New Roman" panose="02020603050405020304" pitchFamily="18" charset="0"/>
+                <a:latin typeface="Times New Roman" panose="02020503050405090304" pitchFamily="18" charset="0"/>
+                <a:cs typeface="Times New Roman" panose="02020503050405090304" pitchFamily="18" charset="0"/>
               </a:rPr>
               <a:t> = </a:t>
             </a:r>
@@ -6402,22 +6453,22 @@
                 <a:solidFill>
                   <a:schemeClr val="accent2"/>
                 </a:solidFill>
-                <a:latin typeface="Times New Roman" panose="02020603050405020304" pitchFamily="18" charset="0"/>
-                <a:cs typeface="Times New Roman" panose="02020603050405020304" pitchFamily="18" charset="0"/>
+                <a:latin typeface="Times New Roman" panose="02020503050405090304" pitchFamily="18" charset="0"/>
+                <a:cs typeface="Times New Roman" panose="02020503050405090304" pitchFamily="18" charset="0"/>
               </a:rPr>
               <a:t>new </a:t>
             </a:r>
             <a:r>
               <a:rPr lang="en-US" altLang="zh-CN" dirty="0" err="1">
-                <a:latin typeface="Times New Roman" panose="02020603050405020304" pitchFamily="18" charset="0"/>
-                <a:cs typeface="Times New Roman" panose="02020603050405020304" pitchFamily="18" charset="0"/>
+                <a:latin typeface="Times New Roman" panose="02020503050405090304" pitchFamily="18" charset="0"/>
+                <a:cs typeface="Times New Roman" panose="02020503050405090304" pitchFamily="18" charset="0"/>
               </a:rPr>
               <a:t>BufferedReader</a:t>
             </a:r>
             <a:r>
               <a:rPr lang="en-US" altLang="zh-CN" dirty="0">
-                <a:latin typeface="Times New Roman" panose="02020603050405020304" pitchFamily="18" charset="0"/>
-                <a:cs typeface="Times New Roman" panose="02020603050405020304" pitchFamily="18" charset="0"/>
+                <a:latin typeface="Times New Roman" panose="02020503050405090304" pitchFamily="18" charset="0"/>
+                <a:cs typeface="Times New Roman" panose="02020503050405090304" pitchFamily="18" charset="0"/>
               </a:rPr>
               <a:t>(</a:t>
             </a:r>
@@ -6426,39 +6477,43 @@
                 <a:solidFill>
                   <a:schemeClr val="accent2"/>
                 </a:solidFill>
-                <a:latin typeface="Times New Roman" panose="02020603050405020304" pitchFamily="18" charset="0"/>
-                <a:cs typeface="Times New Roman" panose="02020603050405020304" pitchFamily="18" charset="0"/>
+                <a:latin typeface="Times New Roman" panose="02020503050405090304" pitchFamily="18" charset="0"/>
+                <a:cs typeface="Times New Roman" panose="02020503050405090304" pitchFamily="18" charset="0"/>
               </a:rPr>
               <a:t>new </a:t>
             </a:r>
             <a:r>
               <a:rPr lang="en-US" altLang="zh-CN" dirty="0" err="1">
-                <a:latin typeface="Times New Roman" panose="02020603050405020304" pitchFamily="18" charset="0"/>
-                <a:cs typeface="Times New Roman" panose="02020603050405020304" pitchFamily="18" charset="0"/>
+                <a:latin typeface="Times New Roman" panose="02020503050405090304" pitchFamily="18" charset="0"/>
+                <a:cs typeface="Times New Roman" panose="02020503050405090304" pitchFamily="18" charset="0"/>
               </a:rPr>
               <a:t>InputStreamReader</a:t>
             </a:r>
             <a:r>
               <a:rPr lang="en-US" altLang="zh-CN" dirty="0">
-                <a:latin typeface="Times New Roman" panose="02020603050405020304" pitchFamily="18" charset="0"/>
-                <a:cs typeface="Times New Roman" panose="02020603050405020304" pitchFamily="18" charset="0"/>
+                <a:latin typeface="Times New Roman" panose="02020503050405090304" pitchFamily="18" charset="0"/>
+                <a:cs typeface="Times New Roman" panose="02020503050405090304" pitchFamily="18" charset="0"/>
               </a:rPr>
               <a:t>(</a:t>
             </a:r>
             <a:r>
               <a:rPr lang="en-US" altLang="zh-CN" dirty="0" err="1">
-                <a:latin typeface="Times New Roman" panose="02020603050405020304" pitchFamily="18" charset="0"/>
-                <a:cs typeface="Times New Roman" panose="02020603050405020304" pitchFamily="18" charset="0"/>
+                <a:latin typeface="Times New Roman" panose="02020503050405090304" pitchFamily="18" charset="0"/>
+                <a:cs typeface="Times New Roman" panose="02020503050405090304" pitchFamily="18" charset="0"/>
               </a:rPr>
               <a:t>socket.getInputStream</a:t>
             </a:r>
             <a:r>
               <a:rPr lang="en-US" altLang="zh-CN" dirty="0">
-                <a:latin typeface="Times New Roman" panose="02020603050405020304" pitchFamily="18" charset="0"/>
-                <a:cs typeface="Times New Roman" panose="02020603050405020304" pitchFamily="18" charset="0"/>
+                <a:latin typeface="Times New Roman" panose="02020503050405090304" pitchFamily="18" charset="0"/>
+                <a:cs typeface="Times New Roman" panose="02020503050405090304" pitchFamily="18" charset="0"/>
               </a:rPr>
               <a:t>()));</a:t>
             </a:r>
+            <a:endParaRPr lang="en-US" altLang="zh-CN" dirty="0">
+              <a:latin typeface="Times New Roman" panose="02020503050405090304" pitchFamily="18" charset="0"/>
+              <a:cs typeface="Times New Roman" panose="02020503050405090304" pitchFamily="18" charset="0"/>
+            </a:endParaRPr>
           </a:p>
           <a:p>
             <a:pPr algn="just">
@@ -6468,8 +6523,8 @@
             </a:pPr>
             <a:r>
               <a:rPr lang="en-US" altLang="zh-CN" dirty="0">
-                <a:latin typeface="Times New Roman" panose="02020603050405020304" pitchFamily="18" charset="0"/>
-                <a:cs typeface="Times New Roman" panose="02020603050405020304" pitchFamily="18" charset="0"/>
+                <a:latin typeface="Times New Roman" panose="02020503050405090304" pitchFamily="18" charset="0"/>
+                <a:cs typeface="Times New Roman" panose="02020503050405090304" pitchFamily="18" charset="0"/>
               </a:rPr>
               <a:t>            </a:t>
             </a:r>
@@ -6478,15 +6533,15 @@
                 <a:solidFill>
                   <a:schemeClr val="accent2"/>
                 </a:solidFill>
-                <a:latin typeface="Times New Roman" panose="02020603050405020304" pitchFamily="18" charset="0"/>
-                <a:cs typeface="Times New Roman" panose="02020603050405020304" pitchFamily="18" charset="0"/>
+                <a:latin typeface="Times New Roman" panose="02020503050405090304" pitchFamily="18" charset="0"/>
+                <a:cs typeface="Times New Roman" panose="02020503050405090304" pitchFamily="18" charset="0"/>
               </a:rPr>
               <a:t>this</a:t>
             </a:r>
             <a:r>
               <a:rPr lang="en-US" altLang="zh-CN" dirty="0" err="1">
-                <a:latin typeface="Times New Roman" panose="02020603050405020304" pitchFamily="18" charset="0"/>
-                <a:cs typeface="Times New Roman" panose="02020603050405020304" pitchFamily="18" charset="0"/>
+                <a:latin typeface="Times New Roman" panose="02020503050405090304" pitchFamily="18" charset="0"/>
+                <a:cs typeface="Times New Roman" panose="02020503050405090304" pitchFamily="18" charset="0"/>
               </a:rPr>
               <a:t>.</a:t>
             </a:r>
@@ -6495,15 +6550,15 @@
                 <a:solidFill>
                   <a:srgbClr val="FF00FF"/>
                 </a:solidFill>
-                <a:latin typeface="Times New Roman" panose="02020603050405020304" pitchFamily="18" charset="0"/>
-                <a:cs typeface="Times New Roman" panose="02020603050405020304" pitchFamily="18" charset="0"/>
+                <a:latin typeface="Times New Roman" panose="02020503050405090304" pitchFamily="18" charset="0"/>
+                <a:cs typeface="Times New Roman" panose="02020503050405090304" pitchFamily="18" charset="0"/>
               </a:rPr>
               <a:t>clientUsername</a:t>
             </a:r>
             <a:r>
               <a:rPr lang="en-US" altLang="zh-CN" dirty="0">
-                <a:latin typeface="Times New Roman" panose="02020603050405020304" pitchFamily="18" charset="0"/>
-                <a:cs typeface="Times New Roman" panose="02020603050405020304" pitchFamily="18" charset="0"/>
+                <a:latin typeface="Times New Roman" panose="02020503050405090304" pitchFamily="18" charset="0"/>
+                <a:cs typeface="Times New Roman" panose="02020503050405090304" pitchFamily="18" charset="0"/>
               </a:rPr>
               <a:t> = </a:t>
             </a:r>
@@ -6512,25 +6567,29 @@
                 <a:solidFill>
                   <a:srgbClr val="FF00FF"/>
                 </a:solidFill>
-                <a:latin typeface="Times New Roman" panose="02020603050405020304" pitchFamily="18" charset="0"/>
-                <a:cs typeface="Times New Roman" panose="02020603050405020304" pitchFamily="18" charset="0"/>
+                <a:latin typeface="Times New Roman" panose="02020503050405090304" pitchFamily="18" charset="0"/>
+                <a:cs typeface="Times New Roman" panose="02020503050405090304" pitchFamily="18" charset="0"/>
               </a:rPr>
               <a:t>bufferedReader</a:t>
             </a:r>
             <a:r>
               <a:rPr lang="en-US" altLang="zh-CN" dirty="0" err="1">
-                <a:latin typeface="Times New Roman" panose="02020603050405020304" pitchFamily="18" charset="0"/>
-                <a:cs typeface="Times New Roman" panose="02020603050405020304" pitchFamily="18" charset="0"/>
+                <a:latin typeface="Times New Roman" panose="02020503050405090304" pitchFamily="18" charset="0"/>
+                <a:cs typeface="Times New Roman" panose="02020503050405090304" pitchFamily="18" charset="0"/>
               </a:rPr>
               <a:t>.readLine</a:t>
             </a:r>
             <a:r>
               <a:rPr lang="en-US" altLang="zh-CN" dirty="0">
-                <a:latin typeface="Times New Roman" panose="02020603050405020304" pitchFamily="18" charset="0"/>
-                <a:cs typeface="Times New Roman" panose="02020603050405020304" pitchFamily="18" charset="0"/>
+                <a:latin typeface="Times New Roman" panose="02020503050405090304" pitchFamily="18" charset="0"/>
+                <a:cs typeface="Times New Roman" panose="02020503050405090304" pitchFamily="18" charset="0"/>
               </a:rPr>
               <a:t>();</a:t>
             </a:r>
+            <a:endParaRPr lang="en-US" altLang="zh-CN" dirty="0">
+              <a:latin typeface="Times New Roman" panose="02020503050405090304" pitchFamily="18" charset="0"/>
+              <a:cs typeface="Times New Roman" panose="02020503050405090304" pitchFamily="18" charset="0"/>
+            </a:endParaRPr>
           </a:p>
           <a:p>
             <a:pPr algn="just">
@@ -6540,8 +6599,8 @@
             </a:pPr>
             <a:r>
               <a:rPr lang="en-US" altLang="zh-CN" dirty="0">
-                <a:latin typeface="Times New Roman" panose="02020603050405020304" pitchFamily="18" charset="0"/>
-                <a:cs typeface="Times New Roman" panose="02020603050405020304" pitchFamily="18" charset="0"/>
+                <a:latin typeface="Times New Roman" panose="02020503050405090304" pitchFamily="18" charset="0"/>
+                <a:cs typeface="Times New Roman" panose="02020503050405090304" pitchFamily="18" charset="0"/>
               </a:rPr>
               <a:t>            </a:t>
             </a:r>
@@ -6550,22 +6609,22 @@
                 <a:solidFill>
                   <a:srgbClr val="FF00FF"/>
                 </a:solidFill>
-                <a:latin typeface="Times New Roman" panose="02020603050405020304" pitchFamily="18" charset="0"/>
-                <a:cs typeface="Times New Roman" panose="02020603050405020304" pitchFamily="18" charset="0"/>
+                <a:latin typeface="Times New Roman" panose="02020503050405090304" pitchFamily="18" charset="0"/>
+                <a:cs typeface="Times New Roman" panose="02020503050405090304" pitchFamily="18" charset="0"/>
               </a:rPr>
               <a:t>clientHandlers</a:t>
             </a:r>
             <a:r>
               <a:rPr lang="en-US" altLang="zh-CN" dirty="0" err="1">
-                <a:latin typeface="Times New Roman" panose="02020603050405020304" pitchFamily="18" charset="0"/>
-                <a:cs typeface="Times New Roman" panose="02020603050405020304" pitchFamily="18" charset="0"/>
+                <a:latin typeface="Times New Roman" panose="02020503050405090304" pitchFamily="18" charset="0"/>
+                <a:cs typeface="Times New Roman" panose="02020503050405090304" pitchFamily="18" charset="0"/>
               </a:rPr>
               <a:t>.add</a:t>
             </a:r>
             <a:r>
               <a:rPr lang="en-US" altLang="zh-CN" dirty="0">
-                <a:latin typeface="Times New Roman" panose="02020603050405020304" pitchFamily="18" charset="0"/>
-                <a:cs typeface="Times New Roman" panose="02020603050405020304" pitchFamily="18" charset="0"/>
+                <a:latin typeface="Times New Roman" panose="02020503050405090304" pitchFamily="18" charset="0"/>
+                <a:cs typeface="Times New Roman" panose="02020503050405090304" pitchFamily="18" charset="0"/>
               </a:rPr>
               <a:t>(</a:t>
             </a:r>
@@ -6574,18 +6633,22 @@
                 <a:solidFill>
                   <a:schemeClr val="accent2"/>
                 </a:solidFill>
-                <a:latin typeface="Times New Roman" panose="02020603050405020304" pitchFamily="18" charset="0"/>
-                <a:cs typeface="Times New Roman" panose="02020603050405020304" pitchFamily="18" charset="0"/>
+                <a:latin typeface="Times New Roman" panose="02020503050405090304" pitchFamily="18" charset="0"/>
+                <a:cs typeface="Times New Roman" panose="02020503050405090304" pitchFamily="18" charset="0"/>
               </a:rPr>
               <a:t>this</a:t>
             </a:r>
             <a:r>
               <a:rPr lang="en-US" altLang="zh-CN" dirty="0">
-                <a:latin typeface="Times New Roman" panose="02020603050405020304" pitchFamily="18" charset="0"/>
-                <a:cs typeface="Times New Roman" panose="02020603050405020304" pitchFamily="18" charset="0"/>
+                <a:latin typeface="Times New Roman" panose="02020503050405090304" pitchFamily="18" charset="0"/>
+                <a:cs typeface="Times New Roman" panose="02020503050405090304" pitchFamily="18" charset="0"/>
               </a:rPr>
               <a:t>);</a:t>
             </a:r>
+            <a:endParaRPr lang="en-US" altLang="zh-CN" dirty="0">
+              <a:latin typeface="Times New Roman" panose="02020503050405090304" pitchFamily="18" charset="0"/>
+              <a:cs typeface="Times New Roman" panose="02020503050405090304" pitchFamily="18" charset="0"/>
+            </a:endParaRPr>
           </a:p>
           <a:p>
             <a:pPr algn="just">
@@ -6595,25 +6658,29 @@
             </a:pPr>
             <a:r>
               <a:rPr lang="en-US" altLang="zh-CN" dirty="0">
-                <a:latin typeface="Times New Roman" panose="02020603050405020304" pitchFamily="18" charset="0"/>
-                <a:cs typeface="Times New Roman" panose="02020603050405020304" pitchFamily="18" charset="0"/>
+                <a:latin typeface="Times New Roman" panose="02020503050405090304" pitchFamily="18" charset="0"/>
+                <a:cs typeface="Times New Roman" panose="02020503050405090304" pitchFamily="18" charset="0"/>
               </a:rPr>
               <a:t>            </a:t>
             </a:r>
             <a:r>
               <a:rPr lang="en-US" altLang="zh-CN" dirty="0" err="1">
-                <a:latin typeface="Times New Roman" panose="02020603050405020304" pitchFamily="18" charset="0"/>
-                <a:cs typeface="Times New Roman" panose="02020603050405020304" pitchFamily="18" charset="0"/>
+                <a:latin typeface="Times New Roman" panose="02020503050405090304" pitchFamily="18" charset="0"/>
+                <a:cs typeface="Times New Roman" panose="02020503050405090304" pitchFamily="18" charset="0"/>
               </a:rPr>
               <a:t>broadcastMessage</a:t>
             </a:r>
             <a:r>
               <a:rPr lang="en-US" altLang="zh-CN" dirty="0">
-                <a:latin typeface="Times New Roman" panose="02020603050405020304" pitchFamily="18" charset="0"/>
-                <a:cs typeface="Times New Roman" panose="02020603050405020304" pitchFamily="18" charset="0"/>
+                <a:latin typeface="Times New Roman" panose="02020503050405090304" pitchFamily="18" charset="0"/>
+                <a:cs typeface="Times New Roman" panose="02020503050405090304" pitchFamily="18" charset="0"/>
               </a:rPr>
               <a:t>();}</a:t>
             </a:r>
+            <a:endParaRPr lang="en-US" altLang="zh-CN" dirty="0">
+              <a:latin typeface="Times New Roman" panose="02020503050405090304" pitchFamily="18" charset="0"/>
+              <a:cs typeface="Times New Roman" panose="02020503050405090304" pitchFamily="18" charset="0"/>
+            </a:endParaRPr>
           </a:p>
           <a:p>
             <a:pPr algn="just">
@@ -6623,8 +6690,8 @@
             </a:pPr>
             <a:r>
               <a:rPr lang="en-US" altLang="zh-CN" dirty="0">
-                <a:latin typeface="Times New Roman" panose="02020603050405020304" pitchFamily="18" charset="0"/>
-                <a:cs typeface="Times New Roman" panose="02020603050405020304" pitchFamily="18" charset="0"/>
+                <a:latin typeface="Times New Roman" panose="02020503050405090304" pitchFamily="18" charset="0"/>
+                <a:cs typeface="Times New Roman" panose="02020503050405090304" pitchFamily="18" charset="0"/>
               </a:rPr>
               <a:t>    </a:t>
             </a:r>
@@ -6636,11 +6703,21 @@
                     <a:lumOff val="40000"/>
                   </a:schemeClr>
                 </a:solidFill>
-                <a:latin typeface="Times New Roman" panose="02020603050405020304" pitchFamily="18" charset="0"/>
-                <a:cs typeface="Times New Roman" panose="02020603050405020304" pitchFamily="18" charset="0"/>
+                <a:latin typeface="Times New Roman" panose="02020503050405090304" pitchFamily="18" charset="0"/>
+                <a:cs typeface="Times New Roman" panose="02020503050405090304" pitchFamily="18" charset="0"/>
               </a:rPr>
               <a:t>@Override</a:t>
             </a:r>
+            <a:endParaRPr lang="en-US" altLang="zh-CN" dirty="0">
+              <a:solidFill>
+                <a:schemeClr val="accent4">
+                  <a:lumMod val="60000"/>
+                  <a:lumOff val="40000"/>
+                </a:schemeClr>
+              </a:solidFill>
+              <a:latin typeface="Times New Roman" panose="02020503050405090304" pitchFamily="18" charset="0"/>
+              <a:cs typeface="Times New Roman" panose="02020503050405090304" pitchFamily="18" charset="0"/>
+            </a:endParaRPr>
           </a:p>
           <a:p>
             <a:pPr algn="just">
@@ -6650,8 +6727,8 @@
             </a:pPr>
             <a:r>
               <a:rPr lang="en-US" altLang="zh-CN" dirty="0">
-                <a:latin typeface="Times New Roman" panose="02020603050405020304" pitchFamily="18" charset="0"/>
-                <a:cs typeface="Times New Roman" panose="02020603050405020304" pitchFamily="18" charset="0"/>
+                <a:latin typeface="Times New Roman" panose="02020503050405090304" pitchFamily="18" charset="0"/>
+                <a:cs typeface="Times New Roman" panose="02020503050405090304" pitchFamily="18" charset="0"/>
               </a:rPr>
               <a:t>    </a:t>
             </a:r>
@@ -6660,8 +6737,8 @@
                 <a:solidFill>
                   <a:schemeClr val="accent2"/>
                 </a:solidFill>
-                <a:latin typeface="Times New Roman" panose="02020603050405020304" pitchFamily="18" charset="0"/>
-                <a:cs typeface="Times New Roman" panose="02020603050405020304" pitchFamily="18" charset="0"/>
+                <a:latin typeface="Times New Roman" panose="02020503050405090304" pitchFamily="18" charset="0"/>
+                <a:cs typeface="Times New Roman" panose="02020503050405090304" pitchFamily="18" charset="0"/>
               </a:rPr>
               <a:t>public void </a:t>
             </a:r>
@@ -6670,18 +6747,22 @@
                 <a:solidFill>
                   <a:srgbClr val="00B0F0"/>
                 </a:solidFill>
-                <a:latin typeface="Times New Roman" panose="02020603050405020304" pitchFamily="18" charset="0"/>
-                <a:cs typeface="Times New Roman" panose="02020603050405020304" pitchFamily="18" charset="0"/>
+                <a:latin typeface="Times New Roman" panose="02020503050405090304" pitchFamily="18" charset="0"/>
+                <a:cs typeface="Times New Roman" panose="02020503050405090304" pitchFamily="18" charset="0"/>
               </a:rPr>
               <a:t>run</a:t>
             </a:r>
             <a:r>
               <a:rPr lang="en-US" altLang="zh-CN" dirty="0">
-                <a:latin typeface="Times New Roman" panose="02020603050405020304" pitchFamily="18" charset="0"/>
-                <a:cs typeface="Times New Roman" panose="02020603050405020304" pitchFamily="18" charset="0"/>
+                <a:latin typeface="Times New Roman" panose="02020503050405090304" pitchFamily="18" charset="0"/>
+                <a:cs typeface="Times New Roman" panose="02020503050405090304" pitchFamily="18" charset="0"/>
               </a:rPr>
               <a:t>() {</a:t>
             </a:r>
+            <a:endParaRPr lang="en-US" altLang="zh-CN" dirty="0">
+              <a:latin typeface="Times New Roman" panose="02020503050405090304" pitchFamily="18" charset="0"/>
+              <a:cs typeface="Times New Roman" panose="02020503050405090304" pitchFamily="18" charset="0"/>
+            </a:endParaRPr>
           </a:p>
           <a:p>
             <a:pPr algn="just">
@@ -6691,25 +6772,29 @@
             </a:pPr>
             <a:r>
               <a:rPr lang="en-US" altLang="zh-CN" dirty="0">
-                <a:latin typeface="Times New Roman" panose="02020603050405020304" pitchFamily="18" charset="0"/>
-                <a:cs typeface="Times New Roman" panose="02020603050405020304" pitchFamily="18" charset="0"/>
+                <a:latin typeface="Times New Roman" panose="02020503050405090304" pitchFamily="18" charset="0"/>
+                <a:cs typeface="Times New Roman" panose="02020503050405090304" pitchFamily="18" charset="0"/>
               </a:rPr>
               <a:t>        String </a:t>
             </a:r>
             <a:r>
               <a:rPr lang="en-US" altLang="zh-CN" u="sng" dirty="0" err="1">
-                <a:latin typeface="Times New Roman" panose="02020603050405020304" pitchFamily="18" charset="0"/>
-                <a:cs typeface="Times New Roman" panose="02020603050405020304" pitchFamily="18" charset="0"/>
+                <a:latin typeface="Times New Roman" panose="02020503050405090304" pitchFamily="18" charset="0"/>
+                <a:cs typeface="Times New Roman" panose="02020503050405090304" pitchFamily="18" charset="0"/>
               </a:rPr>
               <a:t>messageFromClient</a:t>
             </a:r>
             <a:r>
               <a:rPr lang="en-US" altLang="zh-CN" dirty="0">
-                <a:latin typeface="Times New Roman" panose="02020603050405020304" pitchFamily="18" charset="0"/>
-                <a:cs typeface="Times New Roman" panose="02020603050405020304" pitchFamily="18" charset="0"/>
+                <a:latin typeface="Times New Roman" panose="02020503050405090304" pitchFamily="18" charset="0"/>
+                <a:cs typeface="Times New Roman" panose="02020503050405090304" pitchFamily="18" charset="0"/>
               </a:rPr>
               <a:t>;</a:t>
             </a:r>
+            <a:endParaRPr lang="en-US" altLang="zh-CN" dirty="0">
+              <a:latin typeface="Times New Roman" panose="02020503050405090304" pitchFamily="18" charset="0"/>
+              <a:cs typeface="Times New Roman" panose="02020503050405090304" pitchFamily="18" charset="0"/>
+            </a:endParaRPr>
           </a:p>
           <a:p>
             <a:pPr algn="just">
@@ -6719,8 +6804,8 @@
             </a:pPr>
             <a:r>
               <a:rPr lang="en-US" altLang="zh-CN" dirty="0">
-                <a:latin typeface="Times New Roman" panose="02020603050405020304" pitchFamily="18" charset="0"/>
-                <a:cs typeface="Times New Roman" panose="02020603050405020304" pitchFamily="18" charset="0"/>
+                <a:latin typeface="Times New Roman" panose="02020503050405090304" pitchFamily="18" charset="0"/>
+                <a:cs typeface="Times New Roman" panose="02020503050405090304" pitchFamily="18" charset="0"/>
               </a:rPr>
               <a:t>        </a:t>
             </a:r>
@@ -6729,15 +6814,15 @@
                 <a:solidFill>
                   <a:schemeClr val="accent2"/>
                 </a:solidFill>
-                <a:latin typeface="Times New Roman" panose="02020603050405020304" pitchFamily="18" charset="0"/>
-                <a:cs typeface="Times New Roman" panose="02020603050405020304" pitchFamily="18" charset="0"/>
+                <a:latin typeface="Times New Roman" panose="02020503050405090304" pitchFamily="18" charset="0"/>
+                <a:cs typeface="Times New Roman" panose="02020503050405090304" pitchFamily="18" charset="0"/>
               </a:rPr>
               <a:t>while</a:t>
             </a:r>
             <a:r>
               <a:rPr lang="en-US" altLang="zh-CN" dirty="0">
-                <a:latin typeface="Times New Roman" panose="02020603050405020304" pitchFamily="18" charset="0"/>
-                <a:cs typeface="Times New Roman" panose="02020603050405020304" pitchFamily="18" charset="0"/>
+                <a:latin typeface="Times New Roman" panose="02020503050405090304" pitchFamily="18" charset="0"/>
+                <a:cs typeface="Times New Roman" panose="02020503050405090304" pitchFamily="18" charset="0"/>
               </a:rPr>
               <a:t>(</a:t>
             </a:r>
@@ -6746,25 +6831,29 @@
                 <a:solidFill>
                   <a:srgbClr val="FF00FF"/>
                 </a:solidFill>
-                <a:latin typeface="Times New Roman" panose="02020603050405020304" pitchFamily="18" charset="0"/>
-                <a:cs typeface="Times New Roman" panose="02020603050405020304" pitchFamily="18" charset="0"/>
+                <a:latin typeface="Times New Roman" panose="02020503050405090304" pitchFamily="18" charset="0"/>
+                <a:cs typeface="Times New Roman" panose="02020503050405090304" pitchFamily="18" charset="0"/>
               </a:rPr>
               <a:t>socket</a:t>
             </a:r>
             <a:r>
               <a:rPr lang="en-US" altLang="zh-CN" dirty="0" err="1">
-                <a:latin typeface="Times New Roman" panose="02020603050405020304" pitchFamily="18" charset="0"/>
-                <a:cs typeface="Times New Roman" panose="02020603050405020304" pitchFamily="18" charset="0"/>
+                <a:latin typeface="Times New Roman" panose="02020503050405090304" pitchFamily="18" charset="0"/>
+                <a:cs typeface="Times New Roman" panose="02020503050405090304" pitchFamily="18" charset="0"/>
               </a:rPr>
               <a:t>.isConnected</a:t>
             </a:r>
             <a:r>
               <a:rPr lang="en-US" altLang="zh-CN" dirty="0">
-                <a:latin typeface="Times New Roman" panose="02020603050405020304" pitchFamily="18" charset="0"/>
-                <a:cs typeface="Times New Roman" panose="02020603050405020304" pitchFamily="18" charset="0"/>
+                <a:latin typeface="Times New Roman" panose="02020503050405090304" pitchFamily="18" charset="0"/>
+                <a:cs typeface="Times New Roman" panose="02020503050405090304" pitchFamily="18" charset="0"/>
               </a:rPr>
               <a:t>()){</a:t>
             </a:r>
+            <a:endParaRPr lang="en-US" altLang="zh-CN" dirty="0">
+              <a:latin typeface="Times New Roman" panose="02020503050405090304" pitchFamily="18" charset="0"/>
+              <a:cs typeface="Times New Roman" panose="02020503050405090304" pitchFamily="18" charset="0"/>
+            </a:endParaRPr>
           </a:p>
           <a:p>
             <a:pPr algn="just">
@@ -6774,22 +6863,22 @@
             </a:pPr>
             <a:r>
               <a:rPr lang="en-US" altLang="zh-CN" dirty="0">
-                <a:latin typeface="Times New Roman" panose="02020603050405020304" pitchFamily="18" charset="0"/>
-                <a:cs typeface="Times New Roman" panose="02020603050405020304" pitchFamily="18" charset="0"/>
+                <a:latin typeface="Times New Roman" panose="02020503050405090304" pitchFamily="18" charset="0"/>
+                <a:cs typeface="Times New Roman" panose="02020503050405090304" pitchFamily="18" charset="0"/>
               </a:rPr>
               <a:t>                </a:t>
             </a:r>
             <a:r>
               <a:rPr lang="en-US" altLang="zh-CN" u="sng" dirty="0" err="1">
-                <a:latin typeface="Times New Roman" panose="02020603050405020304" pitchFamily="18" charset="0"/>
-                <a:cs typeface="Times New Roman" panose="02020603050405020304" pitchFamily="18" charset="0"/>
+                <a:latin typeface="Times New Roman" panose="02020503050405090304" pitchFamily="18" charset="0"/>
+                <a:cs typeface="Times New Roman" panose="02020503050405090304" pitchFamily="18" charset="0"/>
               </a:rPr>
               <a:t>messageFromClient</a:t>
             </a:r>
             <a:r>
               <a:rPr lang="en-US" altLang="zh-CN" dirty="0">
-                <a:latin typeface="Times New Roman" panose="02020603050405020304" pitchFamily="18" charset="0"/>
-                <a:cs typeface="Times New Roman" panose="02020603050405020304" pitchFamily="18" charset="0"/>
+                <a:latin typeface="Times New Roman" panose="02020503050405090304" pitchFamily="18" charset="0"/>
+                <a:cs typeface="Times New Roman" panose="02020503050405090304" pitchFamily="18" charset="0"/>
               </a:rPr>
               <a:t> = </a:t>
             </a:r>
@@ -6798,25 +6887,29 @@
                 <a:solidFill>
                   <a:srgbClr val="FF00FF"/>
                 </a:solidFill>
-                <a:latin typeface="Times New Roman" panose="02020603050405020304" pitchFamily="18" charset="0"/>
-                <a:cs typeface="Times New Roman" panose="02020603050405020304" pitchFamily="18" charset="0"/>
+                <a:latin typeface="Times New Roman" panose="02020503050405090304" pitchFamily="18" charset="0"/>
+                <a:cs typeface="Times New Roman" panose="02020503050405090304" pitchFamily="18" charset="0"/>
               </a:rPr>
               <a:t>bufferedReader</a:t>
             </a:r>
             <a:r>
               <a:rPr lang="en-US" altLang="zh-CN" dirty="0" err="1">
-                <a:latin typeface="Times New Roman" panose="02020603050405020304" pitchFamily="18" charset="0"/>
-                <a:cs typeface="Times New Roman" panose="02020603050405020304" pitchFamily="18" charset="0"/>
+                <a:latin typeface="Times New Roman" panose="02020503050405090304" pitchFamily="18" charset="0"/>
+                <a:cs typeface="Times New Roman" panose="02020503050405090304" pitchFamily="18" charset="0"/>
               </a:rPr>
               <a:t>.readLine</a:t>
             </a:r>
             <a:r>
               <a:rPr lang="en-US" altLang="zh-CN" dirty="0">
-                <a:latin typeface="Times New Roman" panose="02020603050405020304" pitchFamily="18" charset="0"/>
-                <a:cs typeface="Times New Roman" panose="02020603050405020304" pitchFamily="18" charset="0"/>
+                <a:latin typeface="Times New Roman" panose="02020503050405090304" pitchFamily="18" charset="0"/>
+                <a:cs typeface="Times New Roman" panose="02020503050405090304" pitchFamily="18" charset="0"/>
               </a:rPr>
               <a:t>();</a:t>
             </a:r>
+            <a:endParaRPr lang="en-US" altLang="zh-CN" dirty="0">
+              <a:latin typeface="Times New Roman" panose="02020503050405090304" pitchFamily="18" charset="0"/>
+              <a:cs typeface="Times New Roman" panose="02020503050405090304" pitchFamily="18" charset="0"/>
+            </a:endParaRPr>
           </a:p>
           <a:p>
             <a:pPr algn="just">
@@ -6826,39 +6919,43 @@
             </a:pPr>
             <a:r>
               <a:rPr lang="en-US" altLang="zh-CN" dirty="0">
-                <a:latin typeface="Times New Roman" panose="02020603050405020304" pitchFamily="18" charset="0"/>
-                <a:cs typeface="Times New Roman" panose="02020603050405020304" pitchFamily="18" charset="0"/>
+                <a:latin typeface="Times New Roman" panose="02020503050405090304" pitchFamily="18" charset="0"/>
+                <a:cs typeface="Times New Roman" panose="02020503050405090304" pitchFamily="18" charset="0"/>
               </a:rPr>
               <a:t>                </a:t>
             </a:r>
             <a:r>
               <a:rPr lang="en-US" altLang="zh-CN" dirty="0" err="1">
-                <a:latin typeface="Times New Roman" panose="02020603050405020304" pitchFamily="18" charset="0"/>
-                <a:cs typeface="Times New Roman" panose="02020603050405020304" pitchFamily="18" charset="0"/>
+                <a:latin typeface="Times New Roman" panose="02020503050405090304" pitchFamily="18" charset="0"/>
+                <a:cs typeface="Times New Roman" panose="02020503050405090304" pitchFamily="18" charset="0"/>
               </a:rPr>
               <a:t>broadcastMessage</a:t>
             </a:r>
             <a:r>
               <a:rPr lang="en-US" altLang="zh-CN" dirty="0">
-                <a:latin typeface="Times New Roman" panose="02020603050405020304" pitchFamily="18" charset="0"/>
-                <a:cs typeface="Times New Roman" panose="02020603050405020304" pitchFamily="18" charset="0"/>
+                <a:latin typeface="Times New Roman" panose="02020503050405090304" pitchFamily="18" charset="0"/>
+                <a:cs typeface="Times New Roman" panose="02020503050405090304" pitchFamily="18" charset="0"/>
               </a:rPr>
               <a:t>(</a:t>
             </a:r>
             <a:r>
               <a:rPr lang="en-US" altLang="zh-CN" u="sng" dirty="0" err="1">
-                <a:latin typeface="Times New Roman" panose="02020603050405020304" pitchFamily="18" charset="0"/>
-                <a:cs typeface="Times New Roman" panose="02020603050405020304" pitchFamily="18" charset="0"/>
+                <a:latin typeface="Times New Roman" panose="02020503050405090304" pitchFamily="18" charset="0"/>
+                <a:cs typeface="Times New Roman" panose="02020503050405090304" pitchFamily="18" charset="0"/>
               </a:rPr>
               <a:t>messageFromClient</a:t>
             </a:r>
             <a:r>
               <a:rPr lang="en-US" altLang="zh-CN" dirty="0">
-                <a:latin typeface="Times New Roman" panose="02020603050405020304" pitchFamily="18" charset="0"/>
-                <a:cs typeface="Times New Roman" panose="02020603050405020304" pitchFamily="18" charset="0"/>
+                <a:latin typeface="Times New Roman" panose="02020503050405090304" pitchFamily="18" charset="0"/>
+                <a:cs typeface="Times New Roman" panose="02020503050405090304" pitchFamily="18" charset="0"/>
               </a:rPr>
               <a:t>);}}</a:t>
             </a:r>
+            <a:endParaRPr lang="en-US" altLang="zh-CN" dirty="0">
+              <a:latin typeface="Times New Roman" panose="02020503050405090304" pitchFamily="18" charset="0"/>
+              <a:cs typeface="Times New Roman" panose="02020503050405090304" pitchFamily="18" charset="0"/>
+            </a:endParaRPr>
           </a:p>
           <a:p>
             <a:pPr algn="just">
@@ -6868,8 +6965,8 @@
             </a:pPr>
             <a:r>
               <a:rPr lang="en-US" altLang="zh-CN" dirty="0">
-                <a:latin typeface="Times New Roman" panose="02020603050405020304" pitchFamily="18" charset="0"/>
-                <a:cs typeface="Times New Roman" panose="02020603050405020304" pitchFamily="18" charset="0"/>
+                <a:latin typeface="Times New Roman" panose="02020503050405090304" pitchFamily="18" charset="0"/>
+                <a:cs typeface="Times New Roman" panose="02020503050405090304" pitchFamily="18" charset="0"/>
               </a:rPr>
               <a:t>    </a:t>
             </a:r>
@@ -6878,11 +6975,18 @@
                 <a:solidFill>
                   <a:srgbClr val="FF0000"/>
                 </a:solidFill>
-                <a:latin typeface="Times New Roman" panose="02020603050405020304" pitchFamily="18" charset="0"/>
-                <a:cs typeface="Times New Roman" panose="02020603050405020304" pitchFamily="18" charset="0"/>
+                <a:latin typeface="Times New Roman" panose="02020503050405090304" pitchFamily="18" charset="0"/>
+                <a:cs typeface="Times New Roman" panose="02020503050405090304" pitchFamily="18" charset="0"/>
               </a:rPr>
               <a:t>// Note that other functions, e.g., removing the client, are required</a:t>
             </a:r>
+            <a:endParaRPr lang="en-US" altLang="zh-CN" dirty="0">
+              <a:solidFill>
+                <a:srgbClr val="FF0000"/>
+              </a:solidFill>
+              <a:latin typeface="Times New Roman" panose="02020503050405090304" pitchFamily="18" charset="0"/>
+              <a:cs typeface="Times New Roman" panose="02020503050405090304" pitchFamily="18" charset="0"/>
+            </a:endParaRPr>
           </a:p>
           <a:p>
             <a:pPr algn="just">
@@ -6892,8 +6996,8 @@
             </a:pPr>
             <a:r>
               <a:rPr lang="en-US" altLang="zh-CN" dirty="0">
-                <a:latin typeface="Times New Roman" panose="02020603050405020304" pitchFamily="18" charset="0"/>
-                <a:cs typeface="Times New Roman" panose="02020603050405020304" pitchFamily="18" charset="0"/>
+                <a:latin typeface="Times New Roman" panose="02020503050405090304" pitchFamily="18" charset="0"/>
+                <a:cs typeface="Times New Roman" panose="02020503050405090304" pitchFamily="18" charset="0"/>
               </a:rPr>
               <a:t>    </a:t>
             </a:r>
@@ -6902,8 +7006,8 @@
                 <a:solidFill>
                   <a:schemeClr val="accent2"/>
                 </a:solidFill>
-                <a:latin typeface="Times New Roman" panose="02020603050405020304" pitchFamily="18" charset="0"/>
-                <a:cs typeface="Times New Roman" panose="02020603050405020304" pitchFamily="18" charset="0"/>
+                <a:latin typeface="Times New Roman" panose="02020503050405090304" pitchFamily="18" charset="0"/>
+                <a:cs typeface="Times New Roman" panose="02020503050405090304" pitchFamily="18" charset="0"/>
               </a:rPr>
               <a:t>public void </a:t>
             </a:r>
@@ -6912,29 +7016,29 @@
                 <a:solidFill>
                   <a:srgbClr val="00B0F0"/>
                 </a:solidFill>
-                <a:latin typeface="Times New Roman" panose="02020603050405020304" pitchFamily="18" charset="0"/>
-                <a:cs typeface="Times New Roman" panose="02020603050405020304" pitchFamily="18" charset="0"/>
+                <a:latin typeface="Times New Roman" panose="02020503050405090304" pitchFamily="18" charset="0"/>
+                <a:cs typeface="Times New Roman" panose="02020503050405090304" pitchFamily="18" charset="0"/>
               </a:rPr>
               <a:t>broadcastMessage</a:t>
             </a:r>
             <a:r>
               <a:rPr lang="en-US" altLang="zh-CN" dirty="0">
-                <a:latin typeface="Times New Roman" panose="02020603050405020304" pitchFamily="18" charset="0"/>
-                <a:cs typeface="Times New Roman" panose="02020603050405020304" pitchFamily="18" charset="0"/>
+                <a:latin typeface="Times New Roman" panose="02020503050405090304" pitchFamily="18" charset="0"/>
+                <a:cs typeface="Times New Roman" panose="02020503050405090304" pitchFamily="18" charset="0"/>
               </a:rPr>
               <a:t>(String </a:t>
             </a:r>
             <a:r>
               <a:rPr lang="en-US" altLang="zh-CN" dirty="0" err="1">
-                <a:latin typeface="Times New Roman" panose="02020603050405020304" pitchFamily="18" charset="0"/>
-                <a:cs typeface="Times New Roman" panose="02020603050405020304" pitchFamily="18" charset="0"/>
+                <a:latin typeface="Times New Roman" panose="02020503050405090304" pitchFamily="18" charset="0"/>
+                <a:cs typeface="Times New Roman" panose="02020503050405090304" pitchFamily="18" charset="0"/>
               </a:rPr>
               <a:t>messageToSend</a:t>
             </a:r>
             <a:r>
               <a:rPr lang="en-US" altLang="zh-CN" dirty="0">
-                <a:latin typeface="Times New Roman" panose="02020603050405020304" pitchFamily="18" charset="0"/>
-                <a:cs typeface="Times New Roman" panose="02020603050405020304" pitchFamily="18" charset="0"/>
+                <a:latin typeface="Times New Roman" panose="02020503050405090304" pitchFamily="18" charset="0"/>
+                <a:cs typeface="Times New Roman" panose="02020503050405090304" pitchFamily="18" charset="0"/>
               </a:rPr>
               <a:t>){</a:t>
             </a:r>
@@ -6943,18 +7047,22 @@
                 <a:solidFill>
                   <a:srgbClr val="FF0000"/>
                 </a:solidFill>
-                <a:latin typeface="Times New Roman" panose="02020603050405020304" pitchFamily="18" charset="0"/>
-                <a:cs typeface="Times New Roman" panose="02020603050405020304" pitchFamily="18" charset="0"/>
+                <a:latin typeface="Times New Roman" panose="02020503050405090304" pitchFamily="18" charset="0"/>
+                <a:cs typeface="Times New Roman" panose="02020503050405090304" pitchFamily="18" charset="0"/>
               </a:rPr>
               <a:t>// Send messages to other clients</a:t>
             </a:r>
             <a:r>
               <a:rPr lang="en-US" altLang="zh-CN" dirty="0">
-                <a:latin typeface="Times New Roman" panose="02020603050405020304" pitchFamily="18" charset="0"/>
-                <a:cs typeface="Times New Roman" panose="02020603050405020304" pitchFamily="18" charset="0"/>
+                <a:latin typeface="Times New Roman" panose="02020503050405090304" pitchFamily="18" charset="0"/>
+                <a:cs typeface="Times New Roman" panose="02020503050405090304" pitchFamily="18" charset="0"/>
               </a:rPr>
               <a:t>}</a:t>
             </a:r>
+            <a:endParaRPr lang="en-US" altLang="zh-CN" dirty="0">
+              <a:latin typeface="Times New Roman" panose="02020503050405090304" pitchFamily="18" charset="0"/>
+              <a:cs typeface="Times New Roman" panose="02020503050405090304" pitchFamily="18" charset="0"/>
+            </a:endParaRPr>
           </a:p>
           <a:p>
             <a:pPr algn="just">
@@ -6964,23 +7072,21 @@
             </a:pPr>
             <a:r>
               <a:rPr lang="en-US" altLang="zh-CN" dirty="0">
-                <a:latin typeface="Times New Roman" panose="02020603050405020304" pitchFamily="18" charset="0"/>
-                <a:cs typeface="Times New Roman" panose="02020603050405020304" pitchFamily="18" charset="0"/>
+                <a:latin typeface="Times New Roman" panose="02020503050405090304" pitchFamily="18" charset="0"/>
+                <a:cs typeface="Times New Roman" panose="02020503050405090304" pitchFamily="18" charset="0"/>
               </a:rPr>
               <a:t>}</a:t>
             </a:r>
+            <a:endParaRPr lang="en-US" altLang="zh-CN" dirty="0">
+              <a:latin typeface="Times New Roman" panose="02020503050405090304" pitchFamily="18" charset="0"/>
+              <a:cs typeface="Times New Roman" panose="02020503050405090304" pitchFamily="18" charset="0"/>
+            </a:endParaRPr>
           </a:p>
         </p:txBody>
       </p:sp>
       <p:sp>
         <p:nvSpPr>
-          <p:cNvPr id="5" name="Rectangle 3">
-            <a:extLst>
-              <a:ext uri="{FF2B5EF4-FFF2-40B4-BE49-F238E27FC236}">
-                <a16:creationId xmlns:a16="http://schemas.microsoft.com/office/drawing/2014/main" id="{08E24C01-847A-1004-1FD3-C6322E2FE4AE}"/>
-              </a:ext>
-            </a:extLst>
-          </p:cNvPr>
+          <p:cNvPr id="5" name="Rectangle 3"/>
           <p:cNvSpPr>
             <a:spLocks noChangeArrowheads="1"/>
           </p:cNvSpPr>
@@ -7025,9 +7131,6 @@
         </p:spPr>
         <p:txBody>
           <a:bodyPr vert="horz" wrap="none" lIns="91440" tIns="45720" rIns="91440" bIns="45720" numCol="1" anchor="ctr" anchorCtr="0" compatLnSpc="1">
-            <a:prstTxWarp prst="textNoShape">
-              <a:avLst/>
-            </a:prstTxWarp>
             <a:spAutoFit/>
           </a:bodyPr>
           <a:lstStyle/>
@@ -7046,7 +7149,6 @@
               <a:buSzTx/>
               <a:buFontTx/>
               <a:buNone/>
-              <a:tabLst/>
             </a:pPr>
             <a:endParaRPr kumimoji="0" lang="zh-CN" altLang="zh-CN" sz="1800" b="0" i="0" u="none" strike="noStrike" cap="none" normalizeH="0" baseline="0" dirty="0">
               <a:ln>
@@ -7056,17 +7158,12 @@
                 <a:schemeClr val="tx1"/>
               </a:solidFill>
               <a:effectLst/>
-              <a:latin typeface="Arial" panose="020B0604020202020204" pitchFamily="34" charset="0"/>
+              <a:latin typeface="Arial" panose="020B0604020202090204" pitchFamily="34" charset="0"/>
             </a:endParaRPr>
           </a:p>
         </p:txBody>
       </p:sp>
     </p:spTree>
-    <p:extLst>
-      <p:ext uri="{BB962C8B-B14F-4D97-AF65-F5344CB8AC3E}">
-        <p14:creationId xmlns:p14="http://schemas.microsoft.com/office/powerpoint/2010/main" val="421877199"/>
-      </p:ext>
-    </p:extLst>
   </p:cSld>
   <p:clrMapOvr>
     <a:masterClrMapping/>
@@ -8149,7 +8246,7 @@
           <p:nvPr/>
         </p:nvPicPr>
         <p:blipFill>
-          <a:blip r:embed="rId2"/>
+          <a:blip r:embed="rId1"/>
           <a:stretch>
             <a:fillRect/>
           </a:stretch>
@@ -8202,6 +8299,7 @@
               <a:rPr lang="en-US" sz="4800"/>
               <a:t>OU</a:t>
             </a:r>
+            <a:endParaRPr lang="en-US" sz="4800"/>
           </a:p>
         </p:txBody>
       </p:sp>
@@ -8257,20 +8355,14 @@
       </p:sp>
       <p:pic>
         <p:nvPicPr>
-          <p:cNvPr id="18" name="图片 17">
-            <a:extLst>
-              <a:ext uri="{FF2B5EF4-FFF2-40B4-BE49-F238E27FC236}">
-                <a16:creationId xmlns:a16="http://schemas.microsoft.com/office/drawing/2014/main" id="{02412921-588C-7E25-AFA0-6D1F60072313}"/>
-              </a:ext>
-            </a:extLst>
-          </p:cNvPr>
+          <p:cNvPr id="18" name="图片 17"/>
           <p:cNvPicPr>
             <a:picLocks noChangeAspect="1"/>
           </p:cNvPicPr>
           <p:nvPr/>
         </p:nvPicPr>
         <p:blipFill>
-          <a:blip r:embed="rId2"/>
+          <a:blip r:embed="rId1"/>
           <a:stretch>
             <a:fillRect/>
           </a:stretch>
@@ -8286,11 +8378,6 @@
         </p:spPr>
       </p:pic>
     </p:spTree>
-    <p:extLst>
-      <p:ext uri="{BB962C8B-B14F-4D97-AF65-F5344CB8AC3E}">
-        <p14:creationId xmlns:p14="http://schemas.microsoft.com/office/powerpoint/2010/main" val="395518420"/>
-      </p:ext>
-    </p:extLst>
   </p:cSld>
   <p:clrMapOvr>
     <a:masterClrMapping/>
@@ -8317,13 +8404,7 @@
       </p:grpSpPr>
       <p:sp>
         <p:nvSpPr>
-          <p:cNvPr id="4" name="Rounded Rectangle 3">
-            <a:extLst>
-              <a:ext uri="{FF2B5EF4-FFF2-40B4-BE49-F238E27FC236}">
-                <a16:creationId xmlns:a16="http://schemas.microsoft.com/office/drawing/2014/main" id="{AAFD7871-9A05-48F1-04E9-E2BB71813CCF}"/>
-              </a:ext>
-            </a:extLst>
-          </p:cNvPr>
+          <p:cNvPr id="4" name="Rounded Rectangle 3"/>
           <p:cNvSpPr/>
           <p:nvPr/>
         </p:nvSpPr>
@@ -8359,19 +8440,13 @@
           <a:lstStyle/>
           <a:p>
             <a:pPr algn="ctr"/>
-            <a:endParaRPr lang="en-CN" dirty="0"/>
+            <a:endParaRPr lang="en-US" dirty="0"/>
           </a:p>
         </p:txBody>
       </p:sp>
       <p:sp>
         <p:nvSpPr>
-          <p:cNvPr id="5" name="TextBox 4">
-            <a:extLst>
-              <a:ext uri="{FF2B5EF4-FFF2-40B4-BE49-F238E27FC236}">
-                <a16:creationId xmlns:a16="http://schemas.microsoft.com/office/drawing/2014/main" id="{FA953389-35FA-BD6D-307A-B25AD1926E07}"/>
-              </a:ext>
-            </a:extLst>
-          </p:cNvPr>
+          <p:cNvPr id="5" name="TextBox 4"/>
           <p:cNvSpPr txBox="1"/>
           <p:nvPr/>
         </p:nvSpPr>
@@ -8393,7 +8468,7 @@
           <a:p>
             <a:pPr algn="ctr"/>
             <a:r>
-              <a:rPr lang="en-CN" sz="2000" dirty="0"/>
+              <a:rPr lang="en-US" sz="2000" dirty="0"/>
               <a:t>Class</a:t>
             </a:r>
             <a:r>
@@ -8401,21 +8476,16 @@
               <a:t> </a:t>
             </a:r>
             <a:r>
-              <a:rPr lang="en-CN" sz="2000" dirty="0"/>
+              <a:rPr lang="en-US" sz="2000" dirty="0"/>
               <a:t>Client</a:t>
             </a:r>
+            <a:endParaRPr lang="en-US" sz="2000" dirty="0"/>
           </a:p>
         </p:txBody>
       </p:sp>
       <p:sp>
         <p:nvSpPr>
-          <p:cNvPr id="6" name="Rounded Rectangle 5">
-            <a:extLst>
-              <a:ext uri="{FF2B5EF4-FFF2-40B4-BE49-F238E27FC236}">
-                <a16:creationId xmlns:a16="http://schemas.microsoft.com/office/drawing/2014/main" id="{2835D416-5BA7-F189-4EAC-C002C01E4FB8}"/>
-              </a:ext>
-            </a:extLst>
-          </p:cNvPr>
+          <p:cNvPr id="6" name="Rounded Rectangle 5"/>
           <p:cNvSpPr/>
           <p:nvPr/>
         </p:nvSpPr>
@@ -8451,19 +8521,13 @@
           <a:lstStyle/>
           <a:p>
             <a:pPr algn="ctr"/>
-            <a:endParaRPr lang="en-CN" dirty="0"/>
+            <a:endParaRPr lang="en-US" dirty="0"/>
           </a:p>
         </p:txBody>
       </p:sp>
       <p:sp>
         <p:nvSpPr>
-          <p:cNvPr id="7" name="TextBox 6">
-            <a:extLst>
-              <a:ext uri="{FF2B5EF4-FFF2-40B4-BE49-F238E27FC236}">
-                <a16:creationId xmlns:a16="http://schemas.microsoft.com/office/drawing/2014/main" id="{B7FE5F95-DAFA-E650-2DF8-E6532BBA2C41}"/>
-              </a:ext>
-            </a:extLst>
-          </p:cNvPr>
+          <p:cNvPr id="7" name="TextBox 6"/>
           <p:cNvSpPr txBox="1"/>
           <p:nvPr/>
         </p:nvSpPr>
@@ -8501,18 +8565,18 @@
               </a:rPr>
               <a:t>()</a:t>
             </a:r>
+            <a:endParaRPr lang="en-US" dirty="0">
+              <a:solidFill>
+                <a:srgbClr val="0070C0"/>
+              </a:solidFill>
+              <a:effectLst/>
+            </a:endParaRPr>
           </a:p>
         </p:txBody>
       </p:sp>
       <p:sp>
         <p:nvSpPr>
-          <p:cNvPr id="9" name="Rounded Rectangle 8">
-            <a:extLst>
-              <a:ext uri="{FF2B5EF4-FFF2-40B4-BE49-F238E27FC236}">
-                <a16:creationId xmlns:a16="http://schemas.microsoft.com/office/drawing/2014/main" id="{804D1C94-36C6-A11F-05DD-89952EA7A710}"/>
-              </a:ext>
-            </a:extLst>
-          </p:cNvPr>
+          <p:cNvPr id="9" name="Rounded Rectangle 8"/>
           <p:cNvSpPr/>
           <p:nvPr/>
         </p:nvSpPr>
@@ -8548,19 +8612,13 @@
           <a:lstStyle/>
           <a:p>
             <a:pPr algn="ctr"/>
-            <a:endParaRPr lang="en-CN" dirty="0"/>
+            <a:endParaRPr lang="en-US" dirty="0"/>
           </a:p>
         </p:txBody>
       </p:sp>
       <p:sp>
         <p:nvSpPr>
-          <p:cNvPr id="10" name="TextBox 9">
-            <a:extLst>
-              <a:ext uri="{FF2B5EF4-FFF2-40B4-BE49-F238E27FC236}">
-                <a16:creationId xmlns:a16="http://schemas.microsoft.com/office/drawing/2014/main" id="{B1D8DC1A-2BCA-69A8-94D1-1B42C3771B93}"/>
-              </a:ext>
-            </a:extLst>
-          </p:cNvPr>
+          <p:cNvPr id="10" name="TextBox 9"/>
           <p:cNvSpPr txBox="1"/>
           <p:nvPr/>
         </p:nvSpPr>
@@ -8598,18 +8656,18 @@
               </a:rPr>
               <a:t>()</a:t>
             </a:r>
+            <a:endParaRPr lang="en-US" dirty="0">
+              <a:solidFill>
+                <a:srgbClr val="0070C0"/>
+              </a:solidFill>
+              <a:effectLst/>
+            </a:endParaRPr>
           </a:p>
         </p:txBody>
       </p:sp>
       <p:sp>
         <p:nvSpPr>
-          <p:cNvPr id="11" name="TextBox 10">
-            <a:extLst>
-              <a:ext uri="{FF2B5EF4-FFF2-40B4-BE49-F238E27FC236}">
-                <a16:creationId xmlns:a16="http://schemas.microsoft.com/office/drawing/2014/main" id="{A539C8CE-A594-7DF5-8C26-8C9BB025A02C}"/>
-              </a:ext>
-            </a:extLst>
-          </p:cNvPr>
+          <p:cNvPr id="11" name="TextBox 10"/>
           <p:cNvSpPr txBox="1"/>
           <p:nvPr/>
         </p:nvSpPr>
@@ -8639,6 +8697,9 @@
               </a:rPr>
               <a:t>Create a new thread.</a:t>
             </a:r>
+            <a:endParaRPr lang="en-US" dirty="0">
+              <a:effectLst/>
+            </a:endParaRPr>
           </a:p>
           <a:p>
             <a:pPr marL="342900" indent="-342900">
@@ -8649,18 +8710,13 @@
               <a:rPr lang="en-US" dirty="0"/>
               <a:t>Listen for the message send from the sever.</a:t>
             </a:r>
+            <a:endParaRPr lang="en-US" dirty="0"/>
           </a:p>
         </p:txBody>
       </p:sp>
       <p:sp>
         <p:nvSpPr>
-          <p:cNvPr id="12" name="TextBox 11">
-            <a:extLst>
-              <a:ext uri="{FF2B5EF4-FFF2-40B4-BE49-F238E27FC236}">
-                <a16:creationId xmlns:a16="http://schemas.microsoft.com/office/drawing/2014/main" id="{2986F385-EEF9-A012-7857-C76F3B99BB6C}"/>
-              </a:ext>
-            </a:extLst>
-          </p:cNvPr>
+          <p:cNvPr id="12" name="TextBox 11"/>
           <p:cNvSpPr txBox="1"/>
           <p:nvPr/>
         </p:nvSpPr>
@@ -8690,6 +8746,9 @@
               </a:rPr>
               <a:t>Send username to the sever.</a:t>
             </a:r>
+            <a:endParaRPr lang="en-US" dirty="0">
+              <a:effectLst/>
+            </a:endParaRPr>
           </a:p>
           <a:p>
             <a:pPr marL="342900" indent="-342900">
@@ -8702,6 +8761,9 @@
               </a:rPr>
               <a:t>Create a while loop until the socket connection ends.</a:t>
             </a:r>
+            <a:endParaRPr lang="en-US" dirty="0">
+              <a:effectLst/>
+            </a:endParaRPr>
           </a:p>
           <a:p>
             <a:pPr marL="342900" indent="-342900">
@@ -8743,18 +8805,15 @@
               </a:rPr>
               <a:t>ead the msg from keyboard and send it to sever.</a:t>
             </a:r>
+            <a:endParaRPr lang="en-US" dirty="0">
+              <a:effectLst/>
+            </a:endParaRPr>
           </a:p>
         </p:txBody>
       </p:sp>
       <p:cxnSp>
         <p:nvCxnSpPr>
-          <p:cNvPr id="14" name="Straight Arrow Connector 13">
-            <a:extLst>
-              <a:ext uri="{FF2B5EF4-FFF2-40B4-BE49-F238E27FC236}">
-                <a16:creationId xmlns:a16="http://schemas.microsoft.com/office/drawing/2014/main" id="{05383269-146C-27AA-6A86-4D3C96BA6F4F}"/>
-              </a:ext>
-            </a:extLst>
-          </p:cNvPr>
+          <p:cNvPr id="14" name="Straight Arrow Connector 13"/>
           <p:cNvCxnSpPr>
             <a:stCxn id="4" idx="2"/>
             <a:endCxn id="6" idx="0"/>
@@ -8791,15 +8850,8 @@
       </p:cxnSp>
       <p:cxnSp>
         <p:nvCxnSpPr>
-          <p:cNvPr id="15" name="Straight Arrow Connector 14">
-            <a:extLst>
-              <a:ext uri="{FF2B5EF4-FFF2-40B4-BE49-F238E27FC236}">
-                <a16:creationId xmlns:a16="http://schemas.microsoft.com/office/drawing/2014/main" id="{7A48D49D-E56C-E1B2-2398-BF80F7B423F0}"/>
-              </a:ext>
-            </a:extLst>
-          </p:cNvPr>
+          <p:cNvPr id="15" name="Straight Arrow Connector 14"/>
           <p:cNvCxnSpPr>
-            <a:cxnSpLocks/>
             <a:stCxn id="18" idx="2"/>
             <a:endCxn id="9" idx="0"/>
           </p:cNvCxnSpPr>
@@ -8834,13 +8886,7 @@
       </p:cxnSp>
       <p:sp>
         <p:nvSpPr>
-          <p:cNvPr id="18" name="Rounded Rectangle 17">
-            <a:extLst>
-              <a:ext uri="{FF2B5EF4-FFF2-40B4-BE49-F238E27FC236}">
-                <a16:creationId xmlns:a16="http://schemas.microsoft.com/office/drawing/2014/main" id="{0AC5D8FD-451E-87FD-371B-6C530C77DA0B}"/>
-              </a:ext>
-            </a:extLst>
-          </p:cNvPr>
+          <p:cNvPr id="18" name="Rounded Rectangle 17"/>
           <p:cNvSpPr/>
           <p:nvPr/>
         </p:nvSpPr>
@@ -8876,19 +8922,13 @@
           <a:lstStyle/>
           <a:p>
             <a:pPr algn="ctr"/>
-            <a:endParaRPr lang="en-CN" dirty="0"/>
+            <a:endParaRPr lang="en-US" dirty="0"/>
           </a:p>
         </p:txBody>
       </p:sp>
       <p:sp>
         <p:nvSpPr>
-          <p:cNvPr id="19" name="TextBox 18">
-            <a:extLst>
-              <a:ext uri="{FF2B5EF4-FFF2-40B4-BE49-F238E27FC236}">
-                <a16:creationId xmlns:a16="http://schemas.microsoft.com/office/drawing/2014/main" id="{FAB28349-AC48-C445-0EDB-EE157B42C948}"/>
-              </a:ext>
-            </a:extLst>
-          </p:cNvPr>
+          <p:cNvPr id="19" name="TextBox 18"/>
           <p:cNvSpPr txBox="1"/>
           <p:nvPr/>
         </p:nvSpPr>
@@ -8917,20 +8957,19 @@
               </a:rPr>
               <a:t>Constructors()</a:t>
             </a:r>
+            <a:endParaRPr lang="en-US" dirty="0">
+              <a:solidFill>
+                <a:srgbClr val="0070C0"/>
+              </a:solidFill>
+              <a:effectLst/>
+            </a:endParaRPr>
           </a:p>
         </p:txBody>
       </p:sp>
       <p:cxnSp>
         <p:nvCxnSpPr>
-          <p:cNvPr id="22" name="Straight Arrow Connector 21">
-            <a:extLst>
-              <a:ext uri="{FF2B5EF4-FFF2-40B4-BE49-F238E27FC236}">
-                <a16:creationId xmlns:a16="http://schemas.microsoft.com/office/drawing/2014/main" id="{0BAB8B99-2871-2438-FFB4-EDFEEB569451}"/>
-              </a:ext>
-            </a:extLst>
-          </p:cNvPr>
+          <p:cNvPr id="22" name="Straight Arrow Connector 21"/>
           <p:cNvCxnSpPr>
-            <a:cxnSpLocks/>
             <a:stCxn id="4" idx="2"/>
             <a:endCxn id="18" idx="0"/>
           </p:cNvCxnSpPr>
@@ -8965,13 +9004,7 @@
       </p:cxnSp>
       <p:sp>
         <p:nvSpPr>
-          <p:cNvPr id="25" name="TextBox 24">
-            <a:extLst>
-              <a:ext uri="{FF2B5EF4-FFF2-40B4-BE49-F238E27FC236}">
-                <a16:creationId xmlns:a16="http://schemas.microsoft.com/office/drawing/2014/main" id="{5DFA72E1-CC49-395B-EA2C-B411F9CB0AD2}"/>
-              </a:ext>
-            </a:extLst>
-          </p:cNvPr>
+          <p:cNvPr id="25" name="TextBox 24"/>
           <p:cNvSpPr txBox="1"/>
           <p:nvPr/>
         </p:nvSpPr>
@@ -9001,6 +9034,9 @@
               </a:rPr>
               <a:t>Set up the Socket.</a:t>
             </a:r>
+            <a:endParaRPr lang="en-US" dirty="0">
+              <a:effectLst/>
+            </a:endParaRPr>
           </a:p>
           <a:p>
             <a:pPr marL="342900" indent="-342900">
@@ -9013,6 +9049,9 @@
               </a:rPr>
               <a:t>Initialize the reader and the writer. </a:t>
             </a:r>
+            <a:endParaRPr lang="en-US" dirty="0">
+              <a:effectLst/>
+            </a:endParaRPr>
           </a:p>
           <a:p>
             <a:pPr marL="342900" indent="-342900">
@@ -9025,18 +9064,15 @@
               </a:rPr>
               <a:t>Record the username.</a:t>
             </a:r>
+            <a:endParaRPr lang="en-US" dirty="0">
+              <a:effectLst/>
+            </a:endParaRPr>
           </a:p>
         </p:txBody>
       </p:sp>
       <p:cxnSp>
         <p:nvCxnSpPr>
-          <p:cNvPr id="32" name="Curved Connector 31">
-            <a:extLst>
-              <a:ext uri="{FF2B5EF4-FFF2-40B4-BE49-F238E27FC236}">
-                <a16:creationId xmlns:a16="http://schemas.microsoft.com/office/drawing/2014/main" id="{FF48F94F-1F8A-221E-8CDA-1D4AF31DD8CE}"/>
-              </a:ext>
-            </a:extLst>
-          </p:cNvPr>
+          <p:cNvPr id="32" name="Curved Connector 31"/>
           <p:cNvCxnSpPr>
             <a:stCxn id="9" idx="1"/>
             <a:endCxn id="9" idx="3"/>
@@ -9076,13 +9112,7 @@
       </p:cxnSp>
       <p:sp>
         <p:nvSpPr>
-          <p:cNvPr id="36" name="TextBox 35">
-            <a:extLst>
-              <a:ext uri="{FF2B5EF4-FFF2-40B4-BE49-F238E27FC236}">
-                <a16:creationId xmlns:a16="http://schemas.microsoft.com/office/drawing/2014/main" id="{52930CBA-CE0A-FB19-B0F9-F3464FCEC665}"/>
-              </a:ext>
-            </a:extLst>
-          </p:cNvPr>
+          <p:cNvPr id="36" name="TextBox 35"/>
           <p:cNvSpPr txBox="1"/>
           <p:nvPr/>
         </p:nvSpPr>
@@ -9111,18 +9141,18 @@
               </a:rPr>
               <a:t>Main Process</a:t>
             </a:r>
+            <a:endParaRPr lang="en-US" dirty="0">
+              <a:solidFill>
+                <a:srgbClr val="0070C0"/>
+              </a:solidFill>
+              <a:effectLst/>
+            </a:endParaRPr>
           </a:p>
         </p:txBody>
       </p:sp>
       <p:sp>
         <p:nvSpPr>
-          <p:cNvPr id="37" name="TextBox 36">
-            <a:extLst>
-              <a:ext uri="{FF2B5EF4-FFF2-40B4-BE49-F238E27FC236}">
-                <a16:creationId xmlns:a16="http://schemas.microsoft.com/office/drawing/2014/main" id="{76A22F2A-7A43-3B09-BD18-F14D9A6E2610}"/>
-              </a:ext>
-            </a:extLst>
-          </p:cNvPr>
+          <p:cNvPr id="37" name="TextBox 36"/>
           <p:cNvSpPr txBox="1"/>
           <p:nvPr/>
         </p:nvSpPr>
@@ -9161,13 +9191,7 @@
       </p:sp>
       <p:sp>
         <p:nvSpPr>
-          <p:cNvPr id="40" name="标题 4">
-            <a:extLst>
-              <a:ext uri="{FF2B5EF4-FFF2-40B4-BE49-F238E27FC236}">
-                <a16:creationId xmlns:a16="http://schemas.microsoft.com/office/drawing/2014/main" id="{0A7DF2CC-446C-6A40-0CB6-0CE82216FB57}"/>
-              </a:ext>
-            </a:extLst>
-          </p:cNvPr>
+          <p:cNvPr id="40" name="标题 4"/>
           <p:cNvSpPr>
             <a:spLocks noGrp="1"/>
           </p:cNvSpPr>
@@ -9197,13 +9221,7 @@
       </p:sp>
       <p:sp>
         <p:nvSpPr>
-          <p:cNvPr id="41" name="TextBox 40">
-            <a:extLst>
-              <a:ext uri="{FF2B5EF4-FFF2-40B4-BE49-F238E27FC236}">
-                <a16:creationId xmlns:a16="http://schemas.microsoft.com/office/drawing/2014/main" id="{BE61746D-2F66-3AFE-2E80-0FD72A7D1197}"/>
-              </a:ext>
-            </a:extLst>
-          </p:cNvPr>
+          <p:cNvPr id="41" name="TextBox 40"/>
           <p:cNvSpPr txBox="1"/>
           <p:nvPr/>
         </p:nvSpPr>
@@ -9225,25 +9243,22 @@
           <a:p>
             <a:pPr algn="ctr"/>
             <a:r>
-              <a:rPr lang="en-CN" dirty="0"/>
+              <a:rPr lang="en-US" dirty="0"/>
               <a:t>while(socket.</a:t>
             </a:r>
+            <a:endParaRPr lang="en-US" dirty="0"/>
           </a:p>
           <a:p>
             <a:pPr algn="ctr"/>
             <a:r>
-              <a:rPr lang="en-CN" dirty="0"/>
+              <a:rPr lang="en-US" dirty="0"/>
               <a:t>isConnected())</a:t>
             </a:r>
+            <a:endParaRPr lang="en-US" dirty="0"/>
           </a:p>
         </p:txBody>
       </p:sp>
     </p:spTree>
-    <p:extLst>
-      <p:ext uri="{BB962C8B-B14F-4D97-AF65-F5344CB8AC3E}">
-        <p14:creationId xmlns:p14="http://schemas.microsoft.com/office/powerpoint/2010/main" val="1969484652"/>
-      </p:ext>
-    </p:extLst>
   </p:cSld>
   <p:clrMapOvr>
     <a:masterClrMapping/>
@@ -9270,13 +9285,7 @@
       </p:grpSpPr>
       <p:sp>
         <p:nvSpPr>
-          <p:cNvPr id="4" name="Rounded Rectangle 3">
-            <a:extLst>
-              <a:ext uri="{FF2B5EF4-FFF2-40B4-BE49-F238E27FC236}">
-                <a16:creationId xmlns:a16="http://schemas.microsoft.com/office/drawing/2014/main" id="{AAFD7871-9A05-48F1-04E9-E2BB71813CCF}"/>
-              </a:ext>
-            </a:extLst>
-          </p:cNvPr>
+          <p:cNvPr id="4" name="Rounded Rectangle 3"/>
           <p:cNvSpPr/>
           <p:nvPr/>
         </p:nvSpPr>
@@ -9312,19 +9321,13 @@
           <a:lstStyle/>
           <a:p>
             <a:pPr algn="ctr"/>
-            <a:endParaRPr lang="en-CN" dirty="0"/>
+            <a:endParaRPr lang="en-US" dirty="0"/>
           </a:p>
         </p:txBody>
       </p:sp>
       <p:sp>
         <p:nvSpPr>
-          <p:cNvPr id="5" name="TextBox 4">
-            <a:extLst>
-              <a:ext uri="{FF2B5EF4-FFF2-40B4-BE49-F238E27FC236}">
-                <a16:creationId xmlns:a16="http://schemas.microsoft.com/office/drawing/2014/main" id="{FA953389-35FA-BD6D-307A-B25AD1926E07}"/>
-              </a:ext>
-            </a:extLst>
-          </p:cNvPr>
+          <p:cNvPr id="5" name="TextBox 4"/>
           <p:cNvSpPr txBox="1"/>
           <p:nvPr/>
         </p:nvSpPr>
@@ -9346,7 +9349,7 @@
           <a:p>
             <a:pPr algn="ctr"/>
             <a:r>
-              <a:rPr lang="en-CN" sz="2000" dirty="0"/>
+              <a:rPr lang="en-US" sz="2000" dirty="0"/>
               <a:t>Class</a:t>
             </a:r>
             <a:r>
@@ -9354,21 +9357,16 @@
               <a:t> </a:t>
             </a:r>
             <a:r>
-              <a:rPr lang="en-CN" sz="2000" dirty="0"/>
+              <a:rPr lang="en-US" sz="2000" dirty="0"/>
               <a:t>Server</a:t>
             </a:r>
+            <a:endParaRPr lang="en-US" sz="2000" dirty="0"/>
           </a:p>
         </p:txBody>
       </p:sp>
       <p:sp>
         <p:nvSpPr>
-          <p:cNvPr id="6" name="Rounded Rectangle 5">
-            <a:extLst>
-              <a:ext uri="{FF2B5EF4-FFF2-40B4-BE49-F238E27FC236}">
-                <a16:creationId xmlns:a16="http://schemas.microsoft.com/office/drawing/2014/main" id="{2835D416-5BA7-F189-4EAC-C002C01E4FB8}"/>
-              </a:ext>
-            </a:extLst>
-          </p:cNvPr>
+          <p:cNvPr id="6" name="Rounded Rectangle 5"/>
           <p:cNvSpPr/>
           <p:nvPr/>
         </p:nvSpPr>
@@ -9404,19 +9402,13 @@
           <a:lstStyle/>
           <a:p>
             <a:pPr algn="ctr"/>
-            <a:endParaRPr lang="en-CN" dirty="0"/>
+            <a:endParaRPr lang="en-US" dirty="0"/>
           </a:p>
         </p:txBody>
       </p:sp>
       <p:sp>
         <p:nvSpPr>
-          <p:cNvPr id="7" name="TextBox 6">
-            <a:extLst>
-              <a:ext uri="{FF2B5EF4-FFF2-40B4-BE49-F238E27FC236}">
-                <a16:creationId xmlns:a16="http://schemas.microsoft.com/office/drawing/2014/main" id="{B7FE5F95-DAFA-E650-2DF8-E6532BBA2C41}"/>
-              </a:ext>
-            </a:extLst>
-          </p:cNvPr>
+          <p:cNvPr id="7" name="TextBox 6"/>
           <p:cNvSpPr txBox="1"/>
           <p:nvPr/>
         </p:nvSpPr>
@@ -9454,18 +9446,18 @@
               </a:rPr>
               <a:t>()</a:t>
             </a:r>
+            <a:endParaRPr lang="en-US" dirty="0">
+              <a:solidFill>
+                <a:srgbClr val="0070C0"/>
+              </a:solidFill>
+              <a:effectLst/>
+            </a:endParaRPr>
           </a:p>
         </p:txBody>
       </p:sp>
       <p:sp>
         <p:nvSpPr>
-          <p:cNvPr id="11" name="TextBox 10">
-            <a:extLst>
-              <a:ext uri="{FF2B5EF4-FFF2-40B4-BE49-F238E27FC236}">
-                <a16:creationId xmlns:a16="http://schemas.microsoft.com/office/drawing/2014/main" id="{A539C8CE-A594-7DF5-8C26-8C9BB025A02C}"/>
-              </a:ext>
-            </a:extLst>
-          </p:cNvPr>
+          <p:cNvPr id="11" name="TextBox 10"/>
           <p:cNvSpPr txBox="1"/>
           <p:nvPr/>
         </p:nvSpPr>
@@ -9507,6 +9499,9 @@
               </a:rPr>
               <a:t>.</a:t>
             </a:r>
+            <a:endParaRPr lang="en-US" dirty="0">
+              <a:effectLst/>
+            </a:endParaRPr>
           </a:p>
           <a:p>
             <a:pPr marL="342900" indent="-342900">
@@ -9529,6 +9524,7 @@
               <a:rPr lang="en-US" dirty="0"/>
               <a:t>to</a:t>
             </a:r>
+            <a:endParaRPr lang="en-US" dirty="0"/>
           </a:p>
           <a:p>
             <a:pPr marL="800100" lvl="1" indent="-342900">
@@ -9539,6 +9535,7 @@
               <a:rPr lang="en-US" dirty="0"/>
               <a:t>Accept new connection requestion from client. </a:t>
             </a:r>
+            <a:endParaRPr lang="en-US" dirty="0"/>
           </a:p>
           <a:p>
             <a:pPr marL="800100" lvl="1" indent="-342900">
@@ -9557,6 +9554,7 @@
               <a:rPr lang="en-US" dirty="0"/>
               <a:t> for each connected client. </a:t>
             </a:r>
+            <a:endParaRPr lang="en-US" dirty="0"/>
           </a:p>
           <a:p>
             <a:pPr marL="800100" lvl="1" indent="-342900">
@@ -9583,18 +9581,15 @@
               </a:rPr>
               <a:t> </a:t>
             </a:r>
+            <a:endParaRPr lang="en-US" dirty="0">
+              <a:effectLst/>
+            </a:endParaRPr>
           </a:p>
         </p:txBody>
       </p:sp>
       <p:cxnSp>
         <p:nvCxnSpPr>
-          <p:cNvPr id="14" name="Straight Arrow Connector 13">
-            <a:extLst>
-              <a:ext uri="{FF2B5EF4-FFF2-40B4-BE49-F238E27FC236}">
-                <a16:creationId xmlns:a16="http://schemas.microsoft.com/office/drawing/2014/main" id="{05383269-146C-27AA-6A86-4D3C96BA6F4F}"/>
-              </a:ext>
-            </a:extLst>
-          </p:cNvPr>
+          <p:cNvPr id="14" name="Straight Arrow Connector 13"/>
           <p:cNvCxnSpPr>
             <a:stCxn id="4" idx="2"/>
             <a:endCxn id="6" idx="0"/>
@@ -9630,13 +9625,7 @@
       </p:cxnSp>
       <p:sp>
         <p:nvSpPr>
-          <p:cNvPr id="2" name="Rounded Rectangle 1">
-            <a:extLst>
-              <a:ext uri="{FF2B5EF4-FFF2-40B4-BE49-F238E27FC236}">
-                <a16:creationId xmlns:a16="http://schemas.microsoft.com/office/drawing/2014/main" id="{C30A192F-7DE6-BF06-52A0-9391D38730E6}"/>
-              </a:ext>
-            </a:extLst>
-          </p:cNvPr>
+          <p:cNvPr id="2" name="Rounded Rectangle 1"/>
           <p:cNvSpPr/>
           <p:nvPr/>
         </p:nvSpPr>
@@ -9672,19 +9661,13 @@
           <a:lstStyle/>
           <a:p>
             <a:pPr algn="ctr"/>
-            <a:endParaRPr lang="en-CN" dirty="0"/>
+            <a:endParaRPr lang="en-US" dirty="0"/>
           </a:p>
         </p:txBody>
       </p:sp>
       <p:sp>
         <p:nvSpPr>
-          <p:cNvPr id="3" name="TextBox 2">
-            <a:extLst>
-              <a:ext uri="{FF2B5EF4-FFF2-40B4-BE49-F238E27FC236}">
-                <a16:creationId xmlns:a16="http://schemas.microsoft.com/office/drawing/2014/main" id="{6750465B-5C5C-3B7D-757A-3F33E6253BC4}"/>
-              </a:ext>
-            </a:extLst>
-          </p:cNvPr>
+          <p:cNvPr id="3" name="TextBox 2"/>
           <p:cNvSpPr txBox="1"/>
           <p:nvPr/>
         </p:nvSpPr>
@@ -9713,44 +9696,6 @@
               </a:rPr>
               <a:t>Socket socket = </a:t>
             </a:r>
-          </a:p>
-          <a:p>
-            <a:r>
-              <a:rPr lang="en-US" dirty="0" err="1">
-                <a:solidFill>
-                  <a:srgbClr val="9876AA"/>
-                </a:solidFill>
-                <a:effectLst/>
-              </a:rPr>
-              <a:t>serverSocket</a:t>
-            </a:r>
-            <a:r>
-              <a:rPr lang="en-US" dirty="0" err="1">
-                <a:solidFill>
-                  <a:srgbClr val="A9B7C6"/>
-                </a:solidFill>
-                <a:effectLst/>
-              </a:rPr>
-              <a:t>.accept</a:t>
-            </a:r>
-            <a:r>
-              <a:rPr lang="en-US" dirty="0">
-                <a:solidFill>
-                  <a:srgbClr val="A9B7C6"/>
-                </a:solidFill>
-                <a:effectLst/>
-              </a:rPr>
-              <a:t>()</a:t>
-            </a:r>
-            <a:r>
-              <a:rPr lang="en-US" dirty="0">
-                <a:solidFill>
-                  <a:srgbClr val="CC7832"/>
-                </a:solidFill>
-                <a:effectLst/>
-              </a:rPr>
-              <a:t>;</a:t>
-            </a:r>
             <a:endParaRPr lang="en-US" dirty="0">
               <a:solidFill>
                 <a:srgbClr val="A9B7C6"/>
@@ -9758,17 +9703,55 @@
               <a:effectLst/>
             </a:endParaRPr>
           </a:p>
+          <a:p>
+            <a:r>
+              <a:rPr lang="en-US" dirty="0" err="1">
+                <a:solidFill>
+                  <a:srgbClr val="9876AA"/>
+                </a:solidFill>
+                <a:effectLst/>
+              </a:rPr>
+              <a:t>serverSocket</a:t>
+            </a:r>
+            <a:r>
+              <a:rPr lang="en-US" dirty="0" err="1">
+                <a:solidFill>
+                  <a:srgbClr val="A9B7C6"/>
+                </a:solidFill>
+                <a:effectLst/>
+              </a:rPr>
+              <a:t>.accept</a:t>
+            </a:r>
+            <a:r>
+              <a:rPr lang="en-US" dirty="0">
+                <a:solidFill>
+                  <a:srgbClr val="A9B7C6"/>
+                </a:solidFill>
+                <a:effectLst/>
+              </a:rPr>
+              <a:t>()</a:t>
+            </a:r>
+            <a:r>
+              <a:rPr lang="en-US" dirty="0">
+                <a:solidFill>
+                  <a:srgbClr val="CC7832"/>
+                </a:solidFill>
+                <a:effectLst/>
+              </a:rPr>
+              <a:t>;</a:t>
+            </a:r>
+            <a:endParaRPr lang="en-US" dirty="0">
+              <a:solidFill>
+                <a:srgbClr val="A9B7C6"/>
+              </a:solidFill>
+              <a:effectLst/>
+            </a:endParaRPr>
+          </a:p>
         </p:txBody>
       </p:sp>
       <p:sp>
         <p:nvSpPr>
-          <p:cNvPr id="8" name="Rounded Rectangle 7">
-            <a:extLst>
-              <a:ext uri="{FF2B5EF4-FFF2-40B4-BE49-F238E27FC236}">
-                <a16:creationId xmlns:a16="http://schemas.microsoft.com/office/drawing/2014/main" id="{69FAC669-A984-86B8-4186-DAF60C91F4E8}"/>
-              </a:ext>
-            </a:extLst>
-          </p:cNvPr>
+          <p:cNvPr id="8" name="Rounded Rectangle 7"/>
           <p:cNvSpPr/>
           <p:nvPr/>
         </p:nvSpPr>
@@ -9804,19 +9787,13 @@
           <a:lstStyle/>
           <a:p>
             <a:pPr algn="ctr"/>
-            <a:endParaRPr lang="en-CN" dirty="0"/>
+            <a:endParaRPr lang="en-US" dirty="0"/>
           </a:p>
         </p:txBody>
       </p:sp>
       <p:sp>
         <p:nvSpPr>
-          <p:cNvPr id="9" name="TextBox 8">
-            <a:extLst>
-              <a:ext uri="{FF2B5EF4-FFF2-40B4-BE49-F238E27FC236}">
-                <a16:creationId xmlns:a16="http://schemas.microsoft.com/office/drawing/2014/main" id="{215C92AB-3752-751E-7EAE-BFE2DD145581}"/>
-              </a:ext>
-            </a:extLst>
-          </p:cNvPr>
+          <p:cNvPr id="9" name="TextBox 8"/>
           <p:cNvSpPr txBox="1"/>
           <p:nvPr/>
         </p:nvSpPr>
@@ -9850,18 +9827,15 @@
               </a:rPr>
               <a:t>(socket)</a:t>
             </a:r>
+            <a:endParaRPr lang="en-US" dirty="0">
+              <a:effectLst/>
+            </a:endParaRPr>
           </a:p>
         </p:txBody>
       </p:sp>
       <p:sp>
         <p:nvSpPr>
-          <p:cNvPr id="16" name="Rounded Rectangle 15">
-            <a:extLst>
-              <a:ext uri="{FF2B5EF4-FFF2-40B4-BE49-F238E27FC236}">
-                <a16:creationId xmlns:a16="http://schemas.microsoft.com/office/drawing/2014/main" id="{FDB85922-76DC-00C2-8873-51597D4DF791}"/>
-              </a:ext>
-            </a:extLst>
-          </p:cNvPr>
+          <p:cNvPr id="16" name="Rounded Rectangle 15"/>
           <p:cNvSpPr/>
           <p:nvPr/>
         </p:nvSpPr>
@@ -9897,19 +9871,13 @@
           <a:lstStyle/>
           <a:p>
             <a:pPr algn="ctr"/>
-            <a:endParaRPr lang="en-CN" dirty="0"/>
+            <a:endParaRPr lang="en-US" dirty="0"/>
           </a:p>
         </p:txBody>
       </p:sp>
       <p:sp>
         <p:nvSpPr>
-          <p:cNvPr id="17" name="TextBox 16">
-            <a:extLst>
-              <a:ext uri="{FF2B5EF4-FFF2-40B4-BE49-F238E27FC236}">
-                <a16:creationId xmlns:a16="http://schemas.microsoft.com/office/drawing/2014/main" id="{09208ADA-907C-F2B7-52FE-453934A75034}"/>
-              </a:ext>
-            </a:extLst>
-          </p:cNvPr>
+          <p:cNvPr id="17" name="TextBox 16"/>
           <p:cNvSpPr txBox="1"/>
           <p:nvPr/>
         </p:nvSpPr>
@@ -9943,20 +9911,16 @@
               </a:rPr>
               <a:t>(socket)</a:t>
             </a:r>
+            <a:endParaRPr lang="en-US" dirty="0">
+              <a:effectLst/>
+            </a:endParaRPr>
           </a:p>
         </p:txBody>
       </p:sp>
       <p:cxnSp>
         <p:nvCxnSpPr>
-          <p:cNvPr id="18" name="Straight Arrow Connector 17">
-            <a:extLst>
-              <a:ext uri="{FF2B5EF4-FFF2-40B4-BE49-F238E27FC236}">
-                <a16:creationId xmlns:a16="http://schemas.microsoft.com/office/drawing/2014/main" id="{A6A950C6-C061-79A2-D9BB-8066CBD7CB02}"/>
-              </a:ext>
-            </a:extLst>
-          </p:cNvPr>
+          <p:cNvPr id="18" name="Straight Arrow Connector 17"/>
           <p:cNvCxnSpPr>
-            <a:cxnSpLocks/>
             <a:stCxn id="6" idx="2"/>
             <a:endCxn id="2" idx="0"/>
           </p:cNvCxnSpPr>
@@ -9992,15 +9956,8 @@
       </p:cxnSp>
       <p:cxnSp>
         <p:nvCxnSpPr>
-          <p:cNvPr id="21" name="Straight Arrow Connector 20">
-            <a:extLst>
-              <a:ext uri="{FF2B5EF4-FFF2-40B4-BE49-F238E27FC236}">
-                <a16:creationId xmlns:a16="http://schemas.microsoft.com/office/drawing/2014/main" id="{26CE2D1A-B9E3-C4FE-B680-EEFC50D55C91}"/>
-              </a:ext>
-            </a:extLst>
-          </p:cNvPr>
+          <p:cNvPr id="21" name="Straight Arrow Connector 20"/>
           <p:cNvCxnSpPr>
-            <a:cxnSpLocks/>
             <a:stCxn id="6" idx="2"/>
             <a:endCxn id="8" idx="0"/>
           </p:cNvCxnSpPr>
@@ -10036,15 +9993,8 @@
       </p:cxnSp>
       <p:cxnSp>
         <p:nvCxnSpPr>
-          <p:cNvPr id="24" name="Straight Arrow Connector 23">
-            <a:extLst>
-              <a:ext uri="{FF2B5EF4-FFF2-40B4-BE49-F238E27FC236}">
-                <a16:creationId xmlns:a16="http://schemas.microsoft.com/office/drawing/2014/main" id="{C02D9A3F-D2FC-C071-666A-F1FBC0E94C23}"/>
-              </a:ext>
-            </a:extLst>
-          </p:cNvPr>
+          <p:cNvPr id="24" name="Straight Arrow Connector 23"/>
           <p:cNvCxnSpPr>
-            <a:cxnSpLocks/>
             <a:stCxn id="6" idx="2"/>
             <a:endCxn id="16" idx="0"/>
           </p:cNvCxnSpPr>
@@ -10080,13 +10030,7 @@
       </p:cxnSp>
       <p:sp>
         <p:nvSpPr>
-          <p:cNvPr id="28" name="TextBox 27">
-            <a:extLst>
-              <a:ext uri="{FF2B5EF4-FFF2-40B4-BE49-F238E27FC236}">
-                <a16:creationId xmlns:a16="http://schemas.microsoft.com/office/drawing/2014/main" id="{2E3979BF-905E-A2E8-0B73-D18E34ED5B0B}"/>
-              </a:ext>
-            </a:extLst>
-          </p:cNvPr>
+          <p:cNvPr id="28" name="TextBox 27"/>
           <p:cNvSpPr txBox="1"/>
           <p:nvPr/>
         </p:nvSpPr>
@@ -10120,18 +10064,15 @@
               </a:rPr>
               <a:t>(socket)</a:t>
             </a:r>
+            <a:endParaRPr lang="en-US" dirty="0">
+              <a:effectLst/>
+            </a:endParaRPr>
           </a:p>
         </p:txBody>
       </p:sp>
       <p:sp>
         <p:nvSpPr>
-          <p:cNvPr id="29" name="TextBox 28">
-            <a:extLst>
-              <a:ext uri="{FF2B5EF4-FFF2-40B4-BE49-F238E27FC236}">
-                <a16:creationId xmlns:a16="http://schemas.microsoft.com/office/drawing/2014/main" id="{1E419CA6-0BF6-4EDA-108B-42D3B1602561}"/>
-              </a:ext>
-            </a:extLst>
-          </p:cNvPr>
+          <p:cNvPr id="29" name="TextBox 28"/>
           <p:cNvSpPr txBox="1"/>
           <p:nvPr/>
         </p:nvSpPr>
@@ -10170,13 +10111,7 @@
       </p:sp>
       <p:sp>
         <p:nvSpPr>
-          <p:cNvPr id="30" name="TextBox 29">
-            <a:extLst>
-              <a:ext uri="{FF2B5EF4-FFF2-40B4-BE49-F238E27FC236}">
-                <a16:creationId xmlns:a16="http://schemas.microsoft.com/office/drawing/2014/main" id="{413D0EBE-E0EA-71FD-E574-4EBD4820E3C4}"/>
-              </a:ext>
-            </a:extLst>
-          </p:cNvPr>
+          <p:cNvPr id="30" name="TextBox 29"/>
           <p:cNvSpPr txBox="1"/>
           <p:nvPr/>
         </p:nvSpPr>
@@ -10215,13 +10150,7 @@
       </p:sp>
       <p:sp>
         <p:nvSpPr>
-          <p:cNvPr id="31" name="TextBox 30">
-            <a:extLst>
-              <a:ext uri="{FF2B5EF4-FFF2-40B4-BE49-F238E27FC236}">
-                <a16:creationId xmlns:a16="http://schemas.microsoft.com/office/drawing/2014/main" id="{C06AD1D2-2D82-204B-7E36-339C10CF759B}"/>
-              </a:ext>
-            </a:extLst>
-          </p:cNvPr>
+          <p:cNvPr id="31" name="TextBox 30"/>
           <p:cNvSpPr txBox="1"/>
           <p:nvPr/>
         </p:nvSpPr>
@@ -10260,15 +10189,8 @@
       </p:sp>
       <p:cxnSp>
         <p:nvCxnSpPr>
-          <p:cNvPr id="32" name="Curved Connector 31">
-            <a:extLst>
-              <a:ext uri="{FF2B5EF4-FFF2-40B4-BE49-F238E27FC236}">
-                <a16:creationId xmlns:a16="http://schemas.microsoft.com/office/drawing/2014/main" id="{2A979896-0ED8-87E8-99BD-0449C225B014}"/>
-              </a:ext>
-            </a:extLst>
-          </p:cNvPr>
+          <p:cNvPr id="32" name="Curved Connector 31"/>
           <p:cNvCxnSpPr>
-            <a:cxnSpLocks/>
             <a:stCxn id="6" idx="1"/>
             <a:endCxn id="6" idx="3"/>
           </p:cNvCxnSpPr>
@@ -10307,13 +10229,7 @@
       </p:cxnSp>
       <p:sp>
         <p:nvSpPr>
-          <p:cNvPr id="39" name="TextBox 38">
-            <a:extLst>
-              <a:ext uri="{FF2B5EF4-FFF2-40B4-BE49-F238E27FC236}">
-                <a16:creationId xmlns:a16="http://schemas.microsoft.com/office/drawing/2014/main" id="{BE71B79A-345F-E07C-0EDD-D63EE571DDE0}"/>
-              </a:ext>
-            </a:extLst>
-          </p:cNvPr>
+          <p:cNvPr id="39" name="TextBox 38"/>
           <p:cNvSpPr txBox="1"/>
           <p:nvPr/>
         </p:nvSpPr>
@@ -10346,19 +10262,13 @@
               <a:rPr lang="en-US" dirty="0"/>
               <a:t>())</a:t>
             </a:r>
-            <a:endParaRPr lang="en-CN" dirty="0"/>
+            <a:endParaRPr lang="en-US" dirty="0"/>
           </a:p>
         </p:txBody>
       </p:sp>
       <p:sp>
         <p:nvSpPr>
-          <p:cNvPr id="40" name="标题 4">
-            <a:extLst>
-              <a:ext uri="{FF2B5EF4-FFF2-40B4-BE49-F238E27FC236}">
-                <a16:creationId xmlns:a16="http://schemas.microsoft.com/office/drawing/2014/main" id="{B696CFDD-7DC1-6B6F-A26F-3848702B9A1E}"/>
-              </a:ext>
-            </a:extLst>
-          </p:cNvPr>
+          <p:cNvPr id="40" name="标题 4"/>
           <p:cNvSpPr>
             <a:spLocks noGrp="1"/>
           </p:cNvSpPr>
@@ -10388,13 +10298,7 @@
       </p:sp>
       <p:sp>
         <p:nvSpPr>
-          <p:cNvPr id="41" name="TextBox 40">
-            <a:extLst>
-              <a:ext uri="{FF2B5EF4-FFF2-40B4-BE49-F238E27FC236}">
-                <a16:creationId xmlns:a16="http://schemas.microsoft.com/office/drawing/2014/main" id="{8FA93FED-B10F-F9C4-1436-5F70DFBAF398}"/>
-              </a:ext>
-            </a:extLst>
-          </p:cNvPr>
+          <p:cNvPr id="41" name="TextBox 40"/>
           <p:cNvSpPr txBox="1"/>
           <p:nvPr/>
         </p:nvSpPr>
@@ -10423,15 +10327,16 @@
               </a:rPr>
               <a:t>Main Process</a:t>
             </a:r>
+            <a:endParaRPr lang="en-US" dirty="0">
+              <a:solidFill>
+                <a:srgbClr val="0070C0"/>
+              </a:solidFill>
+              <a:effectLst/>
+            </a:endParaRPr>
           </a:p>
         </p:txBody>
       </p:sp>
     </p:spTree>
-    <p:extLst>
-      <p:ext uri="{BB962C8B-B14F-4D97-AF65-F5344CB8AC3E}">
-        <p14:creationId xmlns:p14="http://schemas.microsoft.com/office/powerpoint/2010/main" val="4074007879"/>
-      </p:ext>
-    </p:extLst>
   </p:cSld>
   <p:clrMapOvr>
     <a:masterClrMapping/>
@@ -10458,13 +10363,7 @@
       </p:grpSpPr>
       <p:sp>
         <p:nvSpPr>
-          <p:cNvPr id="4" name="Rounded Rectangle 3">
-            <a:extLst>
-              <a:ext uri="{FF2B5EF4-FFF2-40B4-BE49-F238E27FC236}">
-                <a16:creationId xmlns:a16="http://schemas.microsoft.com/office/drawing/2014/main" id="{AAFD7871-9A05-48F1-04E9-E2BB71813CCF}"/>
-              </a:ext>
-            </a:extLst>
-          </p:cNvPr>
+          <p:cNvPr id="4" name="Rounded Rectangle 3"/>
           <p:cNvSpPr/>
           <p:nvPr/>
         </p:nvSpPr>
@@ -10500,19 +10399,13 @@
           <a:lstStyle/>
           <a:p>
             <a:pPr algn="ctr"/>
-            <a:endParaRPr lang="en-CN" dirty="0"/>
+            <a:endParaRPr lang="en-US" dirty="0"/>
           </a:p>
         </p:txBody>
       </p:sp>
       <p:sp>
         <p:nvSpPr>
-          <p:cNvPr id="5" name="TextBox 4">
-            <a:extLst>
-              <a:ext uri="{FF2B5EF4-FFF2-40B4-BE49-F238E27FC236}">
-                <a16:creationId xmlns:a16="http://schemas.microsoft.com/office/drawing/2014/main" id="{FA953389-35FA-BD6D-307A-B25AD1926E07}"/>
-              </a:ext>
-            </a:extLst>
-          </p:cNvPr>
+          <p:cNvPr id="5" name="TextBox 4"/>
           <p:cNvSpPr txBox="1"/>
           <p:nvPr/>
         </p:nvSpPr>
@@ -10534,7 +10427,7 @@
           <a:p>
             <a:pPr algn="ctr"/>
             <a:r>
-              <a:rPr lang="en-CN" sz="2000" dirty="0"/>
+              <a:rPr lang="en-US" sz="2000" dirty="0"/>
               <a:t>Class</a:t>
             </a:r>
             <a:r>
@@ -10549,6 +10442,7 @@
               <a:rPr lang="en-US" sz="2000" dirty="0"/>
               <a:t> </a:t>
             </a:r>
+            <a:endParaRPr lang="en-US" sz="2000" dirty="0"/>
           </a:p>
           <a:p>
             <a:pPr algn="ctr"/>
@@ -10560,7 +10454,7 @@
               </a:rPr>
               <a:t>implements Runnable</a:t>
             </a:r>
-            <a:endParaRPr lang="en-CN" sz="2000" dirty="0">
+            <a:endParaRPr lang="en-US" sz="2000" dirty="0">
               <a:solidFill>
                 <a:srgbClr val="C00000"/>
               </a:solidFill>
@@ -10570,13 +10464,7 @@
       </p:sp>
       <p:sp>
         <p:nvSpPr>
-          <p:cNvPr id="6" name="Rounded Rectangle 5">
-            <a:extLst>
-              <a:ext uri="{FF2B5EF4-FFF2-40B4-BE49-F238E27FC236}">
-                <a16:creationId xmlns:a16="http://schemas.microsoft.com/office/drawing/2014/main" id="{2835D416-5BA7-F189-4EAC-C002C01E4FB8}"/>
-              </a:ext>
-            </a:extLst>
-          </p:cNvPr>
+          <p:cNvPr id="6" name="Rounded Rectangle 5"/>
           <p:cNvSpPr/>
           <p:nvPr/>
         </p:nvSpPr>
@@ -10612,19 +10500,13 @@
           <a:lstStyle/>
           <a:p>
             <a:pPr algn="ctr"/>
-            <a:endParaRPr lang="en-CN" dirty="0"/>
+            <a:endParaRPr lang="en-US" dirty="0"/>
           </a:p>
         </p:txBody>
       </p:sp>
       <p:sp>
         <p:nvSpPr>
-          <p:cNvPr id="7" name="TextBox 6">
-            <a:extLst>
-              <a:ext uri="{FF2B5EF4-FFF2-40B4-BE49-F238E27FC236}">
-                <a16:creationId xmlns:a16="http://schemas.microsoft.com/office/drawing/2014/main" id="{B7FE5F95-DAFA-E650-2DF8-E6532BBA2C41}"/>
-              </a:ext>
-            </a:extLst>
-          </p:cNvPr>
+          <p:cNvPr id="7" name="TextBox 6"/>
           <p:cNvSpPr txBox="1"/>
           <p:nvPr/>
         </p:nvSpPr>
@@ -10653,18 +10535,18 @@
               </a:rPr>
               <a:t>run()</a:t>
             </a:r>
+            <a:endParaRPr lang="en-US" dirty="0">
+              <a:solidFill>
+                <a:srgbClr val="0070C0"/>
+              </a:solidFill>
+              <a:effectLst/>
+            </a:endParaRPr>
           </a:p>
         </p:txBody>
       </p:sp>
       <p:sp>
         <p:nvSpPr>
-          <p:cNvPr id="11" name="TextBox 10">
-            <a:extLst>
-              <a:ext uri="{FF2B5EF4-FFF2-40B4-BE49-F238E27FC236}">
-                <a16:creationId xmlns:a16="http://schemas.microsoft.com/office/drawing/2014/main" id="{A539C8CE-A594-7DF5-8C26-8C9BB025A02C}"/>
-              </a:ext>
-            </a:extLst>
-          </p:cNvPr>
+          <p:cNvPr id="11" name="TextBox 10"/>
           <p:cNvSpPr txBox="1"/>
           <p:nvPr/>
         </p:nvSpPr>
@@ -10693,6 +10575,12 @@
               </a:rPr>
               <a:t>Inside the while loop:</a:t>
             </a:r>
+            <a:endParaRPr lang="en-US" dirty="0">
+              <a:solidFill>
+                <a:srgbClr val="0070C0"/>
+              </a:solidFill>
+              <a:effectLst/>
+            </a:endParaRPr>
           </a:p>
           <a:p>
             <a:pPr marL="342900" indent="-342900">
@@ -10715,6 +10603,9 @@
               </a:rPr>
               <a:t>.</a:t>
             </a:r>
+            <a:endParaRPr lang="en-US" dirty="0">
+              <a:effectLst/>
+            </a:endParaRPr>
           </a:p>
           <a:p>
             <a:pPr marL="342900" indent="-342900">
@@ -10745,20 +10636,19 @@
               </a:rPr>
               <a:t>().</a:t>
             </a:r>
+            <a:endParaRPr lang="en-US" dirty="0">
+              <a:solidFill>
+                <a:srgbClr val="0070C0"/>
+              </a:solidFill>
+              <a:effectLst/>
+            </a:endParaRPr>
           </a:p>
         </p:txBody>
       </p:sp>
       <p:cxnSp>
         <p:nvCxnSpPr>
-          <p:cNvPr id="14" name="Straight Arrow Connector 13">
-            <a:extLst>
-              <a:ext uri="{FF2B5EF4-FFF2-40B4-BE49-F238E27FC236}">
-                <a16:creationId xmlns:a16="http://schemas.microsoft.com/office/drawing/2014/main" id="{05383269-146C-27AA-6A86-4D3C96BA6F4F}"/>
-              </a:ext>
-            </a:extLst>
-          </p:cNvPr>
+          <p:cNvPr id="14" name="Straight Arrow Connector 13"/>
           <p:cNvCxnSpPr>
-            <a:cxnSpLocks/>
             <a:stCxn id="4" idx="2"/>
             <a:endCxn id="6" idx="0"/>
           </p:cNvCxnSpPr>
@@ -10794,13 +10684,7 @@
       </p:cxnSp>
       <p:sp>
         <p:nvSpPr>
-          <p:cNvPr id="16" name="Rounded Rectangle 15">
-            <a:extLst>
-              <a:ext uri="{FF2B5EF4-FFF2-40B4-BE49-F238E27FC236}">
-                <a16:creationId xmlns:a16="http://schemas.microsoft.com/office/drawing/2014/main" id="{334883E1-169C-E26E-DF71-A84E537331DA}"/>
-              </a:ext>
-            </a:extLst>
-          </p:cNvPr>
+          <p:cNvPr id="16" name="Rounded Rectangle 15"/>
           <p:cNvSpPr/>
           <p:nvPr/>
         </p:nvSpPr>
@@ -10836,19 +10720,13 @@
           <a:lstStyle/>
           <a:p>
             <a:pPr algn="ctr"/>
-            <a:endParaRPr lang="en-CN" dirty="0"/>
+            <a:endParaRPr lang="en-US" dirty="0"/>
           </a:p>
         </p:txBody>
       </p:sp>
       <p:sp>
         <p:nvSpPr>
-          <p:cNvPr id="17" name="TextBox 16">
-            <a:extLst>
-              <a:ext uri="{FF2B5EF4-FFF2-40B4-BE49-F238E27FC236}">
-                <a16:creationId xmlns:a16="http://schemas.microsoft.com/office/drawing/2014/main" id="{B8E954EB-F399-847C-61AA-5CDA3E5D33F1}"/>
-              </a:ext>
-            </a:extLst>
-          </p:cNvPr>
+          <p:cNvPr id="17" name="TextBox 16"/>
           <p:cNvSpPr txBox="1"/>
           <p:nvPr/>
         </p:nvSpPr>
@@ -10886,20 +10764,19 @@
               </a:rPr>
               <a:t>()</a:t>
             </a:r>
+            <a:endParaRPr lang="en-US" dirty="0">
+              <a:solidFill>
+                <a:srgbClr val="0070C0"/>
+              </a:solidFill>
+              <a:effectLst/>
+            </a:endParaRPr>
           </a:p>
         </p:txBody>
       </p:sp>
       <p:cxnSp>
         <p:nvCxnSpPr>
-          <p:cNvPr id="18" name="Straight Arrow Connector 17">
-            <a:extLst>
-              <a:ext uri="{FF2B5EF4-FFF2-40B4-BE49-F238E27FC236}">
-                <a16:creationId xmlns:a16="http://schemas.microsoft.com/office/drawing/2014/main" id="{9A3F5947-77D1-8D7B-7595-E5F15530FB99}"/>
-              </a:ext>
-            </a:extLst>
-          </p:cNvPr>
+          <p:cNvPr id="18" name="Straight Arrow Connector 17"/>
           <p:cNvCxnSpPr>
-            <a:cxnSpLocks/>
             <a:stCxn id="6" idx="2"/>
             <a:endCxn id="16" idx="0"/>
           </p:cNvCxnSpPr>
@@ -10935,13 +10812,7 @@
       </p:cxnSp>
       <p:sp>
         <p:nvSpPr>
-          <p:cNvPr id="21" name="TextBox 20">
-            <a:extLst>
-              <a:ext uri="{FF2B5EF4-FFF2-40B4-BE49-F238E27FC236}">
-                <a16:creationId xmlns:a16="http://schemas.microsoft.com/office/drawing/2014/main" id="{7439160E-EE1D-8AFE-2816-E245F63242B2}"/>
-              </a:ext>
-            </a:extLst>
-          </p:cNvPr>
+          <p:cNvPr id="21" name="TextBox 20"/>
           <p:cNvSpPr txBox="1"/>
           <p:nvPr/>
         </p:nvSpPr>
@@ -11025,6 +10896,9 @@
               </a:rPr>
               <a:t>.</a:t>
             </a:r>
+            <a:endParaRPr lang="en-US" dirty="0">
+              <a:effectLst/>
+            </a:endParaRPr>
           </a:p>
           <a:p>
             <a:pPr marL="342900" indent="-342900">
@@ -11053,13 +10927,7 @@
       </p:sp>
       <p:sp>
         <p:nvSpPr>
-          <p:cNvPr id="25" name="Rounded Rectangle 24">
-            <a:extLst>
-              <a:ext uri="{FF2B5EF4-FFF2-40B4-BE49-F238E27FC236}">
-                <a16:creationId xmlns:a16="http://schemas.microsoft.com/office/drawing/2014/main" id="{869929D4-5003-8F55-2188-291260870C9A}"/>
-              </a:ext>
-            </a:extLst>
-          </p:cNvPr>
+          <p:cNvPr id="25" name="Rounded Rectangle 24"/>
           <p:cNvSpPr/>
           <p:nvPr/>
         </p:nvSpPr>
@@ -11095,19 +10963,13 @@
           <a:lstStyle/>
           <a:p>
             <a:pPr algn="ctr"/>
-            <a:endParaRPr lang="en-CN" dirty="0"/>
+            <a:endParaRPr lang="en-US" dirty="0"/>
           </a:p>
         </p:txBody>
       </p:sp>
       <p:sp>
         <p:nvSpPr>
-          <p:cNvPr id="32" name="TextBox 31">
-            <a:extLst>
-              <a:ext uri="{FF2B5EF4-FFF2-40B4-BE49-F238E27FC236}">
-                <a16:creationId xmlns:a16="http://schemas.microsoft.com/office/drawing/2014/main" id="{DDC9587A-7890-2FA3-A00B-686A8FA15996}"/>
-              </a:ext>
-            </a:extLst>
-          </p:cNvPr>
+          <p:cNvPr id="32" name="TextBox 31"/>
           <p:cNvSpPr txBox="1"/>
           <p:nvPr/>
         </p:nvSpPr>
@@ -11136,18 +10998,18 @@
               </a:rPr>
               <a:t>Constructors()</a:t>
             </a:r>
+            <a:endParaRPr lang="en-US" dirty="0">
+              <a:solidFill>
+                <a:srgbClr val="0070C0"/>
+              </a:solidFill>
+              <a:effectLst/>
+            </a:endParaRPr>
           </a:p>
         </p:txBody>
       </p:sp>
       <p:sp>
         <p:nvSpPr>
-          <p:cNvPr id="33" name="TextBox 32">
-            <a:extLst>
-              <a:ext uri="{FF2B5EF4-FFF2-40B4-BE49-F238E27FC236}">
-                <a16:creationId xmlns:a16="http://schemas.microsoft.com/office/drawing/2014/main" id="{C85874C5-7083-1B2E-D333-8984C2843828}"/>
-              </a:ext>
-            </a:extLst>
-          </p:cNvPr>
+          <p:cNvPr id="33" name="TextBox 32"/>
           <p:cNvSpPr txBox="1"/>
           <p:nvPr/>
         </p:nvSpPr>
@@ -11177,6 +11039,9 @@
               </a:rPr>
               <a:t>Initialize the reader and the writer. </a:t>
             </a:r>
+            <a:endParaRPr lang="en-US" dirty="0">
+              <a:effectLst/>
+            </a:endParaRPr>
           </a:p>
           <a:p>
             <a:pPr marL="342900" indent="-342900">
@@ -11272,15 +11137,8 @@
       </p:sp>
       <p:cxnSp>
         <p:nvCxnSpPr>
-          <p:cNvPr id="34" name="Curved Connector 33">
-            <a:extLst>
-              <a:ext uri="{FF2B5EF4-FFF2-40B4-BE49-F238E27FC236}">
-                <a16:creationId xmlns:a16="http://schemas.microsoft.com/office/drawing/2014/main" id="{D82B6AEF-74F5-8CE6-7F83-1E707754DDEF}"/>
-              </a:ext>
-            </a:extLst>
-          </p:cNvPr>
+          <p:cNvPr id="34" name="Curved Connector 33"/>
           <p:cNvCxnSpPr>
-            <a:cxnSpLocks/>
             <a:stCxn id="16" idx="1"/>
             <a:endCxn id="16" idx="3"/>
           </p:cNvCxnSpPr>
@@ -11320,13 +11178,7 @@
       </p:cxnSp>
       <p:sp>
         <p:nvSpPr>
-          <p:cNvPr id="44" name="TextBox 43">
-            <a:extLst>
-              <a:ext uri="{FF2B5EF4-FFF2-40B4-BE49-F238E27FC236}">
-                <a16:creationId xmlns:a16="http://schemas.microsoft.com/office/drawing/2014/main" id="{D67AB463-5373-CB5B-CF78-01167FED45A0}"/>
-              </a:ext>
-            </a:extLst>
-          </p:cNvPr>
+          <p:cNvPr id="44" name="TextBox 43"/>
           <p:cNvSpPr txBox="1"/>
           <p:nvPr/>
         </p:nvSpPr>
@@ -11347,21 +11199,16 @@
           <a:lstStyle/>
           <a:p>
             <a:r>
-              <a:rPr lang="en-CN" dirty="0"/>
+              <a:rPr lang="en-US" dirty="0"/>
               <a:t>while(socket.isConnected())</a:t>
             </a:r>
+            <a:endParaRPr lang="en-US" dirty="0"/>
           </a:p>
         </p:txBody>
       </p:sp>
       <p:sp>
         <p:nvSpPr>
-          <p:cNvPr id="47" name="标题 4">
-            <a:extLst>
-              <a:ext uri="{FF2B5EF4-FFF2-40B4-BE49-F238E27FC236}">
-                <a16:creationId xmlns:a16="http://schemas.microsoft.com/office/drawing/2014/main" id="{9DC01F5B-6BA9-B129-29AE-C6101DDA27D6}"/>
-              </a:ext>
-            </a:extLst>
-          </p:cNvPr>
+          <p:cNvPr id="47" name="标题 4"/>
           <p:cNvSpPr>
             <a:spLocks noGrp="1"/>
           </p:cNvSpPr>
@@ -11394,11 +11241,6 @@
         </p:txBody>
       </p:sp>
     </p:spTree>
-    <p:extLst>
-      <p:ext uri="{BB962C8B-B14F-4D97-AF65-F5344CB8AC3E}">
-        <p14:creationId xmlns:p14="http://schemas.microsoft.com/office/powerpoint/2010/main" val="1288117110"/>
-      </p:ext>
-    </p:extLst>
   </p:cSld>
   <p:clrMapOvr>
     <a:masterClrMapping/>
@@ -11450,13 +11292,7 @@
       </p:sp>
       <p:sp>
         <p:nvSpPr>
-          <p:cNvPr id="2" name="文本框 1">
-            <a:extLst>
-              <a:ext uri="{FF2B5EF4-FFF2-40B4-BE49-F238E27FC236}">
-                <a16:creationId xmlns:a16="http://schemas.microsoft.com/office/drawing/2014/main" id="{7DDCA41E-BE7D-C986-FFEE-C905CC8EFF32}"/>
-              </a:ext>
-            </a:extLst>
-          </p:cNvPr>
+          <p:cNvPr id="2" name="文本框 1"/>
           <p:cNvSpPr txBox="1"/>
           <p:nvPr/>
         </p:nvSpPr>
@@ -11491,28 +11327,33 @@
             </a:pPr>
             <a:r>
               <a:rPr lang="en-US" altLang="zh-CN" sz="2000" dirty="0">
-                <a:latin typeface="Times New Roman" panose="02020603050405020304" pitchFamily="18" charset="0"/>
+                <a:latin typeface="Times New Roman" panose="02020503050405090304" pitchFamily="18" charset="0"/>
                 <a:ea typeface="Tahoma" panose="020B0604030504040204" pitchFamily="34" charset="0"/>
-                <a:cs typeface="Times New Roman" panose="02020603050405020304" pitchFamily="18" charset="0"/>
+                <a:cs typeface="Times New Roman" panose="02020503050405090304" pitchFamily="18" charset="0"/>
               </a:rPr>
               <a:t>Java is a multi-threaded programming language which means we can develop multi-threaded program using Java. A multi-threaded program contains </a:t>
             </a:r>
             <a:r>
               <a:rPr lang="en-US" altLang="zh-CN" sz="2000" b="1" dirty="0">
-                <a:latin typeface="Times New Roman" panose="02020603050405020304" pitchFamily="18" charset="0"/>
+                <a:latin typeface="Times New Roman" panose="02020503050405090304" pitchFamily="18" charset="0"/>
                 <a:ea typeface="Tahoma" panose="020B0604030504040204" pitchFamily="34" charset="0"/>
-                <a:cs typeface="Times New Roman" panose="02020603050405020304" pitchFamily="18" charset="0"/>
+                <a:cs typeface="Times New Roman" panose="02020503050405090304" pitchFamily="18" charset="0"/>
               </a:rPr>
               <a:t>two or more parts that can run concurrently </a:t>
             </a:r>
             <a:r>
               <a:rPr lang="en-US" altLang="zh-CN" sz="2000" dirty="0">
-                <a:latin typeface="Times New Roman" panose="02020603050405020304" pitchFamily="18" charset="0"/>
+                <a:latin typeface="Times New Roman" panose="02020503050405090304" pitchFamily="18" charset="0"/>
                 <a:ea typeface="Tahoma" panose="020B0604030504040204" pitchFamily="34" charset="0"/>
-                <a:cs typeface="Times New Roman" panose="02020603050405020304" pitchFamily="18" charset="0"/>
+                <a:cs typeface="Times New Roman" panose="02020503050405090304" pitchFamily="18" charset="0"/>
               </a:rPr>
               <a:t>and each part can handle a different task at the same time making optimal use of the available resources specially when your computer has multiple CPUs.</a:t>
             </a:r>
+            <a:endParaRPr lang="en-US" altLang="zh-CN" sz="2000" dirty="0">
+              <a:latin typeface="Times New Roman" panose="02020503050405090304" pitchFamily="18" charset="0"/>
+              <a:ea typeface="Tahoma" panose="020B0604030504040204" pitchFamily="34" charset="0"/>
+              <a:cs typeface="Times New Roman" panose="02020503050405090304" pitchFamily="18" charset="0"/>
+            </a:endParaRPr>
           </a:p>
           <a:p>
             <a:pPr marL="285750" indent="-285750" algn="just">
@@ -11530,28 +11371,33 @@
             </a:pPr>
             <a:r>
               <a:rPr lang="en-US" altLang="zh-CN" sz="2000" dirty="0">
-                <a:latin typeface="Times New Roman" panose="02020603050405020304" pitchFamily="18" charset="0"/>
+                <a:latin typeface="Times New Roman" panose="02020503050405090304" pitchFamily="18" charset="0"/>
                 <a:ea typeface="Tahoma" panose="020B0604030504040204" pitchFamily="34" charset="0"/>
-                <a:cs typeface="Times New Roman" panose="02020603050405020304" pitchFamily="18" charset="0"/>
+                <a:cs typeface="Times New Roman" panose="02020503050405090304" pitchFamily="18" charset="0"/>
               </a:rPr>
               <a:t>By definition, multitasking is when multiple processes share common processing resources such as a CPU. Multi-threading extends the idea of multitasking into applications where you can subdivide specific operations within a single application into individual threads. </a:t>
             </a:r>
             <a:r>
               <a:rPr lang="en-US" altLang="zh-CN" sz="2000" b="1" dirty="0">
-                <a:latin typeface="Times New Roman" panose="02020603050405020304" pitchFamily="18" charset="0"/>
+                <a:latin typeface="Times New Roman" panose="02020503050405090304" pitchFamily="18" charset="0"/>
                 <a:ea typeface="Tahoma" panose="020B0604030504040204" pitchFamily="34" charset="0"/>
-                <a:cs typeface="Times New Roman" panose="02020603050405020304" pitchFamily="18" charset="0"/>
+                <a:cs typeface="Times New Roman" panose="02020503050405090304" pitchFamily="18" charset="0"/>
               </a:rPr>
               <a:t>Each of the threads can run in parallel.</a:t>
             </a:r>
             <a:r>
               <a:rPr lang="en-US" altLang="zh-CN" sz="2000" dirty="0">
-                <a:latin typeface="Times New Roman" panose="02020603050405020304" pitchFamily="18" charset="0"/>
+                <a:latin typeface="Times New Roman" panose="02020503050405090304" pitchFamily="18" charset="0"/>
                 <a:ea typeface="Tahoma" panose="020B0604030504040204" pitchFamily="34" charset="0"/>
-                <a:cs typeface="Times New Roman" panose="02020603050405020304" pitchFamily="18" charset="0"/>
+                <a:cs typeface="Times New Roman" panose="02020503050405090304" pitchFamily="18" charset="0"/>
               </a:rPr>
               <a:t> The OS divides processing time not only among different applications, but also among each thread within an application.</a:t>
             </a:r>
+            <a:endParaRPr lang="en-US" altLang="zh-CN" sz="2000" dirty="0">
+              <a:latin typeface="Times New Roman" panose="02020503050405090304" pitchFamily="18" charset="0"/>
+              <a:ea typeface="Tahoma" panose="020B0604030504040204" pitchFamily="34" charset="0"/>
+              <a:cs typeface="Times New Roman" panose="02020503050405090304" pitchFamily="18" charset="0"/>
+            </a:endParaRPr>
           </a:p>
           <a:p>
             <a:pPr marL="285750" indent="-285750" algn="just">
@@ -11569,41 +11415,36 @@
             </a:pPr>
             <a:r>
               <a:rPr lang="en-US" altLang="zh-CN" sz="2000" dirty="0">
-                <a:latin typeface="Times New Roman" panose="02020603050405020304" pitchFamily="18" charset="0"/>
+                <a:latin typeface="Times New Roman" panose="02020503050405090304" pitchFamily="18" charset="0"/>
                 <a:ea typeface="Tahoma" panose="020B0604030504040204" pitchFamily="34" charset="0"/>
-                <a:cs typeface="Times New Roman" panose="02020603050405020304" pitchFamily="18" charset="0"/>
+                <a:cs typeface="Times New Roman" panose="02020503050405090304" pitchFamily="18" charset="0"/>
               </a:rPr>
               <a:t>Multi-threading enables you to write in a way where </a:t>
             </a:r>
             <a:r>
               <a:rPr lang="en-US" altLang="zh-CN" sz="2000" b="1" dirty="0">
-                <a:latin typeface="Times New Roman" panose="02020603050405020304" pitchFamily="18" charset="0"/>
+                <a:latin typeface="Times New Roman" panose="02020503050405090304" pitchFamily="18" charset="0"/>
                 <a:ea typeface="Tahoma" panose="020B0604030504040204" pitchFamily="34" charset="0"/>
-                <a:cs typeface="Times New Roman" panose="02020603050405020304" pitchFamily="18" charset="0"/>
+                <a:cs typeface="Times New Roman" panose="02020503050405090304" pitchFamily="18" charset="0"/>
               </a:rPr>
               <a:t>multiple activities can proceed concurrently in the same program</a:t>
             </a:r>
             <a:r>
               <a:rPr lang="en-US" altLang="zh-CN" sz="2000" dirty="0">
-                <a:latin typeface="Times New Roman" panose="02020603050405020304" pitchFamily="18" charset="0"/>
+                <a:latin typeface="Times New Roman" panose="02020503050405090304" pitchFamily="18" charset="0"/>
                 <a:ea typeface="Tahoma" panose="020B0604030504040204" pitchFamily="34" charset="0"/>
-                <a:cs typeface="Times New Roman" panose="02020603050405020304" pitchFamily="18" charset="0"/>
+                <a:cs typeface="Times New Roman" panose="02020503050405090304" pitchFamily="18" charset="0"/>
               </a:rPr>
               <a:t>.</a:t>
             </a:r>
             <a:endParaRPr lang="zh-CN" altLang="en-US" dirty="0">
-              <a:latin typeface="Times New Roman" panose="02020603050405020304" pitchFamily="18" charset="0"/>
-              <a:cs typeface="Times New Roman" panose="02020603050405020304" pitchFamily="18" charset="0"/>
+              <a:latin typeface="Times New Roman" panose="02020503050405090304" pitchFamily="18" charset="0"/>
+              <a:cs typeface="Times New Roman" panose="02020503050405090304" pitchFamily="18" charset="0"/>
             </a:endParaRPr>
           </a:p>
         </p:txBody>
       </p:sp>
     </p:spTree>
-    <p:extLst>
-      <p:ext uri="{BB962C8B-B14F-4D97-AF65-F5344CB8AC3E}">
-        <p14:creationId xmlns:p14="http://schemas.microsoft.com/office/powerpoint/2010/main" val="2776878083"/>
-      </p:ext>
-    </p:extLst>
   </p:cSld>
   <p:clrMapOvr>
     <a:masterClrMapping/>
@@ -11868,20 +11709,14 @@
       </p:sp>
       <p:pic>
         <p:nvPicPr>
-          <p:cNvPr id="3" name="Picture 2" descr="Java Thread Life Cycle">
-            <a:extLst>
-              <a:ext uri="{FF2B5EF4-FFF2-40B4-BE49-F238E27FC236}">
-                <a16:creationId xmlns:a16="http://schemas.microsoft.com/office/drawing/2014/main" id="{D3DD7D96-D29D-2260-AE1C-21A8243D4684}"/>
-              </a:ext>
-            </a:extLst>
-          </p:cNvPr>
+          <p:cNvPr id="3" name="Picture 2" descr="Java Thread Life Cycle"/>
           <p:cNvPicPr>
             <a:picLocks noChangeAspect="1" noChangeArrowheads="1"/>
           </p:cNvPicPr>
           <p:nvPr/>
         </p:nvPicPr>
         <p:blipFill>
-          <a:blip r:embed="rId2">
+          <a:blip r:embed="rId1">
             <a:extLst>
               <a:ext uri="{28A0092B-C50C-407E-A947-70E740481C1C}">
                 <a14:useLocalDpi xmlns:a14="http://schemas.microsoft.com/office/drawing/2010/main" val="0"/>
@@ -11914,11 +11749,6 @@
         </p:spPr>
       </p:pic>
     </p:spTree>
-    <p:extLst>
-      <p:ext uri="{BB962C8B-B14F-4D97-AF65-F5344CB8AC3E}">
-        <p14:creationId xmlns:p14="http://schemas.microsoft.com/office/powerpoint/2010/main" val="4280595853"/>
-      </p:ext>
-    </p:extLst>
   </p:cSld>
   <p:clrMapOvr>
     <a:masterClrMapping/>
@@ -12053,13 +11883,7 @@
       </p:sp>
       <p:sp>
         <p:nvSpPr>
-          <p:cNvPr id="2" name="文本框 1">
-            <a:extLst>
-              <a:ext uri="{FF2B5EF4-FFF2-40B4-BE49-F238E27FC236}">
-                <a16:creationId xmlns:a16="http://schemas.microsoft.com/office/drawing/2014/main" id="{7DDCA41E-BE7D-C986-FFEE-C905CC8EFF32}"/>
-              </a:ext>
-            </a:extLst>
-          </p:cNvPr>
+          <p:cNvPr id="2" name="文本框 1"/>
           <p:cNvSpPr txBox="1"/>
           <p:nvPr/>
         </p:nvSpPr>
@@ -12094,20 +11918,25 @@
             </a:pPr>
             <a:r>
               <a:rPr lang="en-US" altLang="zh-CN" sz="2000" b="1" dirty="0">
-                <a:latin typeface="Times New Roman" panose="02020603050405020304" pitchFamily="18" charset="0"/>
+                <a:latin typeface="Times New Roman" panose="02020503050405090304" pitchFamily="18" charset="0"/>
                 <a:ea typeface="Tahoma" panose="020B0604030504040204" pitchFamily="34" charset="0"/>
-                <a:cs typeface="Times New Roman" panose="02020603050405020304" pitchFamily="18" charset="0"/>
+                <a:cs typeface="Times New Roman" panose="02020503050405090304" pitchFamily="18" charset="0"/>
               </a:rPr>
               <a:t>New</a:t>
             </a:r>
             <a:r>
               <a:rPr lang="en-US" altLang="zh-CN" sz="2000" dirty="0">
-                <a:latin typeface="Times New Roman" panose="02020603050405020304" pitchFamily="18" charset="0"/>
+                <a:latin typeface="Times New Roman" panose="02020503050405090304" pitchFamily="18" charset="0"/>
                 <a:ea typeface="Tahoma" panose="020B0604030504040204" pitchFamily="34" charset="0"/>
-                <a:cs typeface="Times New Roman" panose="02020603050405020304" pitchFamily="18" charset="0"/>
+                <a:cs typeface="Times New Roman" panose="02020503050405090304" pitchFamily="18" charset="0"/>
               </a:rPr>
               <a:t> − A new thread begins its life cycle in the new state. It remains in this state until the program starts the thread. It is also referred to as a born thread.</a:t>
             </a:r>
+            <a:endParaRPr lang="en-US" altLang="zh-CN" sz="2000" dirty="0">
+              <a:latin typeface="Times New Roman" panose="02020503050405090304" pitchFamily="18" charset="0"/>
+              <a:ea typeface="Tahoma" panose="020B0604030504040204" pitchFamily="34" charset="0"/>
+              <a:cs typeface="Times New Roman" panose="02020503050405090304" pitchFamily="18" charset="0"/>
+            </a:endParaRPr>
           </a:p>
           <a:p>
             <a:pPr marL="285750" indent="-285750" algn="just">
@@ -12125,20 +11954,25 @@
             </a:pPr>
             <a:r>
               <a:rPr lang="en-US" altLang="zh-CN" sz="2000" b="1" dirty="0">
-                <a:latin typeface="Times New Roman" panose="02020603050405020304" pitchFamily="18" charset="0"/>
+                <a:latin typeface="Times New Roman" panose="02020503050405090304" pitchFamily="18" charset="0"/>
                 <a:ea typeface="Tahoma" panose="020B0604030504040204" pitchFamily="34" charset="0"/>
-                <a:cs typeface="Times New Roman" panose="02020603050405020304" pitchFamily="18" charset="0"/>
+                <a:cs typeface="Times New Roman" panose="02020503050405090304" pitchFamily="18" charset="0"/>
               </a:rPr>
               <a:t>Runnable</a:t>
             </a:r>
             <a:r>
               <a:rPr lang="en-US" altLang="zh-CN" sz="2000" dirty="0">
-                <a:latin typeface="Times New Roman" panose="02020603050405020304" pitchFamily="18" charset="0"/>
+                <a:latin typeface="Times New Roman" panose="02020503050405090304" pitchFamily="18" charset="0"/>
                 <a:ea typeface="Tahoma" panose="020B0604030504040204" pitchFamily="34" charset="0"/>
-                <a:cs typeface="Times New Roman" panose="02020603050405020304" pitchFamily="18" charset="0"/>
+                <a:cs typeface="Times New Roman" panose="02020503050405090304" pitchFamily="18" charset="0"/>
               </a:rPr>
               <a:t> − After a newly born thread is started, the thread becomes runnable. A thread in this state is considered to be executing its task.</a:t>
             </a:r>
+            <a:endParaRPr lang="en-US" altLang="zh-CN" sz="2000" dirty="0">
+              <a:latin typeface="Times New Roman" panose="02020503050405090304" pitchFamily="18" charset="0"/>
+              <a:ea typeface="Tahoma" panose="020B0604030504040204" pitchFamily="34" charset="0"/>
+              <a:cs typeface="Times New Roman" panose="02020503050405090304" pitchFamily="18" charset="0"/>
+            </a:endParaRPr>
           </a:p>
           <a:p>
             <a:pPr marL="285750" indent="-285750" algn="just">
@@ -12156,20 +11990,25 @@
             </a:pPr>
             <a:r>
               <a:rPr lang="en-US" altLang="zh-CN" sz="2000" b="1" dirty="0">
-                <a:latin typeface="Times New Roman" panose="02020603050405020304" pitchFamily="18" charset="0"/>
+                <a:latin typeface="Times New Roman" panose="02020503050405090304" pitchFamily="18" charset="0"/>
                 <a:ea typeface="Tahoma" panose="020B0604030504040204" pitchFamily="34" charset="0"/>
-                <a:cs typeface="Times New Roman" panose="02020603050405020304" pitchFamily="18" charset="0"/>
+                <a:cs typeface="Times New Roman" panose="02020503050405090304" pitchFamily="18" charset="0"/>
               </a:rPr>
               <a:t>Waiting</a:t>
             </a:r>
             <a:r>
               <a:rPr lang="en-US" altLang="zh-CN" sz="2000" dirty="0">
-                <a:latin typeface="Times New Roman" panose="02020603050405020304" pitchFamily="18" charset="0"/>
+                <a:latin typeface="Times New Roman" panose="02020503050405090304" pitchFamily="18" charset="0"/>
                 <a:ea typeface="Tahoma" panose="020B0604030504040204" pitchFamily="34" charset="0"/>
-                <a:cs typeface="Times New Roman" panose="02020603050405020304" pitchFamily="18" charset="0"/>
+                <a:cs typeface="Times New Roman" panose="02020503050405090304" pitchFamily="18" charset="0"/>
               </a:rPr>
               <a:t> − Sometimes, a thread transitions to the waiting state while the thread waits for another thread to perform a task. A thread transitions back to the runnable state only when another thread signals the waiting thread to continue executing.</a:t>
             </a:r>
+            <a:endParaRPr lang="en-US" altLang="zh-CN" sz="2000" dirty="0">
+              <a:latin typeface="Times New Roman" panose="02020503050405090304" pitchFamily="18" charset="0"/>
+              <a:ea typeface="Tahoma" panose="020B0604030504040204" pitchFamily="34" charset="0"/>
+              <a:cs typeface="Times New Roman" panose="02020503050405090304" pitchFamily="18" charset="0"/>
+            </a:endParaRPr>
           </a:p>
           <a:p>
             <a:pPr marL="285750" indent="-285750" algn="just">
@@ -12187,20 +12026,25 @@
             </a:pPr>
             <a:r>
               <a:rPr lang="en-US" altLang="zh-CN" sz="2000" b="1" dirty="0">
-                <a:latin typeface="Times New Roman" panose="02020603050405020304" pitchFamily="18" charset="0"/>
+                <a:latin typeface="Times New Roman" panose="02020503050405090304" pitchFamily="18" charset="0"/>
                 <a:ea typeface="Tahoma" panose="020B0604030504040204" pitchFamily="34" charset="0"/>
-                <a:cs typeface="Times New Roman" panose="02020603050405020304" pitchFamily="18" charset="0"/>
+                <a:cs typeface="Times New Roman" panose="02020503050405090304" pitchFamily="18" charset="0"/>
               </a:rPr>
               <a:t>Timed Waiting</a:t>
             </a:r>
             <a:r>
               <a:rPr lang="en-US" altLang="zh-CN" sz="2000" dirty="0">
-                <a:latin typeface="Times New Roman" panose="02020603050405020304" pitchFamily="18" charset="0"/>
+                <a:latin typeface="Times New Roman" panose="02020503050405090304" pitchFamily="18" charset="0"/>
                 <a:ea typeface="Tahoma" panose="020B0604030504040204" pitchFamily="34" charset="0"/>
-                <a:cs typeface="Times New Roman" panose="02020603050405020304" pitchFamily="18" charset="0"/>
+                <a:cs typeface="Times New Roman" panose="02020503050405090304" pitchFamily="18" charset="0"/>
               </a:rPr>
               <a:t> − A runnable thread can enter the timed waiting state for a specified interval of time. A thread in this state transitions back to the runnable state when that time interval expires or when the event it is waiting for occurs.</a:t>
             </a:r>
+            <a:endParaRPr lang="en-US" altLang="zh-CN" sz="2000" dirty="0">
+              <a:latin typeface="Times New Roman" panose="02020503050405090304" pitchFamily="18" charset="0"/>
+              <a:ea typeface="Tahoma" panose="020B0604030504040204" pitchFamily="34" charset="0"/>
+              <a:cs typeface="Times New Roman" panose="02020503050405090304" pitchFamily="18" charset="0"/>
+            </a:endParaRPr>
           </a:p>
           <a:p>
             <a:pPr marL="285750" indent="-285750" algn="just">
@@ -12218,33 +12062,28 @@
             </a:pPr>
             <a:r>
               <a:rPr lang="en-US" altLang="zh-CN" sz="2000" b="1" dirty="0">
-                <a:latin typeface="Times New Roman" panose="02020603050405020304" pitchFamily="18" charset="0"/>
+                <a:latin typeface="Times New Roman" panose="02020503050405090304" pitchFamily="18" charset="0"/>
                 <a:ea typeface="Tahoma" panose="020B0604030504040204" pitchFamily="34" charset="0"/>
-                <a:cs typeface="Times New Roman" panose="02020603050405020304" pitchFamily="18" charset="0"/>
+                <a:cs typeface="Times New Roman" panose="02020503050405090304" pitchFamily="18" charset="0"/>
               </a:rPr>
               <a:t>Terminated (Dead)</a:t>
             </a:r>
             <a:r>
               <a:rPr lang="en-US" altLang="zh-CN" sz="2000" dirty="0">
-                <a:latin typeface="Times New Roman" panose="02020603050405020304" pitchFamily="18" charset="0"/>
+                <a:latin typeface="Times New Roman" panose="02020503050405090304" pitchFamily="18" charset="0"/>
                 <a:ea typeface="Tahoma" panose="020B0604030504040204" pitchFamily="34" charset="0"/>
-                <a:cs typeface="Times New Roman" panose="02020603050405020304" pitchFamily="18" charset="0"/>
+                <a:cs typeface="Times New Roman" panose="02020503050405090304" pitchFamily="18" charset="0"/>
               </a:rPr>
               <a:t> − A runnable thread enters the terminated state when it completes its task or otherwise terminates.</a:t>
             </a:r>
             <a:endParaRPr lang="zh-CN" altLang="en-US" dirty="0">
-              <a:latin typeface="Times New Roman" panose="02020603050405020304" pitchFamily="18" charset="0"/>
-              <a:cs typeface="Times New Roman" panose="02020603050405020304" pitchFamily="18" charset="0"/>
+              <a:latin typeface="Times New Roman" panose="02020503050405090304" pitchFamily="18" charset="0"/>
+              <a:cs typeface="Times New Roman" panose="02020503050405090304" pitchFamily="18" charset="0"/>
             </a:endParaRPr>
           </a:p>
         </p:txBody>
       </p:sp>
     </p:spTree>
-    <p:extLst>
-      <p:ext uri="{BB962C8B-B14F-4D97-AF65-F5344CB8AC3E}">
-        <p14:creationId xmlns:p14="http://schemas.microsoft.com/office/powerpoint/2010/main" val="1904464814"/>
-      </p:ext>
-    </p:extLst>
   </p:cSld>
   <p:clrMapOvr>
     <a:masterClrMapping/>
@@ -12631,13 +12470,7 @@
       </p:sp>
       <p:sp>
         <p:nvSpPr>
-          <p:cNvPr id="2" name="文本框 1">
-            <a:extLst>
-              <a:ext uri="{FF2B5EF4-FFF2-40B4-BE49-F238E27FC236}">
-                <a16:creationId xmlns:a16="http://schemas.microsoft.com/office/drawing/2014/main" id="{033100C0-1433-7D72-A7D3-BB65F6A92211}"/>
-              </a:ext>
-            </a:extLst>
-          </p:cNvPr>
+          <p:cNvPr id="2" name="文本框 1"/>
           <p:cNvSpPr txBox="1"/>
           <p:nvPr/>
         </p:nvSpPr>
@@ -12672,12 +12505,17 @@
             </a:pPr>
             <a:r>
               <a:rPr lang="en-US" altLang="zh-CN" sz="2000" dirty="0">
-                <a:latin typeface="Times New Roman" panose="02020603050405020304" pitchFamily="18" charset="0"/>
+                <a:latin typeface="Times New Roman" panose="02020503050405090304" pitchFamily="18" charset="0"/>
                 <a:ea typeface="Tahoma" panose="020B0604030504040204" pitchFamily="34" charset="0"/>
-                <a:cs typeface="Times New Roman" panose="02020603050405020304" pitchFamily="18" charset="0"/>
+                <a:cs typeface="Times New Roman" panose="02020503050405090304" pitchFamily="18" charset="0"/>
               </a:rPr>
               <a:t>Advantages of Java Multithreading</a:t>
             </a:r>
+            <a:endParaRPr lang="en-US" altLang="zh-CN" sz="2000" dirty="0">
+              <a:latin typeface="Times New Roman" panose="02020503050405090304" pitchFamily="18" charset="0"/>
+              <a:ea typeface="Tahoma" panose="020B0604030504040204" pitchFamily="34" charset="0"/>
+              <a:cs typeface="Times New Roman" panose="02020503050405090304" pitchFamily="18" charset="0"/>
+            </a:endParaRPr>
           </a:p>
           <a:p>
             <a:pPr marL="742950" lvl="1" indent="-285750" algn="just">
@@ -12695,28 +12533,33 @@
             </a:pPr>
             <a:r>
               <a:rPr lang="en-US" altLang="zh-CN" dirty="0">
-                <a:latin typeface="Times New Roman" panose="02020603050405020304" pitchFamily="18" charset="0"/>
+                <a:latin typeface="Times New Roman" panose="02020503050405090304" pitchFamily="18" charset="0"/>
                 <a:ea typeface="Tahoma" panose="020B0604030504040204" pitchFamily="34" charset="0"/>
-                <a:cs typeface="Times New Roman" panose="02020603050405020304" pitchFamily="18" charset="0"/>
+                <a:cs typeface="Times New Roman" panose="02020503050405090304" pitchFamily="18" charset="0"/>
               </a:rPr>
               <a:t>1) It doesn't block the user because threads are independent and you can </a:t>
             </a:r>
             <a:r>
               <a:rPr lang="en-US" altLang="zh-CN" b="1" dirty="0">
-                <a:latin typeface="Times New Roman" panose="02020603050405020304" pitchFamily="18" charset="0"/>
+                <a:latin typeface="Times New Roman" panose="02020503050405090304" pitchFamily="18" charset="0"/>
                 <a:ea typeface="Tahoma" panose="020B0604030504040204" pitchFamily="34" charset="0"/>
-                <a:cs typeface="Times New Roman" panose="02020603050405020304" pitchFamily="18" charset="0"/>
+                <a:cs typeface="Times New Roman" panose="02020503050405090304" pitchFamily="18" charset="0"/>
               </a:rPr>
               <a:t>perform multiple operations at the same time</a:t>
             </a:r>
             <a:r>
               <a:rPr lang="en-US" altLang="zh-CN" dirty="0">
-                <a:latin typeface="Times New Roman" panose="02020603050405020304" pitchFamily="18" charset="0"/>
+                <a:latin typeface="Times New Roman" panose="02020503050405090304" pitchFamily="18" charset="0"/>
                 <a:ea typeface="Tahoma" panose="020B0604030504040204" pitchFamily="34" charset="0"/>
-                <a:cs typeface="Times New Roman" panose="02020603050405020304" pitchFamily="18" charset="0"/>
+                <a:cs typeface="Times New Roman" panose="02020503050405090304" pitchFamily="18" charset="0"/>
               </a:rPr>
               <a:t>.</a:t>
             </a:r>
+            <a:endParaRPr lang="en-US" altLang="zh-CN" dirty="0">
+              <a:latin typeface="Times New Roman" panose="02020503050405090304" pitchFamily="18" charset="0"/>
+              <a:ea typeface="Tahoma" panose="020B0604030504040204" pitchFamily="34" charset="0"/>
+              <a:cs typeface="Times New Roman" panose="02020503050405090304" pitchFamily="18" charset="0"/>
+            </a:endParaRPr>
           </a:p>
           <a:p>
             <a:pPr marL="742950" lvl="1" indent="-285750" algn="just">
@@ -12734,28 +12577,33 @@
             </a:pPr>
             <a:r>
               <a:rPr lang="en-US" altLang="zh-CN" dirty="0">
-                <a:latin typeface="Times New Roman" panose="02020603050405020304" pitchFamily="18" charset="0"/>
+                <a:latin typeface="Times New Roman" panose="02020503050405090304" pitchFamily="18" charset="0"/>
                 <a:ea typeface="Tahoma" panose="020B0604030504040204" pitchFamily="34" charset="0"/>
-                <a:cs typeface="Times New Roman" panose="02020603050405020304" pitchFamily="18" charset="0"/>
+                <a:cs typeface="Times New Roman" panose="02020503050405090304" pitchFamily="18" charset="0"/>
               </a:rPr>
               <a:t>2) You can perform many operations together, so it </a:t>
             </a:r>
             <a:r>
               <a:rPr lang="en-US" altLang="zh-CN" b="1" dirty="0">
-                <a:latin typeface="Times New Roman" panose="02020603050405020304" pitchFamily="18" charset="0"/>
+                <a:latin typeface="Times New Roman" panose="02020503050405090304" pitchFamily="18" charset="0"/>
                 <a:ea typeface="Tahoma" panose="020B0604030504040204" pitchFamily="34" charset="0"/>
-                <a:cs typeface="Times New Roman" panose="02020603050405020304" pitchFamily="18" charset="0"/>
+                <a:cs typeface="Times New Roman" panose="02020503050405090304" pitchFamily="18" charset="0"/>
               </a:rPr>
               <a:t>saves time</a:t>
             </a:r>
             <a:r>
               <a:rPr lang="en-US" altLang="zh-CN" dirty="0">
-                <a:latin typeface="Times New Roman" panose="02020603050405020304" pitchFamily="18" charset="0"/>
+                <a:latin typeface="Times New Roman" panose="02020503050405090304" pitchFamily="18" charset="0"/>
                 <a:ea typeface="Tahoma" panose="020B0604030504040204" pitchFamily="34" charset="0"/>
-                <a:cs typeface="Times New Roman" panose="02020603050405020304" pitchFamily="18" charset="0"/>
+                <a:cs typeface="Times New Roman" panose="02020503050405090304" pitchFamily="18" charset="0"/>
               </a:rPr>
               <a:t>.</a:t>
             </a:r>
+            <a:endParaRPr lang="en-US" altLang="zh-CN" dirty="0">
+              <a:latin typeface="Times New Roman" panose="02020503050405090304" pitchFamily="18" charset="0"/>
+              <a:ea typeface="Tahoma" panose="020B0604030504040204" pitchFamily="34" charset="0"/>
+              <a:cs typeface="Times New Roman" panose="02020503050405090304" pitchFamily="18" charset="0"/>
+            </a:endParaRPr>
           </a:p>
           <a:p>
             <a:pPr marL="742950" lvl="1" indent="-285750" algn="just">
@@ -12773,28 +12621,33 @@
             </a:pPr>
             <a:r>
               <a:rPr lang="en-US" altLang="zh-CN" dirty="0">
-                <a:latin typeface="Times New Roman" panose="02020603050405020304" pitchFamily="18" charset="0"/>
+                <a:latin typeface="Times New Roman" panose="02020503050405090304" pitchFamily="18" charset="0"/>
                 <a:ea typeface="Tahoma" panose="020B0604030504040204" pitchFamily="34" charset="0"/>
-                <a:cs typeface="Times New Roman" panose="02020603050405020304" pitchFamily="18" charset="0"/>
+                <a:cs typeface="Times New Roman" panose="02020503050405090304" pitchFamily="18" charset="0"/>
               </a:rPr>
               <a:t>3) Threads are independent, so it </a:t>
             </a:r>
             <a:r>
               <a:rPr lang="en-US" altLang="zh-CN" b="1" dirty="0">
-                <a:latin typeface="Times New Roman" panose="02020603050405020304" pitchFamily="18" charset="0"/>
+                <a:latin typeface="Times New Roman" panose="02020503050405090304" pitchFamily="18" charset="0"/>
                 <a:ea typeface="Tahoma" panose="020B0604030504040204" pitchFamily="34" charset="0"/>
-                <a:cs typeface="Times New Roman" panose="02020603050405020304" pitchFamily="18" charset="0"/>
+                <a:cs typeface="Times New Roman" panose="02020503050405090304" pitchFamily="18" charset="0"/>
               </a:rPr>
               <a:t>doesn't affect other threads</a:t>
             </a:r>
             <a:r>
               <a:rPr lang="en-US" altLang="zh-CN" dirty="0">
-                <a:latin typeface="Times New Roman" panose="02020603050405020304" pitchFamily="18" charset="0"/>
+                <a:latin typeface="Times New Roman" panose="02020503050405090304" pitchFamily="18" charset="0"/>
                 <a:ea typeface="Tahoma" panose="020B0604030504040204" pitchFamily="34" charset="0"/>
-                <a:cs typeface="Times New Roman" panose="02020603050405020304" pitchFamily="18" charset="0"/>
+                <a:cs typeface="Times New Roman" panose="02020503050405090304" pitchFamily="18" charset="0"/>
               </a:rPr>
               <a:t> if an exception occurs in a single thread.</a:t>
             </a:r>
+            <a:endParaRPr lang="en-US" altLang="zh-CN" dirty="0">
+              <a:latin typeface="Times New Roman" panose="02020503050405090304" pitchFamily="18" charset="0"/>
+              <a:ea typeface="Tahoma" panose="020B0604030504040204" pitchFamily="34" charset="0"/>
+              <a:cs typeface="Times New Roman" panose="02020503050405090304" pitchFamily="18" charset="0"/>
+            </a:endParaRPr>
           </a:p>
           <a:p>
             <a:pPr marL="285750" indent="-285750" algn="just">
@@ -12812,11 +12665,15 @@
             </a:pPr>
             <a:r>
               <a:rPr lang="en-US" altLang="zh-CN" sz="2000" dirty="0">
-                <a:latin typeface="Times New Roman" panose="02020603050405020304" pitchFamily="18" charset="0"/>
-                <a:cs typeface="Times New Roman" panose="02020603050405020304" pitchFamily="18" charset="0"/>
+                <a:latin typeface="Times New Roman" panose="02020503050405090304" pitchFamily="18" charset="0"/>
+                <a:cs typeface="Times New Roman" panose="02020503050405090304" pitchFamily="18" charset="0"/>
               </a:rPr>
               <a:t>Threads can be created by using two mechanisms : </a:t>
             </a:r>
+            <a:endParaRPr lang="en-US" altLang="zh-CN" sz="2000" dirty="0">
+              <a:latin typeface="Times New Roman" panose="02020503050405090304" pitchFamily="18" charset="0"/>
+              <a:cs typeface="Times New Roman" panose="02020503050405090304" pitchFamily="18" charset="0"/>
+            </a:endParaRPr>
           </a:p>
           <a:p>
             <a:pPr marL="742950" lvl="1" indent="-285750" algn="just">
@@ -12834,25 +12691,29 @@
             </a:pPr>
             <a:r>
               <a:rPr lang="en-US" altLang="zh-CN" dirty="0">
-                <a:latin typeface="Times New Roman" panose="02020603050405020304" pitchFamily="18" charset="0"/>
-                <a:cs typeface="Times New Roman" panose="02020603050405020304" pitchFamily="18" charset="0"/>
+                <a:latin typeface="Times New Roman" panose="02020503050405090304" pitchFamily="18" charset="0"/>
+                <a:cs typeface="Times New Roman" panose="02020503050405090304" pitchFamily="18" charset="0"/>
               </a:rPr>
               <a:t>Extending the </a:t>
             </a:r>
             <a:r>
               <a:rPr lang="en-US" altLang="zh-CN" b="1" dirty="0">
-                <a:latin typeface="Times New Roman" panose="02020603050405020304" pitchFamily="18" charset="0"/>
-                <a:cs typeface="Times New Roman" panose="02020603050405020304" pitchFamily="18" charset="0"/>
+                <a:latin typeface="Times New Roman" panose="02020503050405090304" pitchFamily="18" charset="0"/>
+                <a:cs typeface="Times New Roman" panose="02020503050405090304" pitchFamily="18" charset="0"/>
               </a:rPr>
               <a:t>Thread class</a:t>
             </a:r>
             <a:r>
               <a:rPr lang="en-US" altLang="zh-CN" dirty="0">
-                <a:latin typeface="Times New Roman" panose="02020603050405020304" pitchFamily="18" charset="0"/>
-                <a:cs typeface="Times New Roman" panose="02020603050405020304" pitchFamily="18" charset="0"/>
+                <a:latin typeface="Times New Roman" panose="02020503050405090304" pitchFamily="18" charset="0"/>
+                <a:cs typeface="Times New Roman" panose="02020503050405090304" pitchFamily="18" charset="0"/>
               </a:rPr>
               <a:t> </a:t>
             </a:r>
+            <a:endParaRPr lang="en-US" altLang="zh-CN" dirty="0">
+              <a:latin typeface="Times New Roman" panose="02020503050405090304" pitchFamily="18" charset="0"/>
+              <a:cs typeface="Times New Roman" panose="02020503050405090304" pitchFamily="18" charset="0"/>
+            </a:endParaRPr>
           </a:p>
           <a:p>
             <a:pPr marL="742950" lvl="1" indent="-285750" algn="just">
@@ -12870,18 +12731,22 @@
             </a:pPr>
             <a:r>
               <a:rPr lang="en-US" altLang="zh-CN" dirty="0">
-                <a:latin typeface="Times New Roman" panose="02020603050405020304" pitchFamily="18" charset="0"/>
-                <a:cs typeface="Times New Roman" panose="02020603050405020304" pitchFamily="18" charset="0"/>
+                <a:latin typeface="Times New Roman" panose="02020503050405090304" pitchFamily="18" charset="0"/>
+                <a:cs typeface="Times New Roman" panose="02020503050405090304" pitchFamily="18" charset="0"/>
               </a:rPr>
               <a:t>Implementing the </a:t>
             </a:r>
             <a:r>
               <a:rPr lang="en-US" altLang="zh-CN" b="1" dirty="0">
-                <a:latin typeface="Times New Roman" panose="02020603050405020304" pitchFamily="18" charset="0"/>
-                <a:cs typeface="Times New Roman" panose="02020603050405020304" pitchFamily="18" charset="0"/>
+                <a:latin typeface="Times New Roman" panose="02020503050405090304" pitchFamily="18" charset="0"/>
+                <a:cs typeface="Times New Roman" panose="02020503050405090304" pitchFamily="18" charset="0"/>
               </a:rPr>
               <a:t>Runnable Interface</a:t>
             </a:r>
+            <a:endParaRPr lang="en-US" altLang="zh-CN" b="1" dirty="0">
+              <a:latin typeface="Times New Roman" panose="02020503050405090304" pitchFamily="18" charset="0"/>
+              <a:cs typeface="Times New Roman" panose="02020503050405090304" pitchFamily="18" charset="0"/>
+            </a:endParaRPr>
           </a:p>
           <a:p>
             <a:pPr marL="285750" indent="-285750" algn="just">
@@ -12899,20 +12764,19 @@
             </a:pPr>
             <a:r>
               <a:rPr lang="en-US" altLang="zh-CN" sz="2000" dirty="0">
-                <a:latin typeface="Times New Roman" panose="02020603050405020304" pitchFamily="18" charset="0"/>
-                <a:cs typeface="Times New Roman" panose="02020603050405020304" pitchFamily="18" charset="0"/>
+                <a:latin typeface="Times New Roman" panose="02020503050405090304" pitchFamily="18" charset="0"/>
+                <a:cs typeface="Times New Roman" panose="02020503050405090304" pitchFamily="18" charset="0"/>
               </a:rPr>
               <a:t>Java provides Thread class to achieve thread programming. Thread class provides constructors and methods to create and perform operations on a thread. Thread class extends Object class and implements Runnable interface.</a:t>
             </a:r>
+            <a:endParaRPr lang="en-US" altLang="zh-CN" sz="2000" dirty="0">
+              <a:latin typeface="Times New Roman" panose="02020503050405090304" pitchFamily="18" charset="0"/>
+              <a:cs typeface="Times New Roman" panose="02020503050405090304" pitchFamily="18" charset="0"/>
+            </a:endParaRPr>
           </a:p>
         </p:txBody>
       </p:sp>
     </p:spTree>
-    <p:extLst>
-      <p:ext uri="{BB962C8B-B14F-4D97-AF65-F5344CB8AC3E}">
-        <p14:creationId xmlns:p14="http://schemas.microsoft.com/office/powerpoint/2010/main" val="2190885844"/>
-      </p:ext>
-    </p:extLst>
   </p:cSld>
   <p:clrMapOvr>
     <a:masterClrMapping/>
@@ -13439,7 +13303,7 @@
 </file>
 
 <file path=ppt/tags/tag1.xml><?xml version="1.0" encoding="utf-8"?>
-<p:tagLst xmlns:a="http://schemas.openxmlformats.org/drawingml/2006/main" xmlns:r="http://schemas.openxmlformats.org/officeDocument/2006/relationships" xmlns:p="http://schemas.openxmlformats.org/presentationml/2006/main">
+<p:tagLst xmlns:p="http://schemas.openxmlformats.org/presentationml/2006/main">
   <p:tag name="KSO_WPP_MARK_KEY" val="1fe9a046-a2a9-43bc-a645-b850c7246860"/>
   <p:tag name="COMMONDATA" val="eyJoZGlkIjoiZTA3OWNmMjM5Yzk3NTBiMmZkZTUxNTExMWY5ZTUxMGQifQ=="/>
 </p:tagLst>
@@ -13716,14 +13580,13 @@
             <a:srgbClr val="FF0000"/>
           </a:buClr>
           <a:defRPr dirty="0">
-            <a:latin typeface="Times New Roman" panose="02020603050405020304" pitchFamily="18" charset="0"/>
-            <a:cs typeface="Times New Roman" panose="02020603050405020304" pitchFamily="18" charset="0"/>
+            <a:latin typeface="Times New Roman" panose="02020503050405090304" pitchFamily="18" charset="0"/>
+            <a:cs typeface="Times New Roman" panose="02020503050405090304" pitchFamily="18" charset="0"/>
           </a:defRPr>
         </a:defPPr>
       </a:lstStyle>
     </a:txDef>
   </a:objectDefaults>
-  <a:extraClrSchemeLst/>
   <a:extLst>
     <a:ext uri="{05A4C25C-085E-4340-85A3-A5531E510DB2}">
       <thm15:themeFamily xmlns:thm15="http://schemas.microsoft.com/office/thememl/2012/main" name="Office Theme" id="{62F939B6-93AF-4DB8-9C6B-D6C7DFDC589F}" vid="{4A3C46E8-61CC-4603-A589-7422A47A8E4A}"/>
@@ -13983,8 +13846,6 @@
       </a:bgFillStyleLst>
     </a:fmtScheme>
   </a:themeElements>
-  <a:objectDefaults/>
-  <a:extraClrSchemeLst/>
   <a:extLst>
     <a:ext uri="{05A4C25C-085E-4340-85A3-A5531E510DB2}">
       <thm15:themeFamily xmlns:thm15="http://schemas.microsoft.com/office/thememl/2012/main" name="Office Theme" id="{62F939B6-93AF-4DB8-9C6B-D6C7DFDC589F}" vid="{4A3C46E8-61CC-4603-A589-7422A47A8E4A}"/>
